--- a/我願觸動你心弦(崇拜版）.pptx
+++ b/我願觸動你心弦(崇拜版）.pptx
@@ -290,7 +290,8 @@
           <a:p>
             <a:fld id="{669590F7-C5B5-4AE4-AFAB-4E0783D865E1}" type="datetimeFigureOut">
               <a:rPr lang="en-US" smtClean="0"/>
-              <a:t>11/2/2019</a:t>
+              <a:pPr/>
+              <a:t>6/16/2020</a:t>
             </a:fld>
             <a:endParaRPr lang="en-US"/>
           </a:p>
@@ -332,6 +333,7 @@
           <a:p>
             <a:fld id="{8600EE65-9995-450B-9A2F-407962D8FEFF}" type="slidenum">
               <a:rPr lang="en-US" smtClean="0"/>
+              <a:pPr/>
               <a:t>‹#›</a:t>
             </a:fld>
             <a:endParaRPr lang="en-US"/>
@@ -341,7 +343,7 @@
     </p:spTree>
     <p:extLst>
       <p:ext uri="{BB962C8B-B14F-4D97-AF65-F5344CB8AC3E}">
-        <p14:creationId xmlns:p14="http://schemas.microsoft.com/office/powerpoint/2010/main" val="193090056"/>
+        <p14:creationId xmlns:p14="http://schemas.microsoft.com/office/powerpoint/2010/main" xmlns="" val="193090056"/>
       </p:ext>
     </p:extLst>
   </p:cSld>
@@ -460,7 +462,8 @@
           <a:p>
             <a:fld id="{669590F7-C5B5-4AE4-AFAB-4E0783D865E1}" type="datetimeFigureOut">
               <a:rPr lang="en-US" smtClean="0"/>
-              <a:t>11/2/2019</a:t>
+              <a:pPr/>
+              <a:t>6/16/2020</a:t>
             </a:fld>
             <a:endParaRPr lang="en-US"/>
           </a:p>
@@ -502,6 +505,7 @@
           <a:p>
             <a:fld id="{8600EE65-9995-450B-9A2F-407962D8FEFF}" type="slidenum">
               <a:rPr lang="en-US" smtClean="0"/>
+              <a:pPr/>
               <a:t>‹#›</a:t>
             </a:fld>
             <a:endParaRPr lang="en-US"/>
@@ -511,7 +515,7 @@
     </p:spTree>
     <p:extLst>
       <p:ext uri="{BB962C8B-B14F-4D97-AF65-F5344CB8AC3E}">
-        <p14:creationId xmlns:p14="http://schemas.microsoft.com/office/powerpoint/2010/main" val="3075892851"/>
+        <p14:creationId xmlns:p14="http://schemas.microsoft.com/office/powerpoint/2010/main" xmlns="" val="3075892851"/>
       </p:ext>
     </p:extLst>
   </p:cSld>
@@ -640,7 +644,8 @@
           <a:p>
             <a:fld id="{669590F7-C5B5-4AE4-AFAB-4E0783D865E1}" type="datetimeFigureOut">
               <a:rPr lang="en-US" smtClean="0"/>
-              <a:t>11/2/2019</a:t>
+              <a:pPr/>
+              <a:t>6/16/2020</a:t>
             </a:fld>
             <a:endParaRPr lang="en-US"/>
           </a:p>
@@ -682,6 +687,7 @@
           <a:p>
             <a:fld id="{8600EE65-9995-450B-9A2F-407962D8FEFF}" type="slidenum">
               <a:rPr lang="en-US" smtClean="0"/>
+              <a:pPr/>
               <a:t>‹#›</a:t>
             </a:fld>
             <a:endParaRPr lang="en-US"/>
@@ -691,7 +697,7 @@
     </p:spTree>
     <p:extLst>
       <p:ext uri="{BB962C8B-B14F-4D97-AF65-F5344CB8AC3E}">
-        <p14:creationId xmlns:p14="http://schemas.microsoft.com/office/powerpoint/2010/main" val="2601027025"/>
+        <p14:creationId xmlns:p14="http://schemas.microsoft.com/office/powerpoint/2010/main" xmlns="" val="2601027025"/>
       </p:ext>
     </p:extLst>
   </p:cSld>
@@ -810,7 +816,8 @@
           <a:p>
             <a:fld id="{669590F7-C5B5-4AE4-AFAB-4E0783D865E1}" type="datetimeFigureOut">
               <a:rPr lang="en-US" smtClean="0"/>
-              <a:t>11/2/2019</a:t>
+              <a:pPr/>
+              <a:t>6/16/2020</a:t>
             </a:fld>
             <a:endParaRPr lang="en-US"/>
           </a:p>
@@ -852,6 +859,7 @@
           <a:p>
             <a:fld id="{8600EE65-9995-450B-9A2F-407962D8FEFF}" type="slidenum">
               <a:rPr lang="en-US" smtClean="0"/>
+              <a:pPr/>
               <a:t>‹#›</a:t>
             </a:fld>
             <a:endParaRPr lang="en-US"/>
@@ -861,7 +869,7 @@
     </p:spTree>
     <p:extLst>
       <p:ext uri="{BB962C8B-B14F-4D97-AF65-F5344CB8AC3E}">
-        <p14:creationId xmlns:p14="http://schemas.microsoft.com/office/powerpoint/2010/main" val="3618089478"/>
+        <p14:creationId xmlns:p14="http://schemas.microsoft.com/office/powerpoint/2010/main" xmlns="" val="3618089478"/>
       </p:ext>
     </p:extLst>
   </p:cSld>
@@ -1056,7 +1064,8 @@
           <a:p>
             <a:fld id="{669590F7-C5B5-4AE4-AFAB-4E0783D865E1}" type="datetimeFigureOut">
               <a:rPr lang="en-US" smtClean="0"/>
-              <a:t>11/2/2019</a:t>
+              <a:pPr/>
+              <a:t>6/16/2020</a:t>
             </a:fld>
             <a:endParaRPr lang="en-US"/>
           </a:p>
@@ -1098,6 +1107,7 @@
           <a:p>
             <a:fld id="{8600EE65-9995-450B-9A2F-407962D8FEFF}" type="slidenum">
               <a:rPr lang="en-US" smtClean="0"/>
+              <a:pPr/>
               <a:t>‹#›</a:t>
             </a:fld>
             <a:endParaRPr lang="en-US"/>
@@ -1107,7 +1117,7 @@
     </p:spTree>
     <p:extLst>
       <p:ext uri="{BB962C8B-B14F-4D97-AF65-F5344CB8AC3E}">
-        <p14:creationId xmlns:p14="http://schemas.microsoft.com/office/powerpoint/2010/main" val="1036537477"/>
+        <p14:creationId xmlns:p14="http://schemas.microsoft.com/office/powerpoint/2010/main" xmlns="" val="1036537477"/>
       </p:ext>
     </p:extLst>
   </p:cSld>
@@ -1344,7 +1354,8 @@
           <a:p>
             <a:fld id="{669590F7-C5B5-4AE4-AFAB-4E0783D865E1}" type="datetimeFigureOut">
               <a:rPr lang="en-US" smtClean="0"/>
-              <a:t>11/2/2019</a:t>
+              <a:pPr/>
+              <a:t>6/16/2020</a:t>
             </a:fld>
             <a:endParaRPr lang="en-US"/>
           </a:p>
@@ -1386,6 +1397,7 @@
           <a:p>
             <a:fld id="{8600EE65-9995-450B-9A2F-407962D8FEFF}" type="slidenum">
               <a:rPr lang="en-US" smtClean="0"/>
+              <a:pPr/>
               <a:t>‹#›</a:t>
             </a:fld>
             <a:endParaRPr lang="en-US"/>
@@ -1395,7 +1407,7 @@
     </p:spTree>
     <p:extLst>
       <p:ext uri="{BB962C8B-B14F-4D97-AF65-F5344CB8AC3E}">
-        <p14:creationId xmlns:p14="http://schemas.microsoft.com/office/powerpoint/2010/main" val="4006088752"/>
+        <p14:creationId xmlns:p14="http://schemas.microsoft.com/office/powerpoint/2010/main" xmlns="" val="4006088752"/>
       </p:ext>
     </p:extLst>
   </p:cSld>
@@ -1766,7 +1778,8 @@
           <a:p>
             <a:fld id="{669590F7-C5B5-4AE4-AFAB-4E0783D865E1}" type="datetimeFigureOut">
               <a:rPr lang="en-US" smtClean="0"/>
-              <a:t>11/2/2019</a:t>
+              <a:pPr/>
+              <a:t>6/16/2020</a:t>
             </a:fld>
             <a:endParaRPr lang="en-US"/>
           </a:p>
@@ -1808,6 +1821,7 @@
           <a:p>
             <a:fld id="{8600EE65-9995-450B-9A2F-407962D8FEFF}" type="slidenum">
               <a:rPr lang="en-US" smtClean="0"/>
+              <a:pPr/>
               <a:t>‹#›</a:t>
             </a:fld>
             <a:endParaRPr lang="en-US"/>
@@ -1817,7 +1831,7 @@
     </p:spTree>
     <p:extLst>
       <p:ext uri="{BB962C8B-B14F-4D97-AF65-F5344CB8AC3E}">
-        <p14:creationId xmlns:p14="http://schemas.microsoft.com/office/powerpoint/2010/main" val="3939845368"/>
+        <p14:creationId xmlns:p14="http://schemas.microsoft.com/office/powerpoint/2010/main" xmlns="" val="3939845368"/>
       </p:ext>
     </p:extLst>
   </p:cSld>
@@ -1884,7 +1898,8 @@
           <a:p>
             <a:fld id="{669590F7-C5B5-4AE4-AFAB-4E0783D865E1}" type="datetimeFigureOut">
               <a:rPr lang="en-US" smtClean="0"/>
-              <a:t>11/2/2019</a:t>
+              <a:pPr/>
+              <a:t>6/16/2020</a:t>
             </a:fld>
             <a:endParaRPr lang="en-US"/>
           </a:p>
@@ -1926,6 +1941,7 @@
           <a:p>
             <a:fld id="{8600EE65-9995-450B-9A2F-407962D8FEFF}" type="slidenum">
               <a:rPr lang="en-US" smtClean="0"/>
+              <a:pPr/>
               <a:t>‹#›</a:t>
             </a:fld>
             <a:endParaRPr lang="en-US"/>
@@ -1935,7 +1951,7 @@
     </p:spTree>
     <p:extLst>
       <p:ext uri="{BB962C8B-B14F-4D97-AF65-F5344CB8AC3E}">
-        <p14:creationId xmlns:p14="http://schemas.microsoft.com/office/powerpoint/2010/main" val="838600763"/>
+        <p14:creationId xmlns:p14="http://schemas.microsoft.com/office/powerpoint/2010/main" xmlns="" val="838600763"/>
       </p:ext>
     </p:extLst>
   </p:cSld>
@@ -1979,7 +1995,8 @@
           <a:p>
             <a:fld id="{669590F7-C5B5-4AE4-AFAB-4E0783D865E1}" type="datetimeFigureOut">
               <a:rPr lang="en-US" smtClean="0"/>
-              <a:t>11/2/2019</a:t>
+              <a:pPr/>
+              <a:t>6/16/2020</a:t>
             </a:fld>
             <a:endParaRPr lang="en-US"/>
           </a:p>
@@ -2021,6 +2038,7 @@
           <a:p>
             <a:fld id="{8600EE65-9995-450B-9A2F-407962D8FEFF}" type="slidenum">
               <a:rPr lang="en-US" smtClean="0"/>
+              <a:pPr/>
               <a:t>‹#›</a:t>
             </a:fld>
             <a:endParaRPr lang="en-US"/>
@@ -2030,7 +2048,7 @@
     </p:spTree>
     <p:extLst>
       <p:ext uri="{BB962C8B-B14F-4D97-AF65-F5344CB8AC3E}">
-        <p14:creationId xmlns:p14="http://schemas.microsoft.com/office/powerpoint/2010/main" val="3979675278"/>
+        <p14:creationId xmlns:p14="http://schemas.microsoft.com/office/powerpoint/2010/main" xmlns="" val="3979675278"/>
       </p:ext>
     </p:extLst>
   </p:cSld>
@@ -2256,7 +2274,8 @@
           <a:p>
             <a:fld id="{669590F7-C5B5-4AE4-AFAB-4E0783D865E1}" type="datetimeFigureOut">
               <a:rPr lang="en-US" smtClean="0"/>
-              <a:t>11/2/2019</a:t>
+              <a:pPr/>
+              <a:t>6/16/2020</a:t>
             </a:fld>
             <a:endParaRPr lang="en-US"/>
           </a:p>
@@ -2298,6 +2317,7 @@
           <a:p>
             <a:fld id="{8600EE65-9995-450B-9A2F-407962D8FEFF}" type="slidenum">
               <a:rPr lang="en-US" smtClean="0"/>
+              <a:pPr/>
               <a:t>‹#›</a:t>
             </a:fld>
             <a:endParaRPr lang="en-US"/>
@@ -2307,7 +2327,7 @@
     </p:spTree>
     <p:extLst>
       <p:ext uri="{BB962C8B-B14F-4D97-AF65-F5344CB8AC3E}">
-        <p14:creationId xmlns:p14="http://schemas.microsoft.com/office/powerpoint/2010/main" val="2317586828"/>
+        <p14:creationId xmlns:p14="http://schemas.microsoft.com/office/powerpoint/2010/main" xmlns="" val="2317586828"/>
       </p:ext>
     </p:extLst>
   </p:cSld>
@@ -2513,7 +2533,8 @@
           <a:p>
             <a:fld id="{669590F7-C5B5-4AE4-AFAB-4E0783D865E1}" type="datetimeFigureOut">
               <a:rPr lang="en-US" smtClean="0"/>
-              <a:t>11/2/2019</a:t>
+              <a:pPr/>
+              <a:t>6/16/2020</a:t>
             </a:fld>
             <a:endParaRPr lang="en-US"/>
           </a:p>
@@ -2555,6 +2576,7 @@
           <a:p>
             <a:fld id="{8600EE65-9995-450B-9A2F-407962D8FEFF}" type="slidenum">
               <a:rPr lang="en-US" smtClean="0"/>
+              <a:pPr/>
               <a:t>‹#›</a:t>
             </a:fld>
             <a:endParaRPr lang="en-US"/>
@@ -2564,7 +2586,7 @@
     </p:spTree>
     <p:extLst>
       <p:ext uri="{BB962C8B-B14F-4D97-AF65-F5344CB8AC3E}">
-        <p14:creationId xmlns:p14="http://schemas.microsoft.com/office/powerpoint/2010/main" val="3057389885"/>
+        <p14:creationId xmlns:p14="http://schemas.microsoft.com/office/powerpoint/2010/main" xmlns="" val="3057389885"/>
       </p:ext>
     </p:extLst>
   </p:cSld>
@@ -2731,7 +2753,8 @@
           <a:p>
             <a:fld id="{669590F7-C5B5-4AE4-AFAB-4E0783D865E1}" type="datetimeFigureOut">
               <a:rPr lang="en-US" smtClean="0"/>
-              <a:t>11/2/2019</a:t>
+              <a:pPr/>
+              <a:t>6/16/2020</a:t>
             </a:fld>
             <a:endParaRPr lang="en-US"/>
           </a:p>
@@ -2809,6 +2832,7 @@
           <a:p>
             <a:fld id="{8600EE65-9995-450B-9A2F-407962D8FEFF}" type="slidenum">
               <a:rPr lang="en-US" smtClean="0"/>
+              <a:pPr/>
               <a:t>‹#›</a:t>
             </a:fld>
             <a:endParaRPr lang="en-US"/>
@@ -2818,7 +2842,7 @@
     </p:spTree>
     <p:extLst>
       <p:ext uri="{BB962C8B-B14F-4D97-AF65-F5344CB8AC3E}">
-        <p14:creationId xmlns:p14="http://schemas.microsoft.com/office/powerpoint/2010/main" val="2931263662"/>
+        <p14:creationId xmlns:p14="http://schemas.microsoft.com/office/powerpoint/2010/main" xmlns="" val="2931263662"/>
       </p:ext>
     </p:extLst>
   </p:cSld>
@@ -3128,7 +3152,28 @@
                 <a:latin typeface="Microsoft JhengHei" panose="020B0604030504040204" pitchFamily="34" charset="-120"/>
                 <a:ea typeface="Microsoft JhengHei" panose="020B0604030504040204" pitchFamily="34" charset="-120"/>
               </a:rPr>
-              <a:t>我願觸動你心弦</a:t>
+              <a:t>我願</a:t>
+            </a:r>
+            <a:r>
+              <a:rPr lang="zh-TW" altLang="en-US" sz="4800" b="1" dirty="0" smtClean="0">
+                <a:latin typeface="Microsoft JhengHei" panose="020B0604030504040204" pitchFamily="34" charset="-120"/>
+                <a:ea typeface="Microsoft JhengHei" panose="020B0604030504040204" pitchFamily="34" charset="-120"/>
+              </a:rPr>
+              <a:t>觸動</a:t>
+            </a:r>
+            <a:r>
+              <a:rPr lang="zh-CN" altLang="en-US" sz="4800" b="1" dirty="0" smtClean="0">
+                <a:latin typeface="Microsoft JhengHei" panose="020B0604030504040204" pitchFamily="34" charset="-120"/>
+                <a:ea typeface="Microsoft JhengHei" panose="020B0604030504040204" pitchFamily="34" charset="-120"/>
+              </a:rPr>
+              <a:t>袮</a:t>
+            </a:r>
+            <a:r>
+              <a:rPr lang="zh-TW" altLang="en-US" sz="4800" b="1" dirty="0" smtClean="0">
+                <a:latin typeface="Microsoft JhengHei" panose="020B0604030504040204" pitchFamily="34" charset="-120"/>
+                <a:ea typeface="Microsoft JhengHei" panose="020B0604030504040204" pitchFamily="34" charset="-120"/>
+              </a:rPr>
+              <a:t>心弦</a:t>
             </a:r>
             <a:endParaRPr lang="en-US" sz="4800" b="1" dirty="0">
               <a:latin typeface="Microsoft JhengHei" panose="020B0604030504040204" pitchFamily="34" charset="-120"/>
@@ -3162,7 +3207,28 @@
                 <a:latin typeface="Microsoft JhengHei" panose="020B0604030504040204" pitchFamily="34" charset="-120"/>
                 <a:ea typeface="Microsoft JhengHei" panose="020B0604030504040204" pitchFamily="34" charset="-120"/>
               </a:rPr>
-              <a:t>每當我來到主你寶座</a:t>
+              <a:t>每當我來到</a:t>
+            </a:r>
+            <a:r>
+              <a:rPr lang="zh-TW" altLang="en-US" sz="5400" b="1" dirty="0" smtClean="0">
+                <a:latin typeface="Microsoft JhengHei" panose="020B0604030504040204" pitchFamily="34" charset="-120"/>
+                <a:ea typeface="Microsoft JhengHei" panose="020B0604030504040204" pitchFamily="34" charset="-120"/>
+              </a:rPr>
+              <a:t>主</a:t>
+            </a:r>
+            <a:r>
+              <a:rPr lang="zh-CN" altLang="en-US" sz="5400" b="1" dirty="0" smtClean="0">
+                <a:latin typeface="Microsoft JhengHei" panose="020B0604030504040204" pitchFamily="34" charset="-120"/>
+                <a:ea typeface="Microsoft JhengHei" panose="020B0604030504040204" pitchFamily="34" charset="-120"/>
+              </a:rPr>
+              <a:t>袮</a:t>
+            </a:r>
+            <a:r>
+              <a:rPr lang="zh-TW" altLang="en-US" sz="5400" b="1" dirty="0" smtClean="0">
+                <a:latin typeface="Microsoft JhengHei" panose="020B0604030504040204" pitchFamily="34" charset="-120"/>
+                <a:ea typeface="Microsoft JhengHei" panose="020B0604030504040204" pitchFamily="34" charset="-120"/>
+              </a:rPr>
+              <a:t>寶座</a:t>
             </a:r>
             <a:r>
               <a:rPr lang="zh-TW" altLang="en-US" sz="5400" b="1" dirty="0" smtClean="0">
@@ -3192,7 +3258,35 @@
                 <a:latin typeface="Microsoft JhengHei" panose="020B0604030504040204" pitchFamily="34" charset="-120"/>
                 <a:ea typeface="Microsoft JhengHei" panose="020B0604030504040204" pitchFamily="34" charset="-120"/>
               </a:rPr>
-              <a:t>心我靈向你俯伏敬</a:t>
+              <a:t>心我靈</a:t>
+            </a:r>
+            <a:r>
+              <a:rPr lang="zh-TW" altLang="en-US" sz="5400" b="1" dirty="0" smtClean="0">
+                <a:latin typeface="Microsoft JhengHei" panose="020B0604030504040204" pitchFamily="34" charset="-120"/>
+                <a:ea typeface="Microsoft JhengHei" panose="020B0604030504040204" pitchFamily="34" charset="-120"/>
+              </a:rPr>
+              <a:t>向</a:t>
+            </a:r>
+            <a:r>
+              <a:rPr lang="zh-CN" altLang="en-US" sz="5400" b="1" dirty="0" smtClean="0">
+                <a:latin typeface="Microsoft JhengHei" panose="020B0604030504040204" pitchFamily="34" charset="-120"/>
+                <a:ea typeface="Microsoft JhengHei" panose="020B0604030504040204" pitchFamily="34" charset="-120"/>
+              </a:rPr>
+              <a:t>袮</a:t>
+            </a:r>
+            <a:r>
+              <a:rPr lang="zh-TW" altLang="en-US" sz="5400" b="1" dirty="0" smtClean="0">
+                <a:latin typeface="Microsoft JhengHei" panose="020B0604030504040204" pitchFamily="34" charset="-120"/>
+                <a:ea typeface="Microsoft JhengHei" panose="020B0604030504040204" pitchFamily="34" charset="-120"/>
+              </a:rPr>
+              <a:t>俯</a:t>
+            </a:r>
+            <a:r>
+              <a:rPr lang="zh-TW" altLang="en-US" sz="5400" b="1" dirty="0">
+                <a:latin typeface="Microsoft JhengHei" panose="020B0604030504040204" pitchFamily="34" charset="-120"/>
+                <a:ea typeface="Microsoft JhengHei" panose="020B0604030504040204" pitchFamily="34" charset="-120"/>
+              </a:rPr>
+              <a:t>伏敬</a:t>
             </a:r>
             <a:r>
               <a:rPr lang="zh-TW" altLang="en-US" sz="5400" b="1" dirty="0" smtClean="0">
@@ -3245,14 +3339,28 @@
                 <a:latin typeface="Microsoft JhengHei" panose="020B0604030504040204" pitchFamily="34" charset="-120"/>
                 <a:ea typeface="Microsoft JhengHei" panose="020B0604030504040204" pitchFamily="34" charset="-120"/>
               </a:rPr>
-              <a:t>懇</a:t>
+              <a:t>懇求</a:t>
+            </a:r>
+            <a:r>
+              <a:rPr lang="zh-CN" altLang="en-US" sz="5400" b="1" dirty="0" smtClean="0">
+                <a:latin typeface="Microsoft JhengHei" panose="020B0604030504040204" pitchFamily="34" charset="-120"/>
+                <a:ea typeface="Microsoft JhengHei" panose="020B0604030504040204" pitchFamily="34" charset="-120"/>
+              </a:rPr>
+              <a:t>袮</a:t>
+            </a:r>
+            <a:r>
+              <a:rPr lang="zh-TW" altLang="en-US" sz="5400" b="1" dirty="0" smtClean="0">
+                <a:latin typeface="Microsoft JhengHei" panose="020B0604030504040204" pitchFamily="34" charset="-120"/>
+                <a:ea typeface="Microsoft JhengHei" panose="020B0604030504040204" pitchFamily="34" charset="-120"/>
+              </a:rPr>
+              <a:t>心意</a:t>
             </a:r>
             <a:r>
               <a:rPr lang="zh-TW" altLang="en-US" sz="5400" b="1" dirty="0">
                 <a:latin typeface="Microsoft JhengHei" panose="020B0604030504040204" pitchFamily="34" charset="-120"/>
                 <a:ea typeface="Microsoft JhengHei" panose="020B0604030504040204" pitchFamily="34" charset="-120"/>
               </a:rPr>
-              <a:t>求你心意向我顯明</a:t>
+              <a:t>向我顯明</a:t>
             </a:r>
             <a:endParaRPr lang="en-US" sz="5400" b="1" dirty="0">
               <a:latin typeface="Microsoft JhengHei" panose="020B0604030504040204" pitchFamily="34" charset="-120"/>
@@ -3264,7 +3372,7 @@
     </p:spTree>
     <p:extLst>
       <p:ext uri="{BB962C8B-B14F-4D97-AF65-F5344CB8AC3E}">
-        <p14:creationId xmlns:p14="http://schemas.microsoft.com/office/powerpoint/2010/main" val="3091379600"/>
+        <p14:creationId xmlns:p14="http://schemas.microsoft.com/office/powerpoint/2010/main" xmlns="" val="3091379600"/>
       </p:ext>
     </p:extLst>
   </p:cSld>
@@ -3313,7 +3421,28 @@
                 <a:latin typeface="Microsoft JhengHei" panose="020B0604030504040204" pitchFamily="34" charset="-120"/>
                 <a:ea typeface="Microsoft JhengHei" panose="020B0604030504040204" pitchFamily="34" charset="-120"/>
               </a:rPr>
-              <a:t>我願觸動你心弦</a:t>
+              <a:t>我願</a:t>
+            </a:r>
+            <a:r>
+              <a:rPr lang="zh-TW" altLang="en-US" sz="4800" b="1" dirty="0" smtClean="0">
+                <a:latin typeface="Microsoft JhengHei" panose="020B0604030504040204" pitchFamily="34" charset="-120"/>
+                <a:ea typeface="Microsoft JhengHei" panose="020B0604030504040204" pitchFamily="34" charset="-120"/>
+              </a:rPr>
+              <a:t>觸動</a:t>
+            </a:r>
+            <a:r>
+              <a:rPr lang="zh-CN" altLang="en-US" sz="4800" b="1" dirty="0" smtClean="0">
+                <a:latin typeface="Microsoft JhengHei" panose="020B0604030504040204" pitchFamily="34" charset="-120"/>
+                <a:ea typeface="Microsoft JhengHei" panose="020B0604030504040204" pitchFamily="34" charset="-120"/>
+              </a:rPr>
+              <a:t>袮</a:t>
+            </a:r>
+            <a:r>
+              <a:rPr lang="zh-TW" altLang="en-US" sz="4800" b="1" dirty="0" smtClean="0">
+                <a:latin typeface="Microsoft JhengHei" panose="020B0604030504040204" pitchFamily="34" charset="-120"/>
+                <a:ea typeface="Microsoft JhengHei" panose="020B0604030504040204" pitchFamily="34" charset="-120"/>
+              </a:rPr>
+              <a:t>心弦</a:t>
             </a:r>
             <a:endParaRPr lang="en-US" sz="4800" b="1" dirty="0">
               <a:latin typeface="Microsoft JhengHei" panose="020B0604030504040204" pitchFamily="34" charset="-120"/>
@@ -3347,14 +3476,28 @@
                 <a:latin typeface="Microsoft JhengHei" panose="020B0604030504040204" pitchFamily="34" charset="-120"/>
                 <a:ea typeface="Microsoft JhengHei" panose="020B0604030504040204" pitchFamily="34" charset="-120"/>
               </a:rPr>
-              <a:t>我願觸動你心</a:t>
-            </a:r>
-            <a:r>
-              <a:rPr lang="zh-TW" altLang="en-US" sz="5400" b="1" dirty="0">
-                <a:latin typeface="Microsoft JhengHei" panose="020B0604030504040204" pitchFamily="34" charset="-120"/>
-                <a:ea typeface="Microsoft JhengHei" panose="020B0604030504040204" pitchFamily="34" charset="-120"/>
-              </a:rPr>
-              <a:t>弦</a:t>
+              <a:t>我願</a:t>
+            </a:r>
+            <a:r>
+              <a:rPr lang="zh-TW" altLang="en-US" sz="5400" b="1" dirty="0" smtClean="0">
+                <a:latin typeface="Microsoft JhengHei" panose="020B0604030504040204" pitchFamily="34" charset="-120"/>
+                <a:ea typeface="Microsoft JhengHei" panose="020B0604030504040204" pitchFamily="34" charset="-120"/>
+              </a:rPr>
+              <a:t>觸動</a:t>
+            </a:r>
+            <a:r>
+              <a:rPr lang="zh-CN" altLang="en-US" sz="5400" b="1" dirty="0" smtClean="0">
+                <a:latin typeface="Microsoft JhengHei" panose="020B0604030504040204" pitchFamily="34" charset="-120"/>
+                <a:ea typeface="Microsoft JhengHei" panose="020B0604030504040204" pitchFamily="34" charset="-120"/>
+              </a:rPr>
+              <a:t>袮</a:t>
+            </a:r>
+            <a:r>
+              <a:rPr lang="zh-TW" altLang="en-US" sz="5400" b="1" dirty="0" smtClean="0">
+                <a:latin typeface="Microsoft JhengHei" panose="020B0604030504040204" pitchFamily="34" charset="-120"/>
+                <a:ea typeface="Microsoft JhengHei" panose="020B0604030504040204" pitchFamily="34" charset="-120"/>
+              </a:rPr>
+              <a:t>心弦</a:t>
             </a:r>
             <a:endParaRPr lang="en-US" altLang="zh-TW" sz="5400" b="1" dirty="0">
               <a:latin typeface="Microsoft JhengHei" panose="020B0604030504040204" pitchFamily="34" charset="-120"/>
@@ -3370,21 +3513,28 @@
                 <a:latin typeface="Microsoft JhengHei" panose="020B0604030504040204" pitchFamily="34" charset="-120"/>
                 <a:ea typeface="Microsoft JhengHei" panose="020B0604030504040204" pitchFamily="34" charset="-120"/>
               </a:rPr>
-              <a:t>全</a:t>
-            </a:r>
-            <a:r>
-              <a:rPr lang="zh-TW" altLang="en-US" sz="5400" b="1" dirty="0">
-                <a:latin typeface="Microsoft JhengHei" panose="020B0604030504040204" pitchFamily="34" charset="-120"/>
-                <a:ea typeface="Microsoft JhengHei" panose="020B0604030504040204" pitchFamily="34" charset="-120"/>
-              </a:rPr>
-              <a:t>心討你喜</a:t>
-            </a:r>
-            <a:r>
-              <a:rPr lang="zh-TW" altLang="en-US" sz="5400" b="1" dirty="0">
-                <a:latin typeface="Microsoft JhengHei" panose="020B0604030504040204" pitchFamily="34" charset="-120"/>
-                <a:ea typeface="Microsoft JhengHei" panose="020B0604030504040204" pitchFamily="34" charset="-120"/>
-              </a:rPr>
-              <a:t>悅</a:t>
+              <a:t>全心</a:t>
+            </a:r>
+            <a:r>
+              <a:rPr lang="zh-TW" altLang="en-US" sz="5400" b="1" dirty="0" smtClean="0">
+                <a:latin typeface="Microsoft JhengHei" panose="020B0604030504040204" pitchFamily="34" charset="-120"/>
+                <a:ea typeface="Microsoft JhengHei" panose="020B0604030504040204" pitchFamily="34" charset="-120"/>
+              </a:rPr>
+              <a:t>討</a:t>
+            </a:r>
+            <a:r>
+              <a:rPr lang="zh-CN" altLang="en-US" sz="5400" b="1" dirty="0" smtClean="0">
+                <a:latin typeface="Microsoft JhengHei" panose="020B0604030504040204" pitchFamily="34" charset="-120"/>
+                <a:ea typeface="Microsoft JhengHei" panose="020B0604030504040204" pitchFamily="34" charset="-120"/>
+              </a:rPr>
+              <a:t>袮</a:t>
+            </a:r>
+            <a:r>
+              <a:rPr lang="zh-TW" altLang="en-US" sz="5400" b="1" dirty="0" smtClean="0">
+                <a:latin typeface="Microsoft JhengHei" panose="020B0604030504040204" pitchFamily="34" charset="-120"/>
+                <a:ea typeface="Microsoft JhengHei" panose="020B0604030504040204" pitchFamily="34" charset="-120"/>
+              </a:rPr>
+              <a:t>喜悅</a:t>
             </a:r>
             <a:endParaRPr lang="en-US" altLang="zh-TW" sz="5400" b="1" dirty="0">
               <a:latin typeface="Microsoft JhengHei" panose="020B0604030504040204" pitchFamily="34" charset="-120"/>
@@ -3400,35 +3550,21 @@
                 <a:latin typeface="Microsoft JhengHei" panose="020B0604030504040204" pitchFamily="34" charset="-120"/>
                 <a:ea typeface="Microsoft JhengHei" panose="020B0604030504040204" pitchFamily="34" charset="-120"/>
               </a:rPr>
-              <a:t>我</a:t>
-            </a:r>
-            <a:r>
-              <a:rPr lang="zh-TW" altLang="en-US" sz="5400" b="1" dirty="0">
-                <a:latin typeface="Microsoft JhengHei" panose="020B0604030504040204" pitchFamily="34" charset="-120"/>
-                <a:ea typeface="Microsoft JhengHei" panose="020B0604030504040204" pitchFamily="34" charset="-120"/>
-              </a:rPr>
-              <a:t>要舉起雙</a:t>
-            </a:r>
-            <a:r>
-              <a:rPr lang="zh-TW" altLang="en-US" sz="5400" b="1" dirty="0">
-                <a:latin typeface="Microsoft JhengHei" panose="020B0604030504040204" pitchFamily="34" charset="-120"/>
-                <a:ea typeface="Microsoft JhengHei" panose="020B0604030504040204" pitchFamily="34" charset="-120"/>
-              </a:rPr>
-              <a:t>手  降</a:t>
-            </a:r>
-            <a:r>
-              <a:rPr lang="zh-TW" altLang="en-US" sz="5400" b="1" dirty="0">
-                <a:latin typeface="Microsoft JhengHei" panose="020B0604030504040204" pitchFamily="34" charset="-120"/>
-                <a:ea typeface="Microsoft JhengHei" panose="020B0604030504040204" pitchFamily="34" charset="-120"/>
-              </a:rPr>
-              <a:t>服於</a:t>
-            </a:r>
-            <a:r>
-              <a:rPr lang="zh-TW" altLang="en-US" sz="5400" b="1" dirty="0">
-                <a:latin typeface="Microsoft JhengHei" panose="020B0604030504040204" pitchFamily="34" charset="-120"/>
-                <a:ea typeface="Microsoft JhengHei" panose="020B0604030504040204" pitchFamily="34" charset="-120"/>
-              </a:rPr>
-              <a:t>你</a:t>
+              <a:t>我要舉起雙手  降服</a:t>
+            </a:r>
+            <a:r>
+              <a:rPr lang="zh-TW" altLang="en-US" sz="5400" b="1" dirty="0" smtClean="0">
+                <a:latin typeface="Microsoft JhengHei" panose="020B0604030504040204" pitchFamily="34" charset="-120"/>
+                <a:ea typeface="Microsoft JhengHei" panose="020B0604030504040204" pitchFamily="34" charset="-120"/>
+              </a:rPr>
+              <a:t>於</a:t>
+            </a:r>
+            <a:r>
+              <a:rPr lang="zh-CN" altLang="en-US" sz="5400" b="1" dirty="0" smtClean="0">
+                <a:latin typeface="Microsoft JhengHei" panose="020B0604030504040204" pitchFamily="34" charset="-120"/>
+                <a:ea typeface="Microsoft JhengHei" panose="020B0604030504040204" pitchFamily="34" charset="-120"/>
+              </a:rPr>
+              <a:t>袮</a:t>
             </a:r>
             <a:endParaRPr lang="en-US" altLang="zh-TW" sz="5400" b="1" dirty="0">
               <a:latin typeface="Microsoft JhengHei" panose="020B0604030504040204" pitchFamily="34" charset="-120"/>
@@ -3440,25 +3576,32 @@
               <a:buNone/>
             </a:pPr>
             <a:r>
+              <a:rPr lang="zh-TW" altLang="en-US" sz="5400" b="1" dirty="0" smtClean="0">
+                <a:latin typeface="Microsoft JhengHei" panose="020B0604030504040204" pitchFamily="34" charset="-120"/>
+                <a:ea typeface="Microsoft JhengHei" panose="020B0604030504040204" pitchFamily="34" charset="-120"/>
+              </a:rPr>
+              <a:t>貼近</a:t>
+            </a:r>
+            <a:r>
+              <a:rPr lang="zh-CN" altLang="en-US" sz="5400" b="1" dirty="0" smtClean="0">
+                <a:latin typeface="Microsoft JhengHei" panose="020B0604030504040204" pitchFamily="34" charset="-120"/>
+                <a:ea typeface="Microsoft JhengHei" panose="020B0604030504040204" pitchFamily="34" charset="-120"/>
+              </a:rPr>
+              <a:t>袮</a:t>
+            </a:r>
+            <a:r>
+              <a:rPr lang="zh-TW" altLang="en-US" sz="5400" b="1" dirty="0" smtClean="0">
+                <a:latin typeface="Microsoft JhengHei" panose="020B0604030504040204" pitchFamily="34" charset="-120"/>
+                <a:ea typeface="Microsoft JhengHei" panose="020B0604030504040204" pitchFamily="34" charset="-120"/>
+              </a:rPr>
+              <a:t>的</a:t>
+            </a:r>
+            <a:r>
               <a:rPr lang="zh-TW" altLang="en-US" sz="5400" b="1" dirty="0">
                 <a:latin typeface="Microsoft JhengHei" panose="020B0604030504040204" pitchFamily="34" charset="-120"/>
                 <a:ea typeface="Microsoft JhengHei" panose="020B0604030504040204" pitchFamily="34" charset="-120"/>
               </a:rPr>
-              <a:t>貼</a:t>
-            </a:r>
-            <a:r>
-              <a:rPr lang="zh-TW" altLang="en-US" sz="5400" b="1" dirty="0">
-                <a:latin typeface="Microsoft JhengHei" panose="020B0604030504040204" pitchFamily="34" charset="-120"/>
-                <a:ea typeface="Microsoft JhengHei" panose="020B0604030504040204" pitchFamily="34" charset="-120"/>
-              </a:rPr>
-              <a:t>近你的胸</a:t>
-            </a:r>
-            <a:r>
-              <a:rPr lang="zh-TW" altLang="en-US" sz="5400" b="1" dirty="0">
-                <a:latin typeface="Microsoft JhengHei" panose="020B0604030504040204" pitchFamily="34" charset="-120"/>
-                <a:ea typeface="Microsoft JhengHei" panose="020B0604030504040204" pitchFamily="34" charset="-120"/>
-              </a:rPr>
-              <a:t>懷</a:t>
+              <a:t>胸懷</a:t>
             </a:r>
             <a:endParaRPr lang="en-US" sz="5400" b="1" dirty="0">
               <a:latin typeface="Microsoft JhengHei" panose="020B0604030504040204" pitchFamily="34" charset="-120"/>
@@ -3470,7 +3613,7 @@
     </p:spTree>
     <p:extLst>
       <p:ext uri="{BB962C8B-B14F-4D97-AF65-F5344CB8AC3E}">
-        <p14:creationId xmlns:p14="http://schemas.microsoft.com/office/powerpoint/2010/main" val="3900147664"/>
+        <p14:creationId xmlns:p14="http://schemas.microsoft.com/office/powerpoint/2010/main" xmlns="" val="3900147664"/>
       </p:ext>
     </p:extLst>
   </p:cSld>
@@ -3519,7 +3662,28 @@
                 <a:latin typeface="Microsoft JhengHei" panose="020B0604030504040204" pitchFamily="34" charset="-120"/>
                 <a:ea typeface="Microsoft JhengHei" panose="020B0604030504040204" pitchFamily="34" charset="-120"/>
               </a:rPr>
-              <a:t>我願觸動你心弦</a:t>
+              <a:t>我願</a:t>
+            </a:r>
+            <a:r>
+              <a:rPr lang="zh-TW" altLang="en-US" sz="4800" b="1" dirty="0" smtClean="0">
+                <a:latin typeface="Microsoft JhengHei" panose="020B0604030504040204" pitchFamily="34" charset="-120"/>
+                <a:ea typeface="Microsoft JhengHei" panose="020B0604030504040204" pitchFamily="34" charset="-120"/>
+              </a:rPr>
+              <a:t>觸動</a:t>
+            </a:r>
+            <a:r>
+              <a:rPr lang="zh-CN" altLang="en-US" sz="4800" b="1" dirty="0" smtClean="0">
+                <a:latin typeface="Microsoft JhengHei" panose="020B0604030504040204" pitchFamily="34" charset="-120"/>
+                <a:ea typeface="Microsoft JhengHei" panose="020B0604030504040204" pitchFamily="34" charset="-120"/>
+              </a:rPr>
+              <a:t>袮</a:t>
+            </a:r>
+            <a:r>
+              <a:rPr lang="zh-TW" altLang="en-US" sz="4800" b="1" dirty="0" smtClean="0">
+                <a:latin typeface="Microsoft JhengHei" panose="020B0604030504040204" pitchFamily="34" charset="-120"/>
+                <a:ea typeface="Microsoft JhengHei" panose="020B0604030504040204" pitchFamily="34" charset="-120"/>
+              </a:rPr>
+              <a:t>心弦</a:t>
             </a:r>
             <a:endParaRPr lang="en-US" sz="4800" b="1" dirty="0">
               <a:latin typeface="Microsoft JhengHei" panose="020B0604030504040204" pitchFamily="34" charset="-120"/>
@@ -3553,14 +3717,28 @@
                 <a:latin typeface="Microsoft JhengHei" panose="020B0604030504040204" pitchFamily="34" charset="-120"/>
                 <a:ea typeface="Microsoft JhengHei" panose="020B0604030504040204" pitchFamily="34" charset="-120"/>
               </a:rPr>
-              <a:t>我願觸動你心</a:t>
-            </a:r>
-            <a:r>
-              <a:rPr lang="zh-TW" altLang="en-US" sz="5400" b="1" dirty="0">
-                <a:latin typeface="Microsoft JhengHei" panose="020B0604030504040204" pitchFamily="34" charset="-120"/>
-                <a:ea typeface="Microsoft JhengHei" panose="020B0604030504040204" pitchFamily="34" charset="-120"/>
-              </a:rPr>
-              <a:t>弦</a:t>
+              <a:t>我願</a:t>
+            </a:r>
+            <a:r>
+              <a:rPr lang="zh-TW" altLang="en-US" sz="5400" b="1" dirty="0" smtClean="0">
+                <a:latin typeface="Microsoft JhengHei" panose="020B0604030504040204" pitchFamily="34" charset="-120"/>
+                <a:ea typeface="Microsoft JhengHei" panose="020B0604030504040204" pitchFamily="34" charset="-120"/>
+              </a:rPr>
+              <a:t>觸動</a:t>
+            </a:r>
+            <a:r>
+              <a:rPr lang="zh-CN" altLang="en-US" sz="5400" b="1" dirty="0" smtClean="0">
+                <a:latin typeface="Microsoft JhengHei" panose="020B0604030504040204" pitchFamily="34" charset="-120"/>
+                <a:ea typeface="Microsoft JhengHei" panose="020B0604030504040204" pitchFamily="34" charset="-120"/>
+              </a:rPr>
+              <a:t>袮</a:t>
+            </a:r>
+            <a:r>
+              <a:rPr lang="zh-TW" altLang="en-US" sz="5400" b="1" dirty="0" smtClean="0">
+                <a:latin typeface="Microsoft JhengHei" panose="020B0604030504040204" pitchFamily="34" charset="-120"/>
+                <a:ea typeface="Microsoft JhengHei" panose="020B0604030504040204" pitchFamily="34" charset="-120"/>
+              </a:rPr>
+              <a:t>心弦</a:t>
             </a:r>
             <a:endParaRPr lang="en-US" altLang="zh-TW" sz="5400" b="1" dirty="0">
               <a:latin typeface="Microsoft JhengHei" panose="020B0604030504040204" pitchFamily="34" charset="-120"/>
@@ -3576,21 +3754,28 @@
                 <a:latin typeface="Microsoft JhengHei" panose="020B0604030504040204" pitchFamily="34" charset="-120"/>
                 <a:ea typeface="Microsoft JhengHei" panose="020B0604030504040204" pitchFamily="34" charset="-120"/>
               </a:rPr>
-              <a:t>全</a:t>
-            </a:r>
-            <a:r>
-              <a:rPr lang="zh-TW" altLang="en-US" sz="5400" b="1" dirty="0">
-                <a:latin typeface="Microsoft JhengHei" panose="020B0604030504040204" pitchFamily="34" charset="-120"/>
-                <a:ea typeface="Microsoft JhengHei" panose="020B0604030504040204" pitchFamily="34" charset="-120"/>
-              </a:rPr>
-              <a:t>心討你喜</a:t>
-            </a:r>
-            <a:r>
-              <a:rPr lang="zh-TW" altLang="en-US" sz="5400" b="1" dirty="0">
-                <a:latin typeface="Microsoft JhengHei" panose="020B0604030504040204" pitchFamily="34" charset="-120"/>
-                <a:ea typeface="Microsoft JhengHei" panose="020B0604030504040204" pitchFamily="34" charset="-120"/>
-              </a:rPr>
-              <a:t>悅</a:t>
+              <a:t>全心</a:t>
+            </a:r>
+            <a:r>
+              <a:rPr lang="zh-TW" altLang="en-US" sz="5400" b="1" dirty="0" smtClean="0">
+                <a:latin typeface="Microsoft JhengHei" panose="020B0604030504040204" pitchFamily="34" charset="-120"/>
+                <a:ea typeface="Microsoft JhengHei" panose="020B0604030504040204" pitchFamily="34" charset="-120"/>
+              </a:rPr>
+              <a:t>討</a:t>
+            </a:r>
+            <a:r>
+              <a:rPr lang="zh-CN" altLang="en-US" sz="5400" b="1" dirty="0" smtClean="0">
+                <a:latin typeface="Microsoft JhengHei" panose="020B0604030504040204" pitchFamily="34" charset="-120"/>
+                <a:ea typeface="Microsoft JhengHei" panose="020B0604030504040204" pitchFamily="34" charset="-120"/>
+              </a:rPr>
+              <a:t>袮</a:t>
+            </a:r>
+            <a:r>
+              <a:rPr lang="zh-TW" altLang="en-US" sz="5400" b="1" dirty="0" smtClean="0">
+                <a:latin typeface="Microsoft JhengHei" panose="020B0604030504040204" pitchFamily="34" charset="-120"/>
+                <a:ea typeface="Microsoft JhengHei" panose="020B0604030504040204" pitchFamily="34" charset="-120"/>
+              </a:rPr>
+              <a:t>喜悅</a:t>
             </a:r>
             <a:endParaRPr lang="en-US" altLang="zh-TW" sz="5400" b="1" dirty="0">
               <a:latin typeface="Microsoft JhengHei" panose="020B0604030504040204" pitchFamily="34" charset="-120"/>
@@ -3606,35 +3791,7 @@
                 <a:latin typeface="Microsoft JhengHei" panose="020B0604030504040204" pitchFamily="34" charset="-120"/>
                 <a:ea typeface="Microsoft JhengHei" panose="020B0604030504040204" pitchFamily="34" charset="-120"/>
               </a:rPr>
-              <a:t>我</a:t>
-            </a:r>
-            <a:r>
-              <a:rPr lang="zh-TW" altLang="en-US" sz="5400" b="1" dirty="0">
-                <a:latin typeface="Microsoft JhengHei" panose="020B0604030504040204" pitchFamily="34" charset="-120"/>
-                <a:ea typeface="Microsoft JhengHei" panose="020B0604030504040204" pitchFamily="34" charset="-120"/>
-              </a:rPr>
-              <a:t>主我的</a:t>
-            </a:r>
-            <a:r>
-              <a:rPr lang="zh-TW" altLang="en-US" sz="5400" b="1" dirty="0">
-                <a:latin typeface="Microsoft JhengHei" panose="020B0604030504040204" pitchFamily="34" charset="-120"/>
-                <a:ea typeface="Microsoft JhengHei" panose="020B0604030504040204" pitchFamily="34" charset="-120"/>
-              </a:rPr>
-              <a:t>神  求</a:t>
-            </a:r>
-            <a:r>
-              <a:rPr lang="zh-TW" altLang="en-US" sz="5400" b="1" dirty="0">
-                <a:latin typeface="Microsoft JhengHei" panose="020B0604030504040204" pitchFamily="34" charset="-120"/>
-                <a:ea typeface="Microsoft JhengHei" panose="020B0604030504040204" pitchFamily="34" charset="-120"/>
-              </a:rPr>
-              <a:t>奪我心</a:t>
-            </a:r>
-            <a:r>
-              <a:rPr lang="zh-TW" altLang="en-US" sz="5400" b="1" dirty="0">
-                <a:latin typeface="Microsoft JhengHei" panose="020B0604030504040204" pitchFamily="34" charset="-120"/>
-                <a:ea typeface="Microsoft JhengHei" panose="020B0604030504040204" pitchFamily="34" charset="-120"/>
-              </a:rPr>
-              <a:t>意</a:t>
+              <a:t>我主我的神  求奪我心意</a:t>
             </a:r>
             <a:endParaRPr lang="en-US" altLang="zh-TW" sz="5400" b="1" dirty="0">
               <a:latin typeface="Microsoft JhengHei" panose="020B0604030504040204" pitchFamily="34" charset="-120"/>
@@ -3650,14 +3807,21 @@
                 <a:latin typeface="Microsoft JhengHei" panose="020B0604030504040204" pitchFamily="34" charset="-120"/>
                 <a:ea typeface="Microsoft JhengHei" panose="020B0604030504040204" pitchFamily="34" charset="-120"/>
               </a:rPr>
-              <a:t>完</a:t>
-            </a:r>
-            <a:r>
-              <a:rPr lang="zh-TW" altLang="en-US" sz="5400" b="1" dirty="0">
-                <a:latin typeface="Microsoft JhengHei" panose="020B0604030504040204" pitchFamily="34" charset="-120"/>
-                <a:ea typeface="Microsoft JhengHei" panose="020B0604030504040204" pitchFamily="34" charset="-120"/>
-              </a:rPr>
-              <a:t>全屬於你</a:t>
+              <a:t>完全</a:t>
+            </a:r>
+            <a:r>
+              <a:rPr lang="zh-TW" altLang="en-US" sz="5400" b="1" dirty="0" smtClean="0">
+                <a:latin typeface="Microsoft JhengHei" panose="020B0604030504040204" pitchFamily="34" charset="-120"/>
+                <a:ea typeface="Microsoft JhengHei" panose="020B0604030504040204" pitchFamily="34" charset="-120"/>
+              </a:rPr>
+              <a:t>屬於</a:t>
+            </a:r>
+            <a:r>
+              <a:rPr lang="zh-CN" altLang="en-US" sz="5400" b="1" dirty="0" smtClean="0">
+                <a:latin typeface="Microsoft JhengHei" panose="020B0604030504040204" pitchFamily="34" charset="-120"/>
+                <a:ea typeface="Microsoft JhengHei" panose="020B0604030504040204" pitchFamily="34" charset="-120"/>
+              </a:rPr>
+              <a:t>袮</a:t>
             </a:r>
             <a:endParaRPr lang="en-US" sz="5400" b="1" dirty="0">
               <a:latin typeface="Microsoft JhengHei" panose="020B0604030504040204" pitchFamily="34" charset="-120"/>
@@ -3669,7 +3833,7 @@
     </p:spTree>
     <p:extLst>
       <p:ext uri="{BB962C8B-B14F-4D97-AF65-F5344CB8AC3E}">
-        <p14:creationId xmlns:p14="http://schemas.microsoft.com/office/powerpoint/2010/main" val="3072019446"/>
+        <p14:creationId xmlns:p14="http://schemas.microsoft.com/office/powerpoint/2010/main" xmlns="" val="3072019446"/>
       </p:ext>
     </p:extLst>
   </p:cSld>

--- a/我願觸動你心弦(崇拜版）.pptx
+++ b/我願觸動你心弦(崇拜版）.pptx
@@ -5,9 +5,13 @@
     <p:sldMasterId id="2147483660" r:id="rId1"/>
   </p:sldMasterIdLst>
   <p:sldIdLst>
-    <p:sldId id="257" r:id="rId2"/>
-    <p:sldId id="258" r:id="rId3"/>
-    <p:sldId id="259" r:id="rId4"/>
+    <p:sldId id="260" r:id="rId2"/>
+    <p:sldId id="261" r:id="rId3"/>
+    <p:sldId id="262" r:id="rId4"/>
+    <p:sldId id="263" r:id="rId5"/>
+    <p:sldId id="264" r:id="rId6"/>
+    <p:sldId id="265" r:id="rId7"/>
+    <p:sldId id="266" r:id="rId8"/>
   </p:sldIdLst>
   <p:sldSz cx="12192000" cy="6858000"/>
   <p:notesSz cx="6858000" cy="9144000"/>
@@ -106,6 +110,22 @@
       </a:defRPr>
     </a:lvl9pPr>
   </p:defaultTextStyle>
+  <p:extLst>
+    <p:ext uri="{EFAFB233-063F-42B5-8137-9DF3F51BA10A}">
+      <p15:sldGuideLst xmlns:p15="http://schemas.microsoft.com/office/powerpoint/2012/main">
+        <p15:guide id="1" orient="horz" pos="2160">
+          <p15:clr>
+            <a:srgbClr val="A4A3A4"/>
+          </p15:clr>
+        </p15:guide>
+        <p15:guide id="2" pos="3840">
+          <p15:clr>
+            <a:srgbClr val="A4A3A4"/>
+          </p15:clr>
+        </p15:guide>
+      </p15:sldGuideLst>
+    </p:ext>
+  </p:extLst>
 </p:presentation>
 </file>
 
@@ -291,7 +311,7 @@
             <a:fld id="{669590F7-C5B5-4AE4-AFAB-4E0783D865E1}" type="datetimeFigureOut">
               <a:rPr lang="en-US" smtClean="0"/>
               <a:pPr/>
-              <a:t>6/16/2020</a:t>
+              <a:t>6/18/2022</a:t>
             </a:fld>
             <a:endParaRPr lang="en-US"/>
           </a:p>
@@ -343,7 +363,7 @@
     </p:spTree>
     <p:extLst>
       <p:ext uri="{BB962C8B-B14F-4D97-AF65-F5344CB8AC3E}">
-        <p14:creationId xmlns:p14="http://schemas.microsoft.com/office/powerpoint/2010/main" xmlns="" val="193090056"/>
+        <p14:creationId xmlns:p14="http://schemas.microsoft.com/office/powerpoint/2010/main" val="193090056"/>
       </p:ext>
     </p:extLst>
   </p:cSld>
@@ -463,7 +483,7 @@
             <a:fld id="{669590F7-C5B5-4AE4-AFAB-4E0783D865E1}" type="datetimeFigureOut">
               <a:rPr lang="en-US" smtClean="0"/>
               <a:pPr/>
-              <a:t>6/16/2020</a:t>
+              <a:t>6/18/2022</a:t>
             </a:fld>
             <a:endParaRPr lang="en-US"/>
           </a:p>
@@ -515,7 +535,7 @@
     </p:spTree>
     <p:extLst>
       <p:ext uri="{BB962C8B-B14F-4D97-AF65-F5344CB8AC3E}">
-        <p14:creationId xmlns:p14="http://schemas.microsoft.com/office/powerpoint/2010/main" xmlns="" val="3075892851"/>
+        <p14:creationId xmlns:p14="http://schemas.microsoft.com/office/powerpoint/2010/main" val="3075892851"/>
       </p:ext>
     </p:extLst>
   </p:cSld>
@@ -645,7 +665,7 @@
             <a:fld id="{669590F7-C5B5-4AE4-AFAB-4E0783D865E1}" type="datetimeFigureOut">
               <a:rPr lang="en-US" smtClean="0"/>
               <a:pPr/>
-              <a:t>6/16/2020</a:t>
+              <a:t>6/18/2022</a:t>
             </a:fld>
             <a:endParaRPr lang="en-US"/>
           </a:p>
@@ -697,7 +717,7 @@
     </p:spTree>
     <p:extLst>
       <p:ext uri="{BB962C8B-B14F-4D97-AF65-F5344CB8AC3E}">
-        <p14:creationId xmlns:p14="http://schemas.microsoft.com/office/powerpoint/2010/main" xmlns="" val="2601027025"/>
+        <p14:creationId xmlns:p14="http://schemas.microsoft.com/office/powerpoint/2010/main" val="2601027025"/>
       </p:ext>
     </p:extLst>
   </p:cSld>
@@ -817,7 +837,7 @@
             <a:fld id="{669590F7-C5B5-4AE4-AFAB-4E0783D865E1}" type="datetimeFigureOut">
               <a:rPr lang="en-US" smtClean="0"/>
               <a:pPr/>
-              <a:t>6/16/2020</a:t>
+              <a:t>6/18/2022</a:t>
             </a:fld>
             <a:endParaRPr lang="en-US"/>
           </a:p>
@@ -869,7 +889,7 @@
     </p:spTree>
     <p:extLst>
       <p:ext uri="{BB962C8B-B14F-4D97-AF65-F5344CB8AC3E}">
-        <p14:creationId xmlns:p14="http://schemas.microsoft.com/office/powerpoint/2010/main" xmlns="" val="3618089478"/>
+        <p14:creationId xmlns:p14="http://schemas.microsoft.com/office/powerpoint/2010/main" val="3618089478"/>
       </p:ext>
     </p:extLst>
   </p:cSld>
@@ -1065,7 +1085,7 @@
             <a:fld id="{669590F7-C5B5-4AE4-AFAB-4E0783D865E1}" type="datetimeFigureOut">
               <a:rPr lang="en-US" smtClean="0"/>
               <a:pPr/>
-              <a:t>6/16/2020</a:t>
+              <a:t>6/18/2022</a:t>
             </a:fld>
             <a:endParaRPr lang="en-US"/>
           </a:p>
@@ -1117,7 +1137,7 @@
     </p:spTree>
     <p:extLst>
       <p:ext uri="{BB962C8B-B14F-4D97-AF65-F5344CB8AC3E}">
-        <p14:creationId xmlns:p14="http://schemas.microsoft.com/office/powerpoint/2010/main" xmlns="" val="1036537477"/>
+        <p14:creationId xmlns:p14="http://schemas.microsoft.com/office/powerpoint/2010/main" val="1036537477"/>
       </p:ext>
     </p:extLst>
   </p:cSld>
@@ -1355,7 +1375,7 @@
             <a:fld id="{669590F7-C5B5-4AE4-AFAB-4E0783D865E1}" type="datetimeFigureOut">
               <a:rPr lang="en-US" smtClean="0"/>
               <a:pPr/>
-              <a:t>6/16/2020</a:t>
+              <a:t>6/18/2022</a:t>
             </a:fld>
             <a:endParaRPr lang="en-US"/>
           </a:p>
@@ -1407,7 +1427,7 @@
     </p:spTree>
     <p:extLst>
       <p:ext uri="{BB962C8B-B14F-4D97-AF65-F5344CB8AC3E}">
-        <p14:creationId xmlns:p14="http://schemas.microsoft.com/office/powerpoint/2010/main" xmlns="" val="4006088752"/>
+        <p14:creationId xmlns:p14="http://schemas.microsoft.com/office/powerpoint/2010/main" val="4006088752"/>
       </p:ext>
     </p:extLst>
   </p:cSld>
@@ -1779,7 +1799,7 @@
             <a:fld id="{669590F7-C5B5-4AE4-AFAB-4E0783D865E1}" type="datetimeFigureOut">
               <a:rPr lang="en-US" smtClean="0"/>
               <a:pPr/>
-              <a:t>6/16/2020</a:t>
+              <a:t>6/18/2022</a:t>
             </a:fld>
             <a:endParaRPr lang="en-US"/>
           </a:p>
@@ -1831,7 +1851,7 @@
     </p:spTree>
     <p:extLst>
       <p:ext uri="{BB962C8B-B14F-4D97-AF65-F5344CB8AC3E}">
-        <p14:creationId xmlns:p14="http://schemas.microsoft.com/office/powerpoint/2010/main" xmlns="" val="3939845368"/>
+        <p14:creationId xmlns:p14="http://schemas.microsoft.com/office/powerpoint/2010/main" val="3939845368"/>
       </p:ext>
     </p:extLst>
   </p:cSld>
@@ -1899,7 +1919,7 @@
             <a:fld id="{669590F7-C5B5-4AE4-AFAB-4E0783D865E1}" type="datetimeFigureOut">
               <a:rPr lang="en-US" smtClean="0"/>
               <a:pPr/>
-              <a:t>6/16/2020</a:t>
+              <a:t>6/18/2022</a:t>
             </a:fld>
             <a:endParaRPr lang="en-US"/>
           </a:p>
@@ -1951,7 +1971,7 @@
     </p:spTree>
     <p:extLst>
       <p:ext uri="{BB962C8B-B14F-4D97-AF65-F5344CB8AC3E}">
-        <p14:creationId xmlns:p14="http://schemas.microsoft.com/office/powerpoint/2010/main" xmlns="" val="838600763"/>
+        <p14:creationId xmlns:p14="http://schemas.microsoft.com/office/powerpoint/2010/main" val="838600763"/>
       </p:ext>
     </p:extLst>
   </p:cSld>
@@ -1996,7 +2016,7 @@
             <a:fld id="{669590F7-C5B5-4AE4-AFAB-4E0783D865E1}" type="datetimeFigureOut">
               <a:rPr lang="en-US" smtClean="0"/>
               <a:pPr/>
-              <a:t>6/16/2020</a:t>
+              <a:t>6/18/2022</a:t>
             </a:fld>
             <a:endParaRPr lang="en-US"/>
           </a:p>
@@ -2048,7 +2068,7 @@
     </p:spTree>
     <p:extLst>
       <p:ext uri="{BB962C8B-B14F-4D97-AF65-F5344CB8AC3E}">
-        <p14:creationId xmlns:p14="http://schemas.microsoft.com/office/powerpoint/2010/main" xmlns="" val="3979675278"/>
+        <p14:creationId xmlns:p14="http://schemas.microsoft.com/office/powerpoint/2010/main" val="3979675278"/>
       </p:ext>
     </p:extLst>
   </p:cSld>
@@ -2275,7 +2295,7 @@
             <a:fld id="{669590F7-C5B5-4AE4-AFAB-4E0783D865E1}" type="datetimeFigureOut">
               <a:rPr lang="en-US" smtClean="0"/>
               <a:pPr/>
-              <a:t>6/16/2020</a:t>
+              <a:t>6/18/2022</a:t>
             </a:fld>
             <a:endParaRPr lang="en-US"/>
           </a:p>
@@ -2327,7 +2347,7 @@
     </p:spTree>
     <p:extLst>
       <p:ext uri="{BB962C8B-B14F-4D97-AF65-F5344CB8AC3E}">
-        <p14:creationId xmlns:p14="http://schemas.microsoft.com/office/powerpoint/2010/main" xmlns="" val="2317586828"/>
+        <p14:creationId xmlns:p14="http://schemas.microsoft.com/office/powerpoint/2010/main" val="2317586828"/>
       </p:ext>
     </p:extLst>
   </p:cSld>
@@ -2534,7 +2554,7 @@
             <a:fld id="{669590F7-C5B5-4AE4-AFAB-4E0783D865E1}" type="datetimeFigureOut">
               <a:rPr lang="en-US" smtClean="0"/>
               <a:pPr/>
-              <a:t>6/16/2020</a:t>
+              <a:t>6/18/2022</a:t>
             </a:fld>
             <a:endParaRPr lang="en-US"/>
           </a:p>
@@ -2586,7 +2606,7 @@
     </p:spTree>
     <p:extLst>
       <p:ext uri="{BB962C8B-B14F-4D97-AF65-F5344CB8AC3E}">
-        <p14:creationId xmlns:p14="http://schemas.microsoft.com/office/powerpoint/2010/main" xmlns="" val="3057389885"/>
+        <p14:creationId xmlns:p14="http://schemas.microsoft.com/office/powerpoint/2010/main" val="3057389885"/>
       </p:ext>
     </p:extLst>
   </p:cSld>
@@ -2754,7 +2774,7 @@
             <a:fld id="{669590F7-C5B5-4AE4-AFAB-4E0783D865E1}" type="datetimeFigureOut">
               <a:rPr lang="en-US" smtClean="0"/>
               <a:pPr/>
-              <a:t>6/16/2020</a:t>
+              <a:t>6/18/2022</a:t>
             </a:fld>
             <a:endParaRPr lang="en-US"/>
           </a:p>
@@ -2842,7 +2862,7 @@
     </p:spTree>
     <p:extLst>
       <p:ext uri="{BB962C8B-B14F-4D97-AF65-F5344CB8AC3E}">
-        <p14:creationId xmlns:p14="http://schemas.microsoft.com/office/powerpoint/2010/main" xmlns="" val="2931263662"/>
+        <p14:creationId xmlns:p14="http://schemas.microsoft.com/office/powerpoint/2010/main" val="2931263662"/>
       </p:ext>
     </p:extLst>
   </p:cSld>
@@ -3132,7 +3152,7 @@
       </p:grpSpPr>
       <p:sp>
         <p:nvSpPr>
-          <p:cNvPr id="2" name="Title 1"/>
+          <p:cNvPr id="4" name="標題 3"/>
           <p:cNvSpPr>
             <a:spLocks noGrp="1"/>
           </p:cNvSpPr>
@@ -3140,239 +3160,93 @@
             <p:ph type="title"/>
           </p:nvPr>
         </p:nvSpPr>
-        <p:spPr/>
+        <p:spPr>
+          <a:xfrm>
+            <a:off x="0" y="2660915"/>
+            <a:ext cx="12192000" cy="1143000"/>
+          </a:xfrm>
+        </p:spPr>
         <p:txBody>
           <a:bodyPr>
-            <a:normAutofit/>
+            <a:noAutofit/>
           </a:bodyPr>
           <a:lstStyle/>
           <a:p>
             <a:r>
-              <a:rPr lang="zh-TW" altLang="en-US" sz="4800" b="1" dirty="0">
-                <a:latin typeface="Microsoft JhengHei" panose="020B0604030504040204" pitchFamily="34" charset="-120"/>
-                <a:ea typeface="Microsoft JhengHei" panose="020B0604030504040204" pitchFamily="34" charset="-120"/>
-              </a:rPr>
-              <a:t>我願</a:t>
-            </a:r>
-            <a:r>
-              <a:rPr lang="zh-TW" altLang="en-US" sz="4800" b="1" dirty="0" smtClean="0">
-                <a:latin typeface="Microsoft JhengHei" panose="020B0604030504040204" pitchFamily="34" charset="-120"/>
-                <a:ea typeface="Microsoft JhengHei" panose="020B0604030504040204" pitchFamily="34" charset="-120"/>
-              </a:rPr>
-              <a:t>觸動</a:t>
-            </a:r>
-            <a:r>
-              <a:rPr lang="zh-CN" altLang="en-US" sz="4800" b="1" dirty="0" smtClean="0">
-                <a:latin typeface="Microsoft JhengHei" panose="020B0604030504040204" pitchFamily="34" charset="-120"/>
-                <a:ea typeface="Microsoft JhengHei" panose="020B0604030504040204" pitchFamily="34" charset="-120"/>
+              <a:rPr lang="zh-TW" altLang="en-US" sz="7200" b="1" i="1" dirty="0">
+                <a:solidFill>
+                  <a:srgbClr val="660033"/>
+                </a:solidFill>
+                <a:effectLst>
+                  <a:outerShdw blurRad="38100" dist="38100" dir="2700000" algn="tl">
+                    <a:srgbClr val="000000">
+                      <a:alpha val="43137"/>
+                    </a:srgbClr>
+                  </a:outerShdw>
+                </a:effectLst>
+                <a:latin typeface="微軟正黑體" pitchFamily="34" charset="-120"/>
+                <a:ea typeface="微軟正黑體" pitchFamily="34" charset="-120"/>
+              </a:rPr>
+              <a:t>我</a:t>
+            </a:r>
+            <a:r>
+              <a:rPr lang="zh-TW" altLang="en-US" sz="7200" b="1" i="1" dirty="0">
+                <a:solidFill>
+                  <a:srgbClr val="660033"/>
+                </a:solidFill>
+                <a:effectLst>
+                  <a:outerShdw blurRad="38100" dist="38100" dir="2700000" algn="tl">
+                    <a:srgbClr val="000000">
+                      <a:alpha val="43137"/>
+                    </a:srgbClr>
+                  </a:outerShdw>
+                </a:effectLst>
+                <a:latin typeface="微軟正黑體" pitchFamily="34" charset="-120"/>
+                <a:ea typeface="微軟正黑體" pitchFamily="34" charset="-120"/>
+              </a:rPr>
+              <a:t>願觸動</a:t>
+            </a:r>
+            <a:r>
+              <a:rPr lang="zh-CN" altLang="en-US" sz="7200" b="1" i="1" dirty="0">
+                <a:solidFill>
+                  <a:srgbClr val="660033"/>
+                </a:solidFill>
+                <a:effectLst>
+                  <a:outerShdw blurRad="38100" dist="38100" dir="2700000" algn="tl">
+                    <a:srgbClr val="000000">
+                      <a:alpha val="43137"/>
+                    </a:srgbClr>
+                  </a:outerShdw>
+                </a:effectLst>
+                <a:latin typeface="微軟正黑體" pitchFamily="34" charset="-120"/>
+                <a:ea typeface="微軟正黑體" pitchFamily="34" charset="-120"/>
               </a:rPr>
               <a:t>袮</a:t>
             </a:r>
             <a:r>
-              <a:rPr lang="zh-TW" altLang="en-US" sz="4800" b="1" dirty="0" smtClean="0">
-                <a:latin typeface="Microsoft JhengHei" panose="020B0604030504040204" pitchFamily="34" charset="-120"/>
-                <a:ea typeface="Microsoft JhengHei" panose="020B0604030504040204" pitchFamily="34" charset="-120"/>
+              <a:rPr lang="zh-TW" altLang="en-US" sz="7200" b="1" i="1" dirty="0">
+                <a:solidFill>
+                  <a:srgbClr val="660033"/>
+                </a:solidFill>
+                <a:effectLst>
+                  <a:outerShdw blurRad="38100" dist="38100" dir="2700000" algn="tl">
+                    <a:srgbClr val="000000">
+                      <a:alpha val="43137"/>
+                    </a:srgbClr>
+                  </a:outerShdw>
+                </a:effectLst>
+                <a:latin typeface="微軟正黑體" pitchFamily="34" charset="-120"/>
+                <a:ea typeface="微軟正黑體" pitchFamily="34" charset="-120"/>
               </a:rPr>
               <a:t>心弦</a:t>
             </a:r>
-            <a:endParaRPr lang="en-US" sz="4800" b="1" dirty="0">
-              <a:latin typeface="Microsoft JhengHei" panose="020B0604030504040204" pitchFamily="34" charset="-120"/>
-              <a:ea typeface="Microsoft JhengHei" panose="020B0604030504040204" pitchFamily="34" charset="-120"/>
-            </a:endParaRPr>
-          </a:p>
-        </p:txBody>
-      </p:sp>
-      <p:sp>
-        <p:nvSpPr>
-          <p:cNvPr id="3" name="Content Placeholder 2"/>
-          <p:cNvSpPr>
-            <a:spLocks noGrp="1"/>
-          </p:cNvSpPr>
-          <p:nvPr>
-            <p:ph idx="1"/>
-          </p:nvPr>
-        </p:nvSpPr>
-        <p:spPr/>
-        <p:txBody>
-          <a:bodyPr>
-            <a:normAutofit/>
-          </a:bodyPr>
-          <a:lstStyle/>
-          <a:p>
-            <a:pPr marL="0" indent="0" algn="ctr">
-              <a:buNone/>
-            </a:pPr>
-            <a:r>
-              <a:rPr lang="zh-TW" altLang="en-US" sz="5400" b="1" dirty="0">
-                <a:latin typeface="Microsoft JhengHei" panose="020B0604030504040204" pitchFamily="34" charset="-120"/>
-                <a:ea typeface="Microsoft JhengHei" panose="020B0604030504040204" pitchFamily="34" charset="-120"/>
-              </a:rPr>
-              <a:t>每當我來到</a:t>
-            </a:r>
-            <a:r>
-              <a:rPr lang="zh-TW" altLang="en-US" sz="5400" b="1" dirty="0" smtClean="0">
-                <a:latin typeface="Microsoft JhengHei" panose="020B0604030504040204" pitchFamily="34" charset="-120"/>
-                <a:ea typeface="Microsoft JhengHei" panose="020B0604030504040204" pitchFamily="34" charset="-120"/>
-              </a:rPr>
-              <a:t>主</a:t>
-            </a:r>
-            <a:r>
-              <a:rPr lang="zh-CN" altLang="en-US" sz="5400" b="1" dirty="0" smtClean="0">
-                <a:latin typeface="Microsoft JhengHei" panose="020B0604030504040204" pitchFamily="34" charset="-120"/>
-                <a:ea typeface="Microsoft JhengHei" panose="020B0604030504040204" pitchFamily="34" charset="-120"/>
-              </a:rPr>
-              <a:t>袮</a:t>
-            </a:r>
-            <a:r>
-              <a:rPr lang="zh-TW" altLang="en-US" sz="5400" b="1" dirty="0" smtClean="0">
-                <a:latin typeface="Microsoft JhengHei" panose="020B0604030504040204" pitchFamily="34" charset="-120"/>
-                <a:ea typeface="Microsoft JhengHei" panose="020B0604030504040204" pitchFamily="34" charset="-120"/>
-              </a:rPr>
-              <a:t>寶座</a:t>
-            </a:r>
-            <a:r>
-              <a:rPr lang="zh-TW" altLang="en-US" sz="5400" b="1" dirty="0" smtClean="0">
-                <a:latin typeface="Microsoft JhengHei" panose="020B0604030504040204" pitchFamily="34" charset="-120"/>
-                <a:ea typeface="Microsoft JhengHei" panose="020B0604030504040204" pitchFamily="34" charset="-120"/>
-              </a:rPr>
-              <a:t>前</a:t>
-            </a:r>
-            <a:endParaRPr lang="en-US" altLang="zh-TW" sz="5400" b="1" dirty="0" smtClean="0">
-              <a:latin typeface="Microsoft JhengHei" panose="020B0604030504040204" pitchFamily="34" charset="-120"/>
-              <a:ea typeface="Microsoft JhengHei" panose="020B0604030504040204" pitchFamily="34" charset="-120"/>
-            </a:endParaRPr>
-          </a:p>
-          <a:p>
-            <a:pPr marL="0" indent="0" algn="ctr">
-              <a:buNone/>
-            </a:pPr>
-            <a:r>
-              <a:rPr lang="zh-TW" altLang="en-US" sz="5400" b="1" dirty="0" smtClean="0">
-                <a:latin typeface="Microsoft JhengHei" panose="020B0604030504040204" pitchFamily="34" charset="-120"/>
-                <a:ea typeface="Microsoft JhengHei" panose="020B0604030504040204" pitchFamily="34" charset="-120"/>
-              </a:rPr>
-              <a:t>我</a:t>
-            </a:r>
-            <a:r>
-              <a:rPr lang="zh-TW" altLang="en-US" sz="5400" b="1" dirty="0">
-                <a:latin typeface="Microsoft JhengHei" panose="020B0604030504040204" pitchFamily="34" charset="-120"/>
-                <a:ea typeface="Microsoft JhengHei" panose="020B0604030504040204" pitchFamily="34" charset="-120"/>
-              </a:rPr>
-              <a:t>心我靈</a:t>
-            </a:r>
-            <a:r>
-              <a:rPr lang="zh-TW" altLang="en-US" sz="5400" b="1" dirty="0" smtClean="0">
-                <a:latin typeface="Microsoft JhengHei" panose="020B0604030504040204" pitchFamily="34" charset="-120"/>
-                <a:ea typeface="Microsoft JhengHei" panose="020B0604030504040204" pitchFamily="34" charset="-120"/>
-              </a:rPr>
-              <a:t>向</a:t>
-            </a:r>
-            <a:r>
-              <a:rPr lang="zh-CN" altLang="en-US" sz="5400" b="1" dirty="0" smtClean="0">
-                <a:latin typeface="Microsoft JhengHei" panose="020B0604030504040204" pitchFamily="34" charset="-120"/>
-                <a:ea typeface="Microsoft JhengHei" panose="020B0604030504040204" pitchFamily="34" charset="-120"/>
-              </a:rPr>
-              <a:t>袮</a:t>
-            </a:r>
-            <a:r>
-              <a:rPr lang="zh-TW" altLang="en-US" sz="5400" b="1" dirty="0" smtClean="0">
-                <a:latin typeface="Microsoft JhengHei" panose="020B0604030504040204" pitchFamily="34" charset="-120"/>
-                <a:ea typeface="Microsoft JhengHei" panose="020B0604030504040204" pitchFamily="34" charset="-120"/>
-              </a:rPr>
-              <a:t>俯</a:t>
-            </a:r>
-            <a:r>
-              <a:rPr lang="zh-TW" altLang="en-US" sz="5400" b="1" dirty="0">
-                <a:latin typeface="Microsoft JhengHei" panose="020B0604030504040204" pitchFamily="34" charset="-120"/>
-                <a:ea typeface="Microsoft JhengHei" panose="020B0604030504040204" pitchFamily="34" charset="-120"/>
-              </a:rPr>
-              <a:t>伏敬</a:t>
-            </a:r>
-            <a:r>
-              <a:rPr lang="zh-TW" altLang="en-US" sz="5400" b="1" dirty="0" smtClean="0">
-                <a:latin typeface="Microsoft JhengHei" panose="020B0604030504040204" pitchFamily="34" charset="-120"/>
-                <a:ea typeface="Microsoft JhengHei" panose="020B0604030504040204" pitchFamily="34" charset="-120"/>
-              </a:rPr>
-              <a:t>拜</a:t>
-            </a:r>
-            <a:endParaRPr lang="en-US" altLang="zh-TW" sz="5400" b="1" dirty="0">
-              <a:latin typeface="Microsoft JhengHei" panose="020B0604030504040204" pitchFamily="34" charset="-120"/>
-              <a:ea typeface="Microsoft JhengHei" panose="020B0604030504040204" pitchFamily="34" charset="-120"/>
-            </a:endParaRPr>
-          </a:p>
-          <a:p>
-            <a:pPr marL="0" indent="0" algn="ctr">
-              <a:buNone/>
-            </a:pPr>
-            <a:r>
-              <a:rPr lang="zh-TW" altLang="en-US" sz="5400" b="1" dirty="0" smtClean="0">
-                <a:latin typeface="Microsoft JhengHei" panose="020B0604030504040204" pitchFamily="34" charset="-120"/>
-                <a:ea typeface="Microsoft JhengHei" panose="020B0604030504040204" pitchFamily="34" charset="-120"/>
-              </a:rPr>
-              <a:t>再</a:t>
-            </a:r>
-            <a:r>
-              <a:rPr lang="zh-TW" altLang="en-US" sz="5400" b="1" dirty="0">
-                <a:latin typeface="Microsoft JhengHei" panose="020B0604030504040204" pitchFamily="34" charset="-120"/>
-                <a:ea typeface="Microsoft JhengHei" panose="020B0604030504040204" pitchFamily="34" charset="-120"/>
-              </a:rPr>
-              <a:t>次將主權交託全能</a:t>
-            </a:r>
-            <a:r>
-              <a:rPr lang="zh-TW" altLang="en-US" sz="5400" b="1" dirty="0" smtClean="0">
-                <a:latin typeface="Microsoft JhengHei" panose="020B0604030504040204" pitchFamily="34" charset="-120"/>
-                <a:ea typeface="Microsoft JhengHei" panose="020B0604030504040204" pitchFamily="34" charset="-120"/>
-              </a:rPr>
-              <a:t>神</a:t>
-            </a:r>
-            <a:endParaRPr lang="en-US" altLang="zh-TW" sz="5400" b="1" dirty="0" smtClean="0">
-              <a:latin typeface="Microsoft JhengHei" panose="020B0604030504040204" pitchFamily="34" charset="-120"/>
-              <a:ea typeface="Microsoft JhengHei" panose="020B0604030504040204" pitchFamily="34" charset="-120"/>
-            </a:endParaRPr>
-          </a:p>
-          <a:p>
-            <a:pPr marL="0" indent="0" algn="ctr">
-              <a:buNone/>
-            </a:pPr>
-            <a:r>
-              <a:rPr lang="zh-TW" altLang="en-US" sz="5400" b="1" dirty="0" smtClean="0">
-                <a:latin typeface="Microsoft JhengHei" panose="020B0604030504040204" pitchFamily="34" charset="-120"/>
-                <a:ea typeface="Microsoft JhengHei" panose="020B0604030504040204" pitchFamily="34" charset="-120"/>
-              </a:rPr>
-              <a:t>懇求</a:t>
-            </a:r>
-            <a:r>
-              <a:rPr lang="zh-CN" altLang="en-US" sz="5400" b="1" dirty="0" smtClean="0">
-                <a:latin typeface="Microsoft JhengHei" panose="020B0604030504040204" pitchFamily="34" charset="-120"/>
-                <a:ea typeface="Microsoft JhengHei" panose="020B0604030504040204" pitchFamily="34" charset="-120"/>
-              </a:rPr>
-              <a:t>袮</a:t>
-            </a:r>
-            <a:r>
-              <a:rPr lang="zh-TW" altLang="en-US" sz="5400" b="1" dirty="0" smtClean="0">
-                <a:latin typeface="Microsoft JhengHei" panose="020B0604030504040204" pitchFamily="34" charset="-120"/>
-                <a:ea typeface="Microsoft JhengHei" panose="020B0604030504040204" pitchFamily="34" charset="-120"/>
-              </a:rPr>
-              <a:t>心意</a:t>
-            </a:r>
-            <a:r>
-              <a:rPr lang="zh-TW" altLang="en-US" sz="5400" b="1" dirty="0">
-                <a:latin typeface="Microsoft JhengHei" panose="020B0604030504040204" pitchFamily="34" charset="-120"/>
-                <a:ea typeface="Microsoft JhengHei" panose="020B0604030504040204" pitchFamily="34" charset="-120"/>
-              </a:rPr>
-              <a:t>向我顯明</a:t>
-            </a:r>
-            <a:endParaRPr lang="en-US" sz="5400" b="1" dirty="0">
-              <a:latin typeface="Microsoft JhengHei" panose="020B0604030504040204" pitchFamily="34" charset="-120"/>
-              <a:ea typeface="Microsoft JhengHei" panose="020B0604030504040204" pitchFamily="34" charset="-120"/>
-            </a:endParaRPr>
           </a:p>
         </p:txBody>
       </p:sp>
     </p:spTree>
     <p:extLst>
       <p:ext uri="{BB962C8B-B14F-4D97-AF65-F5344CB8AC3E}">
-        <p14:creationId xmlns:p14="http://schemas.microsoft.com/office/powerpoint/2010/main" xmlns="" val="3091379600"/>
+        <p14:creationId xmlns:p14="http://schemas.microsoft.com/office/powerpoint/2010/main" val="4170931368"/>
       </p:ext>
     </p:extLst>
   </p:cSld>
@@ -3401,210 +3275,178 @@
       </p:grpSpPr>
       <p:sp>
         <p:nvSpPr>
-          <p:cNvPr id="2" name="Title 1"/>
-          <p:cNvSpPr>
-            <a:spLocks noGrp="1"/>
-          </p:cNvSpPr>
-          <p:nvPr>
-            <p:ph type="title"/>
-          </p:nvPr>
-        </p:nvSpPr>
-        <p:spPr/>
-        <p:txBody>
-          <a:bodyPr>
+          <p:cNvPr id="5" name="內容版面配置區 4"/>
+          <p:cNvSpPr>
+            <a:spLocks noGrp="1"/>
+          </p:cNvSpPr>
+          <p:nvPr>
+            <p:ph idx="1"/>
+          </p:nvPr>
+        </p:nvSpPr>
+        <p:spPr>
+          <a:xfrm>
+            <a:off x="0" y="2084851"/>
+            <a:ext cx="12192000" cy="2404863"/>
+          </a:xfrm>
+        </p:spPr>
+        <p:txBody>
+          <a:bodyPr anchor="ctr">
             <a:normAutofit/>
           </a:bodyPr>
           <a:lstStyle/>
           <a:p>
-            <a:r>
-              <a:rPr lang="zh-TW" altLang="en-US" sz="4800" b="1" dirty="0">
+            <a:pPr marL="0" indent="0" algn="ctr">
+              <a:buNone/>
+            </a:pPr>
+            <a:r>
+              <a:rPr lang="zh-TW" altLang="en-US" sz="6400" b="1" dirty="0">
+                <a:solidFill>
+                  <a:srgbClr val="660033"/>
+                </a:solidFill>
+                <a:latin typeface="微軟正黑體" pitchFamily="34" charset="-120"/>
+                <a:ea typeface="微軟正黑體" pitchFamily="34" charset="-120"/>
+              </a:rPr>
+              <a:t>每</a:t>
+            </a:r>
+            <a:r>
+              <a:rPr lang="zh-TW" altLang="en-US" sz="6400" b="1" dirty="0">
+                <a:solidFill>
+                  <a:srgbClr val="660033"/>
+                </a:solidFill>
+                <a:latin typeface="微軟正黑體" pitchFamily="34" charset="-120"/>
+                <a:ea typeface="微軟正黑體" pitchFamily="34" charset="-120"/>
+              </a:rPr>
+              <a:t>當我來到主</a:t>
+            </a:r>
+            <a:r>
+              <a:rPr lang="zh-CN" altLang="en-US" sz="6400" b="1" dirty="0">
+                <a:solidFill>
+                  <a:srgbClr val="660033"/>
+                </a:solidFill>
+                <a:latin typeface="微軟正黑體" pitchFamily="34" charset="-120"/>
+                <a:ea typeface="微軟正黑體" pitchFamily="34" charset="-120"/>
+              </a:rPr>
+              <a:t>袮</a:t>
+            </a:r>
+            <a:r>
+              <a:rPr lang="zh-TW" altLang="en-US" sz="6400" b="1" dirty="0">
+                <a:solidFill>
+                  <a:srgbClr val="660033"/>
+                </a:solidFill>
+                <a:latin typeface="微軟正黑體" pitchFamily="34" charset="-120"/>
+                <a:ea typeface="微軟正黑體" pitchFamily="34" charset="-120"/>
+              </a:rPr>
+              <a:t>寶座前</a:t>
+            </a:r>
+            <a:endParaRPr lang="en-US" altLang="zh-TW" sz="6400" b="1" dirty="0">
+              <a:solidFill>
+                <a:srgbClr val="660033"/>
+              </a:solidFill>
+              <a:latin typeface="微軟正黑體" pitchFamily="34" charset="-120"/>
+              <a:ea typeface="微軟正黑體" pitchFamily="34" charset="-120"/>
+            </a:endParaRPr>
+          </a:p>
+          <a:p>
+            <a:pPr marL="0" indent="0" algn="ctr">
+              <a:buNone/>
+            </a:pPr>
+            <a:r>
+              <a:rPr lang="zh-TW" altLang="en-US" sz="6400" b="1" dirty="0">
+                <a:solidFill>
+                  <a:srgbClr val="660033"/>
+                </a:solidFill>
+                <a:latin typeface="微軟正黑體" pitchFamily="34" charset="-120"/>
+                <a:ea typeface="微軟正黑體" pitchFamily="34" charset="-120"/>
+              </a:rPr>
+              <a:t>我心我靈向</a:t>
+            </a:r>
+            <a:r>
+              <a:rPr lang="zh-CN" altLang="en-US" sz="6400" b="1" dirty="0">
+                <a:solidFill>
+                  <a:srgbClr val="660033"/>
+                </a:solidFill>
+                <a:latin typeface="微軟正黑體" pitchFamily="34" charset="-120"/>
+                <a:ea typeface="微軟正黑體" pitchFamily="34" charset="-120"/>
+              </a:rPr>
+              <a:t>袮</a:t>
+            </a:r>
+            <a:r>
+              <a:rPr lang="zh-TW" altLang="en-US" sz="6400" b="1" dirty="0">
+                <a:solidFill>
+                  <a:srgbClr val="660033"/>
+                </a:solidFill>
+                <a:latin typeface="微軟正黑體" pitchFamily="34" charset="-120"/>
+                <a:ea typeface="微軟正黑體" pitchFamily="34" charset="-120"/>
+              </a:rPr>
+              <a:t>俯伏敬拜</a:t>
+            </a:r>
+            <a:endParaRPr lang="en-US" altLang="zh-TW" sz="6400" b="1" dirty="0">
+              <a:solidFill>
+                <a:srgbClr val="660033"/>
+              </a:solidFill>
+              <a:latin typeface="微軟正黑體" pitchFamily="34" charset="-120"/>
+              <a:ea typeface="微軟正黑體" pitchFamily="34" charset="-120"/>
+            </a:endParaRPr>
+          </a:p>
+        </p:txBody>
+      </p:sp>
+      <p:sp>
+        <p:nvSpPr>
+          <p:cNvPr id="3" name="TextBox 2"/>
+          <p:cNvSpPr txBox="1"/>
+          <p:nvPr/>
+        </p:nvSpPr>
+        <p:spPr>
+          <a:xfrm>
+            <a:off x="0" y="5157192"/>
+            <a:ext cx="12192000" cy="748988"/>
+          </a:xfrm>
+          <a:prstGeom prst="rect">
+            <a:avLst/>
+          </a:prstGeom>
+          <a:noFill/>
+        </p:spPr>
+        <p:txBody>
+          <a:bodyPr wrap="square" rtlCol="0">
+            <a:spAutoFit/>
+          </a:bodyPr>
+          <a:lstStyle/>
+          <a:p>
+            <a:pPr algn="ctr"/>
+            <a:r>
+              <a:rPr lang="en-US" sz="4267" b="1" dirty="0">
+                <a:solidFill>
+                  <a:srgbClr val="660033"/>
+                </a:solidFill>
                 <a:latin typeface="Microsoft JhengHei" panose="020B0604030504040204" pitchFamily="34" charset="-120"/>
                 <a:ea typeface="Microsoft JhengHei" panose="020B0604030504040204" pitchFamily="34" charset="-120"/>
               </a:rPr>
-              <a:t>我願</a:t>
-            </a:r>
-            <a:r>
-              <a:rPr lang="zh-TW" altLang="en-US" sz="4800" b="1" dirty="0" smtClean="0">
+              <a:t>( </a:t>
+            </a:r>
+            <a:r>
+              <a:rPr lang="zh-CN" altLang="en-US" sz="4267" b="1" dirty="0">
+                <a:solidFill>
+                  <a:srgbClr val="660033"/>
+                </a:solidFill>
                 <a:latin typeface="Microsoft JhengHei" panose="020B0604030504040204" pitchFamily="34" charset="-120"/>
                 <a:ea typeface="Microsoft JhengHei" panose="020B0604030504040204" pitchFamily="34" charset="-120"/>
               </a:rPr>
-              <a:t>觸動</a:t>
-            </a:r>
-            <a:r>
-              <a:rPr lang="zh-CN" altLang="en-US" sz="4800" b="1" dirty="0" smtClean="0">
+              <a:t>正</a:t>
+            </a:r>
+            <a:r>
+              <a:rPr lang="en-US" sz="4267" b="1" dirty="0">
+                <a:solidFill>
+                  <a:srgbClr val="660033"/>
+                </a:solidFill>
                 <a:latin typeface="Microsoft JhengHei" panose="020B0604030504040204" pitchFamily="34" charset="-120"/>
                 <a:ea typeface="Microsoft JhengHei" panose="020B0604030504040204" pitchFamily="34" charset="-120"/>
               </a:rPr>
-              <a:t>袮</a:t>
-            </a:r>
-            <a:r>
-              <a:rPr lang="zh-TW" altLang="en-US" sz="4800" b="1" dirty="0" smtClean="0">
-                <a:latin typeface="Microsoft JhengHei" panose="020B0604030504040204" pitchFamily="34" charset="-120"/>
-                <a:ea typeface="Microsoft JhengHei" panose="020B0604030504040204" pitchFamily="34" charset="-120"/>
-              </a:rPr>
-              <a:t>心弦</a:t>
-            </a:r>
-            <a:endParaRPr lang="en-US" sz="4800" b="1" dirty="0">
-              <a:latin typeface="Microsoft JhengHei" panose="020B0604030504040204" pitchFamily="34" charset="-120"/>
-              <a:ea typeface="Microsoft JhengHei" panose="020B0604030504040204" pitchFamily="34" charset="-120"/>
-            </a:endParaRPr>
-          </a:p>
-        </p:txBody>
-      </p:sp>
-      <p:sp>
-        <p:nvSpPr>
-          <p:cNvPr id="3" name="Content Placeholder 2"/>
-          <p:cNvSpPr>
-            <a:spLocks noGrp="1"/>
-          </p:cNvSpPr>
-          <p:nvPr>
-            <p:ph idx="1"/>
-          </p:nvPr>
-        </p:nvSpPr>
-        <p:spPr/>
-        <p:txBody>
-          <a:bodyPr>
-            <a:normAutofit/>
-          </a:bodyPr>
-          <a:lstStyle/>
-          <a:p>
-            <a:pPr marL="0" indent="0" algn="ctr">
-              <a:buNone/>
-            </a:pPr>
-            <a:r>
-              <a:rPr lang="zh-TW" altLang="en-US" sz="5400" b="1" dirty="0">
-                <a:latin typeface="Microsoft JhengHei" panose="020B0604030504040204" pitchFamily="34" charset="-120"/>
-                <a:ea typeface="Microsoft JhengHei" panose="020B0604030504040204" pitchFamily="34" charset="-120"/>
-              </a:rPr>
-              <a:t>我願</a:t>
-            </a:r>
-            <a:r>
-              <a:rPr lang="zh-TW" altLang="en-US" sz="5400" b="1" dirty="0" smtClean="0">
-                <a:latin typeface="Microsoft JhengHei" panose="020B0604030504040204" pitchFamily="34" charset="-120"/>
-                <a:ea typeface="Microsoft JhengHei" panose="020B0604030504040204" pitchFamily="34" charset="-120"/>
-              </a:rPr>
-              <a:t>觸動</a:t>
-            </a:r>
-            <a:r>
-              <a:rPr lang="zh-CN" altLang="en-US" sz="5400" b="1" dirty="0" smtClean="0">
-                <a:latin typeface="Microsoft JhengHei" panose="020B0604030504040204" pitchFamily="34" charset="-120"/>
-                <a:ea typeface="Microsoft JhengHei" panose="020B0604030504040204" pitchFamily="34" charset="-120"/>
-              </a:rPr>
-              <a:t>袮</a:t>
-            </a:r>
-            <a:r>
-              <a:rPr lang="zh-TW" altLang="en-US" sz="5400" b="1" dirty="0" smtClean="0">
-                <a:latin typeface="Microsoft JhengHei" panose="020B0604030504040204" pitchFamily="34" charset="-120"/>
-                <a:ea typeface="Microsoft JhengHei" panose="020B0604030504040204" pitchFamily="34" charset="-120"/>
-              </a:rPr>
-              <a:t>心弦</a:t>
-            </a:r>
-            <a:endParaRPr lang="en-US" altLang="zh-TW" sz="5400" b="1" dirty="0">
-              <a:latin typeface="Microsoft JhengHei" panose="020B0604030504040204" pitchFamily="34" charset="-120"/>
-              <a:ea typeface="Microsoft JhengHei" panose="020B0604030504040204" pitchFamily="34" charset="-120"/>
-            </a:endParaRPr>
-          </a:p>
-          <a:p>
-            <a:pPr marL="0" indent="0" algn="ctr">
-              <a:buNone/>
-            </a:pPr>
-            <a:r>
-              <a:rPr lang="zh-TW" altLang="en-US" sz="5400" b="1" dirty="0">
-                <a:latin typeface="Microsoft JhengHei" panose="020B0604030504040204" pitchFamily="34" charset="-120"/>
-                <a:ea typeface="Microsoft JhengHei" panose="020B0604030504040204" pitchFamily="34" charset="-120"/>
-              </a:rPr>
-              <a:t>全心</a:t>
-            </a:r>
-            <a:r>
-              <a:rPr lang="zh-TW" altLang="en-US" sz="5400" b="1" dirty="0" smtClean="0">
-                <a:latin typeface="Microsoft JhengHei" panose="020B0604030504040204" pitchFamily="34" charset="-120"/>
-                <a:ea typeface="Microsoft JhengHei" panose="020B0604030504040204" pitchFamily="34" charset="-120"/>
-              </a:rPr>
-              <a:t>討</a:t>
-            </a:r>
-            <a:r>
-              <a:rPr lang="zh-CN" altLang="en-US" sz="5400" b="1" dirty="0" smtClean="0">
-                <a:latin typeface="Microsoft JhengHei" panose="020B0604030504040204" pitchFamily="34" charset="-120"/>
-                <a:ea typeface="Microsoft JhengHei" panose="020B0604030504040204" pitchFamily="34" charset="-120"/>
-              </a:rPr>
-              <a:t>袮</a:t>
-            </a:r>
-            <a:r>
-              <a:rPr lang="zh-TW" altLang="en-US" sz="5400" b="1" dirty="0" smtClean="0">
-                <a:latin typeface="Microsoft JhengHei" panose="020B0604030504040204" pitchFamily="34" charset="-120"/>
-                <a:ea typeface="Microsoft JhengHei" panose="020B0604030504040204" pitchFamily="34" charset="-120"/>
-              </a:rPr>
-              <a:t>喜悅</a:t>
-            </a:r>
-            <a:endParaRPr lang="en-US" altLang="zh-TW" sz="5400" b="1" dirty="0">
-              <a:latin typeface="Microsoft JhengHei" panose="020B0604030504040204" pitchFamily="34" charset="-120"/>
-              <a:ea typeface="Microsoft JhengHei" panose="020B0604030504040204" pitchFamily="34" charset="-120"/>
-            </a:endParaRPr>
-          </a:p>
-          <a:p>
-            <a:pPr marL="0" indent="0" algn="ctr">
-              <a:buNone/>
-            </a:pPr>
-            <a:r>
-              <a:rPr lang="zh-TW" altLang="en-US" sz="5400" b="1" dirty="0">
-                <a:latin typeface="Microsoft JhengHei" panose="020B0604030504040204" pitchFamily="34" charset="-120"/>
-                <a:ea typeface="Microsoft JhengHei" panose="020B0604030504040204" pitchFamily="34" charset="-120"/>
-              </a:rPr>
-              <a:t>我要舉起雙手  降服</a:t>
-            </a:r>
-            <a:r>
-              <a:rPr lang="zh-TW" altLang="en-US" sz="5400" b="1" dirty="0" smtClean="0">
-                <a:latin typeface="Microsoft JhengHei" panose="020B0604030504040204" pitchFamily="34" charset="-120"/>
-                <a:ea typeface="Microsoft JhengHei" panose="020B0604030504040204" pitchFamily="34" charset="-120"/>
-              </a:rPr>
-              <a:t>於</a:t>
-            </a:r>
-            <a:r>
-              <a:rPr lang="zh-CN" altLang="en-US" sz="5400" b="1" dirty="0" smtClean="0">
-                <a:latin typeface="Microsoft JhengHei" panose="020B0604030504040204" pitchFamily="34" charset="-120"/>
-                <a:ea typeface="Microsoft JhengHei" panose="020B0604030504040204" pitchFamily="34" charset="-120"/>
-              </a:rPr>
-              <a:t>袮</a:t>
-            </a:r>
-            <a:endParaRPr lang="en-US" altLang="zh-TW" sz="5400" b="1" dirty="0">
-              <a:latin typeface="Microsoft JhengHei" panose="020B0604030504040204" pitchFamily="34" charset="-120"/>
-              <a:ea typeface="Microsoft JhengHei" panose="020B0604030504040204" pitchFamily="34" charset="-120"/>
-            </a:endParaRPr>
-          </a:p>
-          <a:p>
-            <a:pPr marL="0" indent="0" algn="ctr">
-              <a:buNone/>
-            </a:pPr>
-            <a:r>
-              <a:rPr lang="zh-TW" altLang="en-US" sz="5400" b="1" dirty="0" smtClean="0">
-                <a:latin typeface="Microsoft JhengHei" panose="020B0604030504040204" pitchFamily="34" charset="-120"/>
-                <a:ea typeface="Microsoft JhengHei" panose="020B0604030504040204" pitchFamily="34" charset="-120"/>
-              </a:rPr>
-              <a:t>貼近</a:t>
-            </a:r>
-            <a:r>
-              <a:rPr lang="zh-CN" altLang="en-US" sz="5400" b="1" dirty="0" smtClean="0">
-                <a:latin typeface="Microsoft JhengHei" panose="020B0604030504040204" pitchFamily="34" charset="-120"/>
-                <a:ea typeface="Microsoft JhengHei" panose="020B0604030504040204" pitchFamily="34" charset="-120"/>
-              </a:rPr>
-              <a:t>袮</a:t>
-            </a:r>
-            <a:r>
-              <a:rPr lang="zh-TW" altLang="en-US" sz="5400" b="1" dirty="0" smtClean="0">
-                <a:latin typeface="Microsoft JhengHei" panose="020B0604030504040204" pitchFamily="34" charset="-120"/>
-                <a:ea typeface="Microsoft JhengHei" panose="020B0604030504040204" pitchFamily="34" charset="-120"/>
-              </a:rPr>
-              <a:t>的</a:t>
-            </a:r>
-            <a:r>
-              <a:rPr lang="zh-TW" altLang="en-US" sz="5400" b="1" dirty="0">
-                <a:latin typeface="Microsoft JhengHei" panose="020B0604030504040204" pitchFamily="34" charset="-120"/>
-                <a:ea typeface="Microsoft JhengHei" panose="020B0604030504040204" pitchFamily="34" charset="-120"/>
-              </a:rPr>
-              <a:t>胸懷</a:t>
-            </a:r>
-            <a:endParaRPr lang="en-US" sz="5400" b="1" dirty="0">
-              <a:latin typeface="Microsoft JhengHei" panose="020B0604030504040204" pitchFamily="34" charset="-120"/>
+              <a:t> )</a:t>
+            </a:r>
+            <a:endParaRPr lang="vi-VN" sz="4267" b="1" dirty="0">
+              <a:solidFill>
+                <a:srgbClr val="660033"/>
+              </a:solidFill>
               <a:ea typeface="Microsoft JhengHei" panose="020B0604030504040204" pitchFamily="34" charset="-120"/>
             </a:endParaRPr>
           </a:p>
@@ -3613,7 +3455,7 @@
     </p:spTree>
     <p:extLst>
       <p:ext uri="{BB962C8B-B14F-4D97-AF65-F5344CB8AC3E}">
-        <p14:creationId xmlns:p14="http://schemas.microsoft.com/office/powerpoint/2010/main" xmlns="" val="3900147664"/>
+        <p14:creationId xmlns:p14="http://schemas.microsoft.com/office/powerpoint/2010/main" val="779153319"/>
       </p:ext>
     </p:extLst>
   </p:cSld>
@@ -3642,189 +3484,148 @@
       </p:grpSpPr>
       <p:sp>
         <p:nvSpPr>
-          <p:cNvPr id="2" name="Title 1"/>
-          <p:cNvSpPr>
-            <a:spLocks noGrp="1"/>
-          </p:cNvSpPr>
-          <p:nvPr>
-            <p:ph type="title"/>
-          </p:nvPr>
-        </p:nvSpPr>
-        <p:spPr/>
-        <p:txBody>
-          <a:bodyPr>
+          <p:cNvPr id="5" name="內容版面配置區 4"/>
+          <p:cNvSpPr>
+            <a:spLocks noGrp="1"/>
+          </p:cNvSpPr>
+          <p:nvPr>
+            <p:ph idx="1"/>
+          </p:nvPr>
+        </p:nvSpPr>
+        <p:spPr>
+          <a:xfrm>
+            <a:off x="0" y="2084851"/>
+            <a:ext cx="12192000" cy="2404863"/>
+          </a:xfrm>
+        </p:spPr>
+        <p:txBody>
+          <a:bodyPr anchor="ctr">
             <a:normAutofit/>
           </a:bodyPr>
           <a:lstStyle/>
           <a:p>
-            <a:r>
-              <a:rPr lang="zh-TW" altLang="en-US" sz="4800" b="1" dirty="0">
+            <a:pPr marL="0" indent="0" algn="ctr">
+              <a:buNone/>
+            </a:pPr>
+            <a:r>
+              <a:rPr lang="zh-TW" altLang="en-US" sz="6400" b="1" dirty="0">
+                <a:solidFill>
+                  <a:srgbClr val="660033"/>
+                </a:solidFill>
+                <a:latin typeface="微軟正黑體" pitchFamily="34" charset="-120"/>
+                <a:ea typeface="微軟正黑體" pitchFamily="34" charset="-120"/>
+              </a:rPr>
+              <a:t>再次將主權交託全能神</a:t>
+            </a:r>
+            <a:endParaRPr lang="en-US" altLang="zh-TW" sz="6400" b="1" dirty="0">
+              <a:solidFill>
+                <a:srgbClr val="660033"/>
+              </a:solidFill>
+              <a:latin typeface="微軟正黑體" pitchFamily="34" charset="-120"/>
+              <a:ea typeface="微軟正黑體" pitchFamily="34" charset="-120"/>
+            </a:endParaRPr>
+          </a:p>
+          <a:p>
+            <a:pPr marL="0" indent="0" algn="ctr">
+              <a:buNone/>
+            </a:pPr>
+            <a:r>
+              <a:rPr lang="zh-TW" altLang="en-US" sz="6400" b="1" dirty="0">
+                <a:solidFill>
+                  <a:srgbClr val="660033"/>
+                </a:solidFill>
+                <a:latin typeface="微軟正黑體" pitchFamily="34" charset="-120"/>
+                <a:ea typeface="微軟正黑體" pitchFamily="34" charset="-120"/>
+              </a:rPr>
+              <a:t>懇求</a:t>
+            </a:r>
+            <a:r>
+              <a:rPr lang="zh-CN" altLang="en-US" sz="6400" b="1" dirty="0">
+                <a:solidFill>
+                  <a:srgbClr val="660033"/>
+                </a:solidFill>
+                <a:latin typeface="微軟正黑體" pitchFamily="34" charset="-120"/>
+                <a:ea typeface="微軟正黑體" pitchFamily="34" charset="-120"/>
+              </a:rPr>
+              <a:t>袮</a:t>
+            </a:r>
+            <a:r>
+              <a:rPr lang="zh-TW" altLang="en-US" sz="6400" b="1" dirty="0">
+                <a:solidFill>
+                  <a:srgbClr val="660033"/>
+                </a:solidFill>
+                <a:latin typeface="微軟正黑體" pitchFamily="34" charset="-120"/>
+                <a:ea typeface="微軟正黑體" pitchFamily="34" charset="-120"/>
+              </a:rPr>
+              <a:t>心意向我顯明</a:t>
+            </a:r>
+            <a:endParaRPr lang="en-US" sz="6400" b="1" dirty="0">
+              <a:solidFill>
+                <a:srgbClr val="660033"/>
+              </a:solidFill>
+              <a:latin typeface="微軟正黑體" pitchFamily="34" charset="-120"/>
+              <a:ea typeface="微軟正黑體" pitchFamily="34" charset="-120"/>
+            </a:endParaRPr>
+          </a:p>
+        </p:txBody>
+      </p:sp>
+      <p:sp>
+        <p:nvSpPr>
+          <p:cNvPr id="3" name="TextBox 2"/>
+          <p:cNvSpPr txBox="1"/>
+          <p:nvPr/>
+        </p:nvSpPr>
+        <p:spPr>
+          <a:xfrm>
+            <a:off x="0" y="5157192"/>
+            <a:ext cx="12192000" cy="748988"/>
+          </a:xfrm>
+          <a:prstGeom prst="rect">
+            <a:avLst/>
+          </a:prstGeom>
+          <a:noFill/>
+        </p:spPr>
+        <p:txBody>
+          <a:bodyPr wrap="square" rtlCol="0">
+            <a:spAutoFit/>
+          </a:bodyPr>
+          <a:lstStyle/>
+          <a:p>
+            <a:pPr algn="ctr"/>
+            <a:r>
+              <a:rPr lang="en-US" sz="4267" b="1" dirty="0">
+                <a:solidFill>
+                  <a:srgbClr val="660033"/>
+                </a:solidFill>
                 <a:latin typeface="Microsoft JhengHei" panose="020B0604030504040204" pitchFamily="34" charset="-120"/>
                 <a:ea typeface="Microsoft JhengHei" panose="020B0604030504040204" pitchFamily="34" charset="-120"/>
               </a:rPr>
-              <a:t>我願</a:t>
-            </a:r>
-            <a:r>
-              <a:rPr lang="zh-TW" altLang="en-US" sz="4800" b="1" dirty="0" smtClean="0">
+              <a:t>( </a:t>
+            </a:r>
+            <a:r>
+              <a:rPr lang="zh-CN" altLang="en-US" sz="4267" b="1" dirty="0">
+                <a:solidFill>
+                  <a:srgbClr val="660033"/>
+                </a:solidFill>
                 <a:latin typeface="Microsoft JhengHei" panose="020B0604030504040204" pitchFamily="34" charset="-120"/>
                 <a:ea typeface="Microsoft JhengHei" panose="020B0604030504040204" pitchFamily="34" charset="-120"/>
               </a:rPr>
-              <a:t>觸動</a:t>
-            </a:r>
-            <a:r>
-              <a:rPr lang="zh-CN" altLang="en-US" sz="4800" b="1" dirty="0" smtClean="0">
+              <a:t>正</a:t>
+            </a:r>
+            <a:r>
+              <a:rPr lang="en-US" sz="4267" b="1" dirty="0">
+                <a:solidFill>
+                  <a:srgbClr val="660033"/>
+                </a:solidFill>
                 <a:latin typeface="Microsoft JhengHei" panose="020B0604030504040204" pitchFamily="34" charset="-120"/>
                 <a:ea typeface="Microsoft JhengHei" panose="020B0604030504040204" pitchFamily="34" charset="-120"/>
               </a:rPr>
-              <a:t>袮</a:t>
-            </a:r>
-            <a:r>
-              <a:rPr lang="zh-TW" altLang="en-US" sz="4800" b="1" dirty="0" smtClean="0">
-                <a:latin typeface="Microsoft JhengHei" panose="020B0604030504040204" pitchFamily="34" charset="-120"/>
-                <a:ea typeface="Microsoft JhengHei" panose="020B0604030504040204" pitchFamily="34" charset="-120"/>
-              </a:rPr>
-              <a:t>心弦</a:t>
-            </a:r>
-            <a:endParaRPr lang="en-US" sz="4800" b="1" dirty="0">
-              <a:latin typeface="Microsoft JhengHei" panose="020B0604030504040204" pitchFamily="34" charset="-120"/>
-              <a:ea typeface="Microsoft JhengHei" panose="020B0604030504040204" pitchFamily="34" charset="-120"/>
-            </a:endParaRPr>
-          </a:p>
-        </p:txBody>
-      </p:sp>
-      <p:sp>
-        <p:nvSpPr>
-          <p:cNvPr id="3" name="Content Placeholder 2"/>
-          <p:cNvSpPr>
-            <a:spLocks noGrp="1"/>
-          </p:cNvSpPr>
-          <p:nvPr>
-            <p:ph idx="1"/>
-          </p:nvPr>
-        </p:nvSpPr>
-        <p:spPr/>
-        <p:txBody>
-          <a:bodyPr>
-            <a:normAutofit/>
-          </a:bodyPr>
-          <a:lstStyle/>
-          <a:p>
-            <a:pPr marL="0" indent="0" algn="ctr">
-              <a:buNone/>
-            </a:pPr>
-            <a:r>
-              <a:rPr lang="zh-TW" altLang="en-US" sz="5400" b="1" dirty="0">
-                <a:latin typeface="Microsoft JhengHei" panose="020B0604030504040204" pitchFamily="34" charset="-120"/>
-                <a:ea typeface="Microsoft JhengHei" panose="020B0604030504040204" pitchFamily="34" charset="-120"/>
-              </a:rPr>
-              <a:t>我願</a:t>
-            </a:r>
-            <a:r>
-              <a:rPr lang="zh-TW" altLang="en-US" sz="5400" b="1" dirty="0" smtClean="0">
-                <a:latin typeface="Microsoft JhengHei" panose="020B0604030504040204" pitchFamily="34" charset="-120"/>
-                <a:ea typeface="Microsoft JhengHei" panose="020B0604030504040204" pitchFamily="34" charset="-120"/>
-              </a:rPr>
-              <a:t>觸動</a:t>
-            </a:r>
-            <a:r>
-              <a:rPr lang="zh-CN" altLang="en-US" sz="5400" b="1" dirty="0" smtClean="0">
-                <a:latin typeface="Microsoft JhengHei" panose="020B0604030504040204" pitchFamily="34" charset="-120"/>
-                <a:ea typeface="Microsoft JhengHei" panose="020B0604030504040204" pitchFamily="34" charset="-120"/>
-              </a:rPr>
-              <a:t>袮</a:t>
-            </a:r>
-            <a:r>
-              <a:rPr lang="zh-TW" altLang="en-US" sz="5400" b="1" dirty="0" smtClean="0">
-                <a:latin typeface="Microsoft JhengHei" panose="020B0604030504040204" pitchFamily="34" charset="-120"/>
-                <a:ea typeface="Microsoft JhengHei" panose="020B0604030504040204" pitchFamily="34" charset="-120"/>
-              </a:rPr>
-              <a:t>心弦</a:t>
-            </a:r>
-            <a:endParaRPr lang="en-US" altLang="zh-TW" sz="5400" b="1" dirty="0">
-              <a:latin typeface="Microsoft JhengHei" panose="020B0604030504040204" pitchFamily="34" charset="-120"/>
-              <a:ea typeface="Microsoft JhengHei" panose="020B0604030504040204" pitchFamily="34" charset="-120"/>
-            </a:endParaRPr>
-          </a:p>
-          <a:p>
-            <a:pPr marL="0" indent="0" algn="ctr">
-              <a:buNone/>
-            </a:pPr>
-            <a:r>
-              <a:rPr lang="zh-TW" altLang="en-US" sz="5400" b="1" dirty="0">
-                <a:latin typeface="Microsoft JhengHei" panose="020B0604030504040204" pitchFamily="34" charset="-120"/>
-                <a:ea typeface="Microsoft JhengHei" panose="020B0604030504040204" pitchFamily="34" charset="-120"/>
-              </a:rPr>
-              <a:t>全心</a:t>
-            </a:r>
-            <a:r>
-              <a:rPr lang="zh-TW" altLang="en-US" sz="5400" b="1" dirty="0" smtClean="0">
-                <a:latin typeface="Microsoft JhengHei" panose="020B0604030504040204" pitchFamily="34" charset="-120"/>
-                <a:ea typeface="Microsoft JhengHei" panose="020B0604030504040204" pitchFamily="34" charset="-120"/>
-              </a:rPr>
-              <a:t>討</a:t>
-            </a:r>
-            <a:r>
-              <a:rPr lang="zh-CN" altLang="en-US" sz="5400" b="1" dirty="0" smtClean="0">
-                <a:latin typeface="Microsoft JhengHei" panose="020B0604030504040204" pitchFamily="34" charset="-120"/>
-                <a:ea typeface="Microsoft JhengHei" panose="020B0604030504040204" pitchFamily="34" charset="-120"/>
-              </a:rPr>
-              <a:t>袮</a:t>
-            </a:r>
-            <a:r>
-              <a:rPr lang="zh-TW" altLang="en-US" sz="5400" b="1" dirty="0" smtClean="0">
-                <a:latin typeface="Microsoft JhengHei" panose="020B0604030504040204" pitchFamily="34" charset="-120"/>
-                <a:ea typeface="Microsoft JhengHei" panose="020B0604030504040204" pitchFamily="34" charset="-120"/>
-              </a:rPr>
-              <a:t>喜悅</a:t>
-            </a:r>
-            <a:endParaRPr lang="en-US" altLang="zh-TW" sz="5400" b="1" dirty="0">
-              <a:latin typeface="Microsoft JhengHei" panose="020B0604030504040204" pitchFamily="34" charset="-120"/>
-              <a:ea typeface="Microsoft JhengHei" panose="020B0604030504040204" pitchFamily="34" charset="-120"/>
-            </a:endParaRPr>
-          </a:p>
-          <a:p>
-            <a:pPr marL="0" indent="0" algn="ctr">
-              <a:buNone/>
-            </a:pPr>
-            <a:r>
-              <a:rPr lang="zh-TW" altLang="en-US" sz="5400" b="1" dirty="0">
-                <a:latin typeface="Microsoft JhengHei" panose="020B0604030504040204" pitchFamily="34" charset="-120"/>
-                <a:ea typeface="Microsoft JhengHei" panose="020B0604030504040204" pitchFamily="34" charset="-120"/>
-              </a:rPr>
-              <a:t>我主我的神  求奪我心意</a:t>
-            </a:r>
-            <a:endParaRPr lang="en-US" altLang="zh-TW" sz="5400" b="1" dirty="0">
-              <a:latin typeface="Microsoft JhengHei" panose="020B0604030504040204" pitchFamily="34" charset="-120"/>
-              <a:ea typeface="Microsoft JhengHei" panose="020B0604030504040204" pitchFamily="34" charset="-120"/>
-            </a:endParaRPr>
-          </a:p>
-          <a:p>
-            <a:pPr marL="0" indent="0" algn="ctr">
-              <a:buNone/>
-            </a:pPr>
-            <a:r>
-              <a:rPr lang="zh-TW" altLang="en-US" sz="5400" b="1" dirty="0">
-                <a:latin typeface="Microsoft JhengHei" panose="020B0604030504040204" pitchFamily="34" charset="-120"/>
-                <a:ea typeface="Microsoft JhengHei" panose="020B0604030504040204" pitchFamily="34" charset="-120"/>
-              </a:rPr>
-              <a:t>完全</a:t>
-            </a:r>
-            <a:r>
-              <a:rPr lang="zh-TW" altLang="en-US" sz="5400" b="1" dirty="0" smtClean="0">
-                <a:latin typeface="Microsoft JhengHei" panose="020B0604030504040204" pitchFamily="34" charset="-120"/>
-                <a:ea typeface="Microsoft JhengHei" panose="020B0604030504040204" pitchFamily="34" charset="-120"/>
-              </a:rPr>
-              <a:t>屬於</a:t>
-            </a:r>
-            <a:r>
-              <a:rPr lang="zh-CN" altLang="en-US" sz="5400" b="1" dirty="0" smtClean="0">
-                <a:latin typeface="Microsoft JhengHei" panose="020B0604030504040204" pitchFamily="34" charset="-120"/>
-                <a:ea typeface="Microsoft JhengHei" panose="020B0604030504040204" pitchFamily="34" charset="-120"/>
-              </a:rPr>
-              <a:t>袮</a:t>
-            </a:r>
-            <a:endParaRPr lang="en-US" sz="5400" b="1" dirty="0">
-              <a:latin typeface="Microsoft JhengHei" panose="020B0604030504040204" pitchFamily="34" charset="-120"/>
+              <a:t> )</a:t>
+            </a:r>
+            <a:endParaRPr lang="vi-VN" sz="4267" b="1" dirty="0">
+              <a:solidFill>
+                <a:srgbClr val="660033"/>
+              </a:solidFill>
               <a:ea typeface="Microsoft JhengHei" panose="020B0604030504040204" pitchFamily="34" charset="-120"/>
             </a:endParaRPr>
           </a:p>
@@ -3833,7 +3634,763 @@
     </p:spTree>
     <p:extLst>
       <p:ext uri="{BB962C8B-B14F-4D97-AF65-F5344CB8AC3E}">
-        <p14:creationId xmlns:p14="http://schemas.microsoft.com/office/powerpoint/2010/main" xmlns="" val="3072019446"/>
+        <p14:creationId xmlns:p14="http://schemas.microsoft.com/office/powerpoint/2010/main" val="2659430264"/>
+      </p:ext>
+    </p:extLst>
+  </p:cSld>
+  <p:clrMapOvr>
+    <a:masterClrMapping/>
+  </p:clrMapOvr>
+</p:sld>
+</file>
+
+<file path=ppt/slides/slide4.xml><?xml version="1.0" encoding="utf-8"?>
+<p:sld xmlns:a="http://schemas.openxmlformats.org/drawingml/2006/main" xmlns:r="http://schemas.openxmlformats.org/officeDocument/2006/relationships" xmlns:p="http://schemas.openxmlformats.org/presentationml/2006/main">
+  <p:cSld>
+    <p:spTree>
+      <p:nvGrpSpPr>
+        <p:cNvPr id="1" name=""/>
+        <p:cNvGrpSpPr/>
+        <p:nvPr/>
+      </p:nvGrpSpPr>
+      <p:grpSpPr>
+        <a:xfrm>
+          <a:off x="0" y="0"/>
+          <a:ext cx="0" cy="0"/>
+          <a:chOff x="0" y="0"/>
+          <a:chExt cx="0" cy="0"/>
+        </a:xfrm>
+      </p:grpSpPr>
+      <p:sp>
+        <p:nvSpPr>
+          <p:cNvPr id="5" name="內容版面配置區 4"/>
+          <p:cNvSpPr>
+            <a:spLocks noGrp="1"/>
+          </p:cNvSpPr>
+          <p:nvPr>
+            <p:ph idx="1"/>
+          </p:nvPr>
+        </p:nvSpPr>
+        <p:spPr>
+          <a:xfrm>
+            <a:off x="0" y="2084851"/>
+            <a:ext cx="12192000" cy="2404863"/>
+          </a:xfrm>
+        </p:spPr>
+        <p:txBody>
+          <a:bodyPr anchor="ctr">
+            <a:normAutofit/>
+          </a:bodyPr>
+          <a:lstStyle/>
+          <a:p>
+            <a:pPr marL="0" indent="0" algn="ctr">
+              <a:buNone/>
+            </a:pPr>
+            <a:r>
+              <a:rPr lang="zh-TW" altLang="en-US" sz="6400" b="1" dirty="0">
+                <a:solidFill>
+                  <a:srgbClr val="660033"/>
+                </a:solidFill>
+                <a:latin typeface="微軟正黑體" pitchFamily="34" charset="-120"/>
+                <a:ea typeface="微軟正黑體" pitchFamily="34" charset="-120"/>
+              </a:rPr>
+              <a:t>我願觸動</a:t>
+            </a:r>
+            <a:r>
+              <a:rPr lang="zh-CN" altLang="en-US" sz="6400" b="1" dirty="0">
+                <a:solidFill>
+                  <a:srgbClr val="660033"/>
+                </a:solidFill>
+                <a:latin typeface="微軟正黑體" pitchFamily="34" charset="-120"/>
+                <a:ea typeface="微軟正黑體" pitchFamily="34" charset="-120"/>
+              </a:rPr>
+              <a:t>袮</a:t>
+            </a:r>
+            <a:r>
+              <a:rPr lang="zh-TW" altLang="en-US" sz="6400" b="1" dirty="0">
+                <a:solidFill>
+                  <a:srgbClr val="660033"/>
+                </a:solidFill>
+                <a:latin typeface="微軟正黑體" pitchFamily="34" charset="-120"/>
+                <a:ea typeface="微軟正黑體" pitchFamily="34" charset="-120"/>
+              </a:rPr>
+              <a:t>心弦</a:t>
+            </a:r>
+            <a:endParaRPr lang="en-US" altLang="zh-TW" sz="6400" b="1" dirty="0">
+              <a:solidFill>
+                <a:srgbClr val="660033"/>
+              </a:solidFill>
+              <a:latin typeface="微軟正黑體" pitchFamily="34" charset="-120"/>
+              <a:ea typeface="微軟正黑體" pitchFamily="34" charset="-120"/>
+            </a:endParaRPr>
+          </a:p>
+          <a:p>
+            <a:pPr marL="0" indent="0" algn="ctr">
+              <a:buNone/>
+            </a:pPr>
+            <a:r>
+              <a:rPr lang="zh-TW" altLang="en-US" sz="6400" b="1" dirty="0">
+                <a:solidFill>
+                  <a:srgbClr val="660033"/>
+                </a:solidFill>
+                <a:latin typeface="微軟正黑體" pitchFamily="34" charset="-120"/>
+                <a:ea typeface="微軟正黑體" pitchFamily="34" charset="-120"/>
+              </a:rPr>
+              <a:t>全心討</a:t>
+            </a:r>
+            <a:r>
+              <a:rPr lang="zh-CN" altLang="en-US" sz="6400" b="1" dirty="0">
+                <a:solidFill>
+                  <a:srgbClr val="660033"/>
+                </a:solidFill>
+                <a:latin typeface="微軟正黑體" pitchFamily="34" charset="-120"/>
+                <a:ea typeface="微軟正黑體" pitchFamily="34" charset="-120"/>
+              </a:rPr>
+              <a:t>袮</a:t>
+            </a:r>
+            <a:r>
+              <a:rPr lang="zh-TW" altLang="en-US" sz="6400" b="1" dirty="0">
+                <a:solidFill>
+                  <a:srgbClr val="660033"/>
+                </a:solidFill>
+                <a:latin typeface="微軟正黑體" pitchFamily="34" charset="-120"/>
+                <a:ea typeface="微軟正黑體" pitchFamily="34" charset="-120"/>
+              </a:rPr>
+              <a:t>喜悅</a:t>
+            </a:r>
+            <a:endParaRPr lang="en-US" altLang="zh-TW" sz="6400" b="1" dirty="0">
+              <a:solidFill>
+                <a:srgbClr val="660033"/>
+              </a:solidFill>
+              <a:latin typeface="微軟正黑體" pitchFamily="34" charset="-120"/>
+              <a:ea typeface="微軟正黑體" pitchFamily="34" charset="-120"/>
+            </a:endParaRPr>
+          </a:p>
+        </p:txBody>
+      </p:sp>
+      <p:sp>
+        <p:nvSpPr>
+          <p:cNvPr id="3" name="TextBox 2"/>
+          <p:cNvSpPr txBox="1"/>
+          <p:nvPr/>
+        </p:nvSpPr>
+        <p:spPr>
+          <a:xfrm>
+            <a:off x="0" y="5157192"/>
+            <a:ext cx="12192000" cy="748988"/>
+          </a:xfrm>
+          <a:prstGeom prst="rect">
+            <a:avLst/>
+          </a:prstGeom>
+          <a:noFill/>
+        </p:spPr>
+        <p:txBody>
+          <a:bodyPr wrap="square" rtlCol="0">
+            <a:spAutoFit/>
+          </a:bodyPr>
+          <a:lstStyle/>
+          <a:p>
+            <a:pPr algn="ctr"/>
+            <a:r>
+              <a:rPr lang="en-US" sz="4267" b="1" dirty="0">
+                <a:solidFill>
+                  <a:srgbClr val="660033"/>
+                </a:solidFill>
+                <a:latin typeface="Microsoft JhengHei" panose="020B0604030504040204" pitchFamily="34" charset="-120"/>
+                <a:ea typeface="Microsoft JhengHei" panose="020B0604030504040204" pitchFamily="34" charset="-120"/>
+              </a:rPr>
+              <a:t>( </a:t>
+            </a:r>
+            <a:r>
+              <a:rPr lang="zh-CN" altLang="en-US" sz="4267" b="1" dirty="0">
+                <a:solidFill>
+                  <a:srgbClr val="660033"/>
+                </a:solidFill>
+                <a:latin typeface="Microsoft JhengHei" panose="020B0604030504040204" pitchFamily="34" charset="-120"/>
+                <a:ea typeface="Microsoft JhengHei" panose="020B0604030504040204" pitchFamily="34" charset="-120"/>
+              </a:rPr>
+              <a:t>副</a:t>
+            </a:r>
+            <a:r>
+              <a:rPr lang="en-US" sz="4267" b="1" dirty="0">
+                <a:solidFill>
+                  <a:srgbClr val="660033"/>
+                </a:solidFill>
+                <a:latin typeface="Microsoft JhengHei" panose="020B0604030504040204" pitchFamily="34" charset="-120"/>
+                <a:ea typeface="Microsoft JhengHei" panose="020B0604030504040204" pitchFamily="34" charset="-120"/>
+              </a:rPr>
+              <a:t> )</a:t>
+            </a:r>
+            <a:endParaRPr lang="vi-VN" sz="4267" b="1" dirty="0">
+              <a:solidFill>
+                <a:srgbClr val="660033"/>
+              </a:solidFill>
+              <a:ea typeface="Microsoft JhengHei" panose="020B0604030504040204" pitchFamily="34" charset="-120"/>
+            </a:endParaRPr>
+          </a:p>
+        </p:txBody>
+      </p:sp>
+    </p:spTree>
+    <p:extLst>
+      <p:ext uri="{BB962C8B-B14F-4D97-AF65-F5344CB8AC3E}">
+        <p14:creationId xmlns:p14="http://schemas.microsoft.com/office/powerpoint/2010/main" val="3083504435"/>
+      </p:ext>
+    </p:extLst>
+  </p:cSld>
+  <p:clrMapOvr>
+    <a:masterClrMapping/>
+  </p:clrMapOvr>
+</p:sld>
+</file>
+
+<file path=ppt/slides/slide5.xml><?xml version="1.0" encoding="utf-8"?>
+<p:sld xmlns:a="http://schemas.openxmlformats.org/drawingml/2006/main" xmlns:r="http://schemas.openxmlformats.org/officeDocument/2006/relationships" xmlns:p="http://schemas.openxmlformats.org/presentationml/2006/main">
+  <p:cSld>
+    <p:spTree>
+      <p:nvGrpSpPr>
+        <p:cNvPr id="1" name=""/>
+        <p:cNvGrpSpPr/>
+        <p:nvPr/>
+      </p:nvGrpSpPr>
+      <p:grpSpPr>
+        <a:xfrm>
+          <a:off x="0" y="0"/>
+          <a:ext cx="0" cy="0"/>
+          <a:chOff x="0" y="0"/>
+          <a:chExt cx="0" cy="0"/>
+        </a:xfrm>
+      </p:grpSpPr>
+      <p:sp>
+        <p:nvSpPr>
+          <p:cNvPr id="5" name="內容版面配置區 4"/>
+          <p:cNvSpPr>
+            <a:spLocks noGrp="1"/>
+          </p:cNvSpPr>
+          <p:nvPr>
+            <p:ph idx="1"/>
+          </p:nvPr>
+        </p:nvSpPr>
+        <p:spPr>
+          <a:xfrm>
+            <a:off x="0" y="2084851"/>
+            <a:ext cx="12192000" cy="2404863"/>
+          </a:xfrm>
+        </p:spPr>
+        <p:txBody>
+          <a:bodyPr anchor="ctr">
+            <a:normAutofit/>
+          </a:bodyPr>
+          <a:lstStyle/>
+          <a:p>
+            <a:pPr marL="0" indent="0" algn="ctr">
+              <a:buNone/>
+            </a:pPr>
+            <a:r>
+              <a:rPr lang="zh-TW" altLang="en-US" sz="6400" b="1" dirty="0">
+                <a:solidFill>
+                  <a:srgbClr val="660033"/>
+                </a:solidFill>
+                <a:latin typeface="微軟正黑體" pitchFamily="34" charset="-120"/>
+                <a:ea typeface="微軟正黑體" pitchFamily="34" charset="-120"/>
+              </a:rPr>
+              <a:t>我要舉起雙手  降服於</a:t>
+            </a:r>
+            <a:r>
+              <a:rPr lang="zh-CN" altLang="en-US" sz="6400" b="1" dirty="0">
+                <a:solidFill>
+                  <a:srgbClr val="660033"/>
+                </a:solidFill>
+                <a:latin typeface="微軟正黑體" pitchFamily="34" charset="-120"/>
+                <a:ea typeface="微軟正黑體" pitchFamily="34" charset="-120"/>
+              </a:rPr>
+              <a:t>袮</a:t>
+            </a:r>
+            <a:endParaRPr lang="en-US" altLang="zh-TW" sz="6400" b="1" dirty="0">
+              <a:solidFill>
+                <a:srgbClr val="660033"/>
+              </a:solidFill>
+              <a:latin typeface="微軟正黑體" pitchFamily="34" charset="-120"/>
+              <a:ea typeface="微軟正黑體" pitchFamily="34" charset="-120"/>
+            </a:endParaRPr>
+          </a:p>
+          <a:p>
+            <a:pPr marL="0" indent="0" algn="ctr">
+              <a:buNone/>
+            </a:pPr>
+            <a:r>
+              <a:rPr lang="zh-TW" altLang="en-US" sz="6400" b="1" dirty="0">
+                <a:solidFill>
+                  <a:srgbClr val="660033"/>
+                </a:solidFill>
+                <a:latin typeface="微軟正黑體" pitchFamily="34" charset="-120"/>
+                <a:ea typeface="微軟正黑體" pitchFamily="34" charset="-120"/>
+              </a:rPr>
+              <a:t>貼近</a:t>
+            </a:r>
+            <a:r>
+              <a:rPr lang="zh-CN" altLang="en-US" sz="6400" b="1" dirty="0">
+                <a:solidFill>
+                  <a:srgbClr val="660033"/>
+                </a:solidFill>
+                <a:latin typeface="微軟正黑體" pitchFamily="34" charset="-120"/>
+                <a:ea typeface="微軟正黑體" pitchFamily="34" charset="-120"/>
+              </a:rPr>
+              <a:t>袮</a:t>
+            </a:r>
+            <a:r>
+              <a:rPr lang="zh-TW" altLang="en-US" sz="6400" b="1" dirty="0">
+                <a:solidFill>
+                  <a:srgbClr val="660033"/>
+                </a:solidFill>
+                <a:latin typeface="微軟正黑體" pitchFamily="34" charset="-120"/>
+                <a:ea typeface="微軟正黑體" pitchFamily="34" charset="-120"/>
+              </a:rPr>
+              <a:t>的胸懷</a:t>
+            </a:r>
+            <a:endParaRPr lang="en-US" sz="6400" b="1" dirty="0">
+              <a:solidFill>
+                <a:srgbClr val="660033"/>
+              </a:solidFill>
+              <a:latin typeface="微軟正黑體" pitchFamily="34" charset="-120"/>
+              <a:ea typeface="微軟正黑體" pitchFamily="34" charset="-120"/>
+            </a:endParaRPr>
+          </a:p>
+        </p:txBody>
+      </p:sp>
+      <p:sp>
+        <p:nvSpPr>
+          <p:cNvPr id="3" name="TextBox 2"/>
+          <p:cNvSpPr txBox="1"/>
+          <p:nvPr/>
+        </p:nvSpPr>
+        <p:spPr>
+          <a:xfrm>
+            <a:off x="0" y="5157192"/>
+            <a:ext cx="12192000" cy="748988"/>
+          </a:xfrm>
+          <a:prstGeom prst="rect">
+            <a:avLst/>
+          </a:prstGeom>
+          <a:noFill/>
+        </p:spPr>
+        <p:txBody>
+          <a:bodyPr wrap="square" rtlCol="0">
+            <a:spAutoFit/>
+          </a:bodyPr>
+          <a:lstStyle/>
+          <a:p>
+            <a:pPr algn="ctr"/>
+            <a:r>
+              <a:rPr lang="en-US" sz="4267" b="1" dirty="0">
+                <a:solidFill>
+                  <a:srgbClr val="660033"/>
+                </a:solidFill>
+                <a:latin typeface="Microsoft JhengHei" panose="020B0604030504040204" pitchFamily="34" charset="-120"/>
+                <a:ea typeface="Microsoft JhengHei" panose="020B0604030504040204" pitchFamily="34" charset="-120"/>
+              </a:rPr>
+              <a:t>( </a:t>
+            </a:r>
+            <a:r>
+              <a:rPr lang="zh-CN" altLang="en-US" sz="4267" b="1" dirty="0">
+                <a:solidFill>
+                  <a:srgbClr val="660033"/>
+                </a:solidFill>
+                <a:latin typeface="Microsoft JhengHei" panose="020B0604030504040204" pitchFamily="34" charset="-120"/>
+                <a:ea typeface="Microsoft JhengHei" panose="020B0604030504040204" pitchFamily="34" charset="-120"/>
+              </a:rPr>
+              <a:t>副</a:t>
+            </a:r>
+            <a:r>
+              <a:rPr lang="en-US" sz="4267" b="1" dirty="0">
+                <a:solidFill>
+                  <a:srgbClr val="660033"/>
+                </a:solidFill>
+                <a:latin typeface="Microsoft JhengHei" panose="020B0604030504040204" pitchFamily="34" charset="-120"/>
+                <a:ea typeface="Microsoft JhengHei" panose="020B0604030504040204" pitchFamily="34" charset="-120"/>
+              </a:rPr>
+              <a:t> )</a:t>
+            </a:r>
+            <a:endParaRPr lang="vi-VN" sz="4267" b="1" dirty="0">
+              <a:solidFill>
+                <a:srgbClr val="660033"/>
+              </a:solidFill>
+              <a:ea typeface="Microsoft JhengHei" panose="020B0604030504040204" pitchFamily="34" charset="-120"/>
+            </a:endParaRPr>
+          </a:p>
+        </p:txBody>
+      </p:sp>
+    </p:spTree>
+    <p:extLst>
+      <p:ext uri="{BB962C8B-B14F-4D97-AF65-F5344CB8AC3E}">
+        <p14:creationId xmlns:p14="http://schemas.microsoft.com/office/powerpoint/2010/main" val="4198729306"/>
+      </p:ext>
+    </p:extLst>
+  </p:cSld>
+  <p:clrMapOvr>
+    <a:masterClrMapping/>
+  </p:clrMapOvr>
+</p:sld>
+</file>
+
+<file path=ppt/slides/slide6.xml><?xml version="1.0" encoding="utf-8"?>
+<p:sld xmlns:a="http://schemas.openxmlformats.org/drawingml/2006/main" xmlns:r="http://schemas.openxmlformats.org/officeDocument/2006/relationships" xmlns:p="http://schemas.openxmlformats.org/presentationml/2006/main">
+  <p:cSld>
+    <p:spTree>
+      <p:nvGrpSpPr>
+        <p:cNvPr id="1" name=""/>
+        <p:cNvGrpSpPr/>
+        <p:nvPr/>
+      </p:nvGrpSpPr>
+      <p:grpSpPr>
+        <a:xfrm>
+          <a:off x="0" y="0"/>
+          <a:ext cx="0" cy="0"/>
+          <a:chOff x="0" y="0"/>
+          <a:chExt cx="0" cy="0"/>
+        </a:xfrm>
+      </p:grpSpPr>
+      <p:sp>
+        <p:nvSpPr>
+          <p:cNvPr id="5" name="內容版面配置區 4"/>
+          <p:cNvSpPr>
+            <a:spLocks noGrp="1"/>
+          </p:cNvSpPr>
+          <p:nvPr>
+            <p:ph idx="1"/>
+          </p:nvPr>
+        </p:nvSpPr>
+        <p:spPr>
+          <a:xfrm>
+            <a:off x="0" y="2084851"/>
+            <a:ext cx="12192000" cy="2404863"/>
+          </a:xfrm>
+        </p:spPr>
+        <p:txBody>
+          <a:bodyPr anchor="ctr">
+            <a:normAutofit/>
+          </a:bodyPr>
+          <a:lstStyle/>
+          <a:p>
+            <a:pPr marL="0" indent="0" algn="ctr">
+              <a:buNone/>
+            </a:pPr>
+            <a:r>
+              <a:rPr lang="zh-TW" altLang="en-US" sz="6400" b="1" dirty="0">
+                <a:solidFill>
+                  <a:srgbClr val="660033"/>
+                </a:solidFill>
+                <a:latin typeface="微軟正黑體" pitchFamily="34" charset="-120"/>
+                <a:ea typeface="微軟正黑體" pitchFamily="34" charset="-120"/>
+              </a:rPr>
+              <a:t>我願觸動</a:t>
+            </a:r>
+            <a:r>
+              <a:rPr lang="zh-CN" altLang="en-US" sz="6400" b="1" dirty="0">
+                <a:solidFill>
+                  <a:srgbClr val="660033"/>
+                </a:solidFill>
+                <a:latin typeface="微軟正黑體" pitchFamily="34" charset="-120"/>
+                <a:ea typeface="微軟正黑體" pitchFamily="34" charset="-120"/>
+              </a:rPr>
+              <a:t>袮</a:t>
+            </a:r>
+            <a:r>
+              <a:rPr lang="zh-TW" altLang="en-US" sz="6400" b="1" dirty="0">
+                <a:solidFill>
+                  <a:srgbClr val="660033"/>
+                </a:solidFill>
+                <a:latin typeface="微軟正黑體" pitchFamily="34" charset="-120"/>
+                <a:ea typeface="微軟正黑體" pitchFamily="34" charset="-120"/>
+              </a:rPr>
+              <a:t>心弦</a:t>
+            </a:r>
+            <a:endParaRPr lang="en-US" altLang="zh-TW" sz="6400" b="1" dirty="0">
+              <a:solidFill>
+                <a:srgbClr val="660033"/>
+              </a:solidFill>
+              <a:latin typeface="微軟正黑體" pitchFamily="34" charset="-120"/>
+              <a:ea typeface="微軟正黑體" pitchFamily="34" charset="-120"/>
+            </a:endParaRPr>
+          </a:p>
+          <a:p>
+            <a:pPr marL="0" indent="0" algn="ctr">
+              <a:buNone/>
+            </a:pPr>
+            <a:r>
+              <a:rPr lang="zh-TW" altLang="en-US" sz="6400" b="1" dirty="0">
+                <a:solidFill>
+                  <a:srgbClr val="660033"/>
+                </a:solidFill>
+                <a:latin typeface="微軟正黑體" pitchFamily="34" charset="-120"/>
+                <a:ea typeface="微軟正黑體" pitchFamily="34" charset="-120"/>
+              </a:rPr>
+              <a:t>全心討</a:t>
+            </a:r>
+            <a:r>
+              <a:rPr lang="zh-CN" altLang="en-US" sz="6400" b="1" dirty="0">
+                <a:solidFill>
+                  <a:srgbClr val="660033"/>
+                </a:solidFill>
+                <a:latin typeface="微軟正黑體" pitchFamily="34" charset="-120"/>
+                <a:ea typeface="微軟正黑體" pitchFamily="34" charset="-120"/>
+              </a:rPr>
+              <a:t>袮</a:t>
+            </a:r>
+            <a:r>
+              <a:rPr lang="zh-TW" altLang="en-US" sz="6400" b="1" dirty="0">
+                <a:solidFill>
+                  <a:srgbClr val="660033"/>
+                </a:solidFill>
+                <a:latin typeface="微軟正黑體" pitchFamily="34" charset="-120"/>
+                <a:ea typeface="微軟正黑體" pitchFamily="34" charset="-120"/>
+              </a:rPr>
+              <a:t>喜悅</a:t>
+            </a:r>
+            <a:endParaRPr lang="en-US" altLang="zh-TW" sz="6400" b="1" dirty="0">
+              <a:solidFill>
+                <a:srgbClr val="660033"/>
+              </a:solidFill>
+              <a:latin typeface="微軟正黑體" pitchFamily="34" charset="-120"/>
+              <a:ea typeface="微軟正黑體" pitchFamily="34" charset="-120"/>
+            </a:endParaRPr>
+          </a:p>
+        </p:txBody>
+      </p:sp>
+      <p:sp>
+        <p:nvSpPr>
+          <p:cNvPr id="3" name="TextBox 2"/>
+          <p:cNvSpPr txBox="1"/>
+          <p:nvPr/>
+        </p:nvSpPr>
+        <p:spPr>
+          <a:xfrm>
+            <a:off x="0" y="5157192"/>
+            <a:ext cx="12192000" cy="748988"/>
+          </a:xfrm>
+          <a:prstGeom prst="rect">
+            <a:avLst/>
+          </a:prstGeom>
+          <a:noFill/>
+        </p:spPr>
+        <p:txBody>
+          <a:bodyPr wrap="square" rtlCol="0">
+            <a:spAutoFit/>
+          </a:bodyPr>
+          <a:lstStyle/>
+          <a:p>
+            <a:pPr algn="ctr"/>
+            <a:r>
+              <a:rPr lang="en-US" sz="4267" b="1" dirty="0">
+                <a:solidFill>
+                  <a:srgbClr val="660033"/>
+                </a:solidFill>
+                <a:latin typeface="Microsoft JhengHei" panose="020B0604030504040204" pitchFamily="34" charset="-120"/>
+                <a:ea typeface="Microsoft JhengHei" panose="020B0604030504040204" pitchFamily="34" charset="-120"/>
+              </a:rPr>
+              <a:t>( </a:t>
+            </a:r>
+            <a:r>
+              <a:rPr lang="zh-CN" altLang="en-US" sz="4267" b="1" dirty="0">
+                <a:solidFill>
+                  <a:srgbClr val="660033"/>
+                </a:solidFill>
+                <a:latin typeface="Microsoft JhengHei" panose="020B0604030504040204" pitchFamily="34" charset="-120"/>
+                <a:ea typeface="Microsoft JhengHei" panose="020B0604030504040204" pitchFamily="34" charset="-120"/>
+              </a:rPr>
+              <a:t>副</a:t>
+            </a:r>
+            <a:r>
+              <a:rPr lang="en-US" sz="4267" b="1" dirty="0">
+                <a:solidFill>
+                  <a:srgbClr val="660033"/>
+                </a:solidFill>
+                <a:latin typeface="Microsoft JhengHei" panose="020B0604030504040204" pitchFamily="34" charset="-120"/>
+                <a:ea typeface="Microsoft JhengHei" panose="020B0604030504040204" pitchFamily="34" charset="-120"/>
+              </a:rPr>
+              <a:t> )</a:t>
+            </a:r>
+            <a:endParaRPr lang="vi-VN" sz="4267" b="1" dirty="0">
+              <a:solidFill>
+                <a:srgbClr val="660033"/>
+              </a:solidFill>
+              <a:ea typeface="Microsoft JhengHei" panose="020B0604030504040204" pitchFamily="34" charset="-120"/>
+            </a:endParaRPr>
+          </a:p>
+        </p:txBody>
+      </p:sp>
+    </p:spTree>
+    <p:extLst>
+      <p:ext uri="{BB962C8B-B14F-4D97-AF65-F5344CB8AC3E}">
+        <p14:creationId xmlns:p14="http://schemas.microsoft.com/office/powerpoint/2010/main" val="2620595686"/>
+      </p:ext>
+    </p:extLst>
+  </p:cSld>
+  <p:clrMapOvr>
+    <a:masterClrMapping/>
+  </p:clrMapOvr>
+</p:sld>
+</file>
+
+<file path=ppt/slides/slide7.xml><?xml version="1.0" encoding="utf-8"?>
+<p:sld xmlns:a="http://schemas.openxmlformats.org/drawingml/2006/main" xmlns:r="http://schemas.openxmlformats.org/officeDocument/2006/relationships" xmlns:p="http://schemas.openxmlformats.org/presentationml/2006/main">
+  <p:cSld>
+    <p:spTree>
+      <p:nvGrpSpPr>
+        <p:cNvPr id="1" name=""/>
+        <p:cNvGrpSpPr/>
+        <p:nvPr/>
+      </p:nvGrpSpPr>
+      <p:grpSpPr>
+        <a:xfrm>
+          <a:off x="0" y="0"/>
+          <a:ext cx="0" cy="0"/>
+          <a:chOff x="0" y="0"/>
+          <a:chExt cx="0" cy="0"/>
+        </a:xfrm>
+      </p:grpSpPr>
+      <p:sp>
+        <p:nvSpPr>
+          <p:cNvPr id="5" name="內容版面配置區 4"/>
+          <p:cNvSpPr>
+            <a:spLocks noGrp="1"/>
+          </p:cNvSpPr>
+          <p:nvPr>
+            <p:ph idx="1"/>
+          </p:nvPr>
+        </p:nvSpPr>
+        <p:spPr>
+          <a:xfrm>
+            <a:off x="0" y="2084851"/>
+            <a:ext cx="12192000" cy="2404863"/>
+          </a:xfrm>
+        </p:spPr>
+        <p:txBody>
+          <a:bodyPr anchor="ctr">
+            <a:normAutofit/>
+          </a:bodyPr>
+          <a:lstStyle/>
+          <a:p>
+            <a:pPr marL="0" indent="0" algn="ctr">
+              <a:buNone/>
+            </a:pPr>
+            <a:r>
+              <a:rPr lang="zh-TW" altLang="en-US" sz="6400" b="1" dirty="0">
+                <a:solidFill>
+                  <a:srgbClr val="660033"/>
+                </a:solidFill>
+                <a:latin typeface="微軟正黑體" pitchFamily="34" charset="-120"/>
+                <a:ea typeface="微軟正黑體" pitchFamily="34" charset="-120"/>
+              </a:rPr>
+              <a:t>我主我的神  求奪我心意</a:t>
+            </a:r>
+            <a:endParaRPr lang="en-US" altLang="zh-TW" sz="6400" b="1" dirty="0">
+              <a:solidFill>
+                <a:srgbClr val="660033"/>
+              </a:solidFill>
+              <a:latin typeface="微軟正黑體" pitchFamily="34" charset="-120"/>
+              <a:ea typeface="微軟正黑體" pitchFamily="34" charset="-120"/>
+            </a:endParaRPr>
+          </a:p>
+          <a:p>
+            <a:pPr marL="0" indent="0" algn="ctr">
+              <a:buNone/>
+            </a:pPr>
+            <a:r>
+              <a:rPr lang="zh-TW" altLang="en-US" sz="6400" b="1" dirty="0">
+                <a:solidFill>
+                  <a:srgbClr val="660033"/>
+                </a:solidFill>
+                <a:latin typeface="微軟正黑體" pitchFamily="34" charset="-120"/>
+                <a:ea typeface="微軟正黑體" pitchFamily="34" charset="-120"/>
+              </a:rPr>
+              <a:t>完全屬於</a:t>
+            </a:r>
+            <a:r>
+              <a:rPr lang="zh-CN" altLang="en-US" sz="6400" b="1" dirty="0">
+                <a:solidFill>
+                  <a:srgbClr val="660033"/>
+                </a:solidFill>
+                <a:latin typeface="微軟正黑體" pitchFamily="34" charset="-120"/>
+                <a:ea typeface="微軟正黑體" pitchFamily="34" charset="-120"/>
+              </a:rPr>
+              <a:t>袮</a:t>
+            </a:r>
+            <a:endParaRPr lang="en-US" sz="6400" b="1" dirty="0">
+              <a:solidFill>
+                <a:srgbClr val="660033"/>
+              </a:solidFill>
+              <a:latin typeface="微軟正黑體" pitchFamily="34" charset="-120"/>
+              <a:ea typeface="微軟正黑體" pitchFamily="34" charset="-120"/>
+            </a:endParaRPr>
+          </a:p>
+        </p:txBody>
+      </p:sp>
+      <p:sp>
+        <p:nvSpPr>
+          <p:cNvPr id="3" name="TextBox 2"/>
+          <p:cNvSpPr txBox="1"/>
+          <p:nvPr/>
+        </p:nvSpPr>
+        <p:spPr>
+          <a:xfrm>
+            <a:off x="0" y="5157192"/>
+            <a:ext cx="12192000" cy="748988"/>
+          </a:xfrm>
+          <a:prstGeom prst="rect">
+            <a:avLst/>
+          </a:prstGeom>
+          <a:noFill/>
+        </p:spPr>
+        <p:txBody>
+          <a:bodyPr wrap="square" rtlCol="0">
+            <a:spAutoFit/>
+          </a:bodyPr>
+          <a:lstStyle/>
+          <a:p>
+            <a:pPr algn="ctr"/>
+            <a:r>
+              <a:rPr lang="en-US" sz="4267" b="1" dirty="0">
+                <a:solidFill>
+                  <a:srgbClr val="660033"/>
+                </a:solidFill>
+                <a:latin typeface="Microsoft JhengHei" panose="020B0604030504040204" pitchFamily="34" charset="-120"/>
+                <a:ea typeface="Microsoft JhengHei" panose="020B0604030504040204" pitchFamily="34" charset="-120"/>
+              </a:rPr>
+              <a:t>( </a:t>
+            </a:r>
+            <a:r>
+              <a:rPr lang="zh-CN" altLang="en-US" sz="4267" b="1" dirty="0">
+                <a:solidFill>
+                  <a:srgbClr val="660033"/>
+                </a:solidFill>
+                <a:latin typeface="Microsoft JhengHei" panose="020B0604030504040204" pitchFamily="34" charset="-120"/>
+                <a:ea typeface="Microsoft JhengHei" panose="020B0604030504040204" pitchFamily="34" charset="-120"/>
+              </a:rPr>
+              <a:t>副</a:t>
+            </a:r>
+            <a:r>
+              <a:rPr lang="en-US" sz="4267" b="1" dirty="0">
+                <a:solidFill>
+                  <a:srgbClr val="660033"/>
+                </a:solidFill>
+                <a:latin typeface="Microsoft JhengHei" panose="020B0604030504040204" pitchFamily="34" charset="-120"/>
+                <a:ea typeface="Microsoft JhengHei" panose="020B0604030504040204" pitchFamily="34" charset="-120"/>
+              </a:rPr>
+              <a:t> )</a:t>
+            </a:r>
+            <a:endParaRPr lang="vi-VN" sz="4267" b="1" dirty="0">
+              <a:solidFill>
+                <a:srgbClr val="660033"/>
+              </a:solidFill>
+              <a:ea typeface="Microsoft JhengHei" panose="020B0604030504040204" pitchFamily="34" charset="-120"/>
+            </a:endParaRPr>
+          </a:p>
+        </p:txBody>
+      </p:sp>
+    </p:spTree>
+    <p:extLst>
+      <p:ext uri="{BB962C8B-B14F-4D97-AF65-F5344CB8AC3E}">
+        <p14:creationId xmlns:p14="http://schemas.microsoft.com/office/powerpoint/2010/main" val="1196494994"/>
       </p:ext>
     </p:extLst>
   </p:cSld>

--- a/我願觸動你心弦(崇拜版）.pptx
+++ b/我願觸動你心弦(崇拜版）.pptx
@@ -311,7 +311,7 @@
             <a:fld id="{669590F7-C5B5-4AE4-AFAB-4E0783D865E1}" type="datetimeFigureOut">
               <a:rPr lang="en-US" smtClean="0"/>
               <a:pPr/>
-              <a:t>6/18/2022</a:t>
+              <a:t>8/31/2023</a:t>
             </a:fld>
             <a:endParaRPr lang="en-US"/>
           </a:p>
@@ -483,7 +483,7 @@
             <a:fld id="{669590F7-C5B5-4AE4-AFAB-4E0783D865E1}" type="datetimeFigureOut">
               <a:rPr lang="en-US" smtClean="0"/>
               <a:pPr/>
-              <a:t>6/18/2022</a:t>
+              <a:t>8/31/2023</a:t>
             </a:fld>
             <a:endParaRPr lang="en-US"/>
           </a:p>
@@ -665,7 +665,7 @@
             <a:fld id="{669590F7-C5B5-4AE4-AFAB-4E0783D865E1}" type="datetimeFigureOut">
               <a:rPr lang="en-US" smtClean="0"/>
               <a:pPr/>
-              <a:t>6/18/2022</a:t>
+              <a:t>8/31/2023</a:t>
             </a:fld>
             <a:endParaRPr lang="en-US"/>
           </a:p>
@@ -837,7 +837,7 @@
             <a:fld id="{669590F7-C5B5-4AE4-AFAB-4E0783D865E1}" type="datetimeFigureOut">
               <a:rPr lang="en-US" smtClean="0"/>
               <a:pPr/>
-              <a:t>6/18/2022</a:t>
+              <a:t>8/31/2023</a:t>
             </a:fld>
             <a:endParaRPr lang="en-US"/>
           </a:p>
@@ -1085,7 +1085,7 @@
             <a:fld id="{669590F7-C5B5-4AE4-AFAB-4E0783D865E1}" type="datetimeFigureOut">
               <a:rPr lang="en-US" smtClean="0"/>
               <a:pPr/>
-              <a:t>6/18/2022</a:t>
+              <a:t>8/31/2023</a:t>
             </a:fld>
             <a:endParaRPr lang="en-US"/>
           </a:p>
@@ -1375,7 +1375,7 @@
             <a:fld id="{669590F7-C5B5-4AE4-AFAB-4E0783D865E1}" type="datetimeFigureOut">
               <a:rPr lang="en-US" smtClean="0"/>
               <a:pPr/>
-              <a:t>6/18/2022</a:t>
+              <a:t>8/31/2023</a:t>
             </a:fld>
             <a:endParaRPr lang="en-US"/>
           </a:p>
@@ -1799,7 +1799,7 @@
             <a:fld id="{669590F7-C5B5-4AE4-AFAB-4E0783D865E1}" type="datetimeFigureOut">
               <a:rPr lang="en-US" smtClean="0"/>
               <a:pPr/>
-              <a:t>6/18/2022</a:t>
+              <a:t>8/31/2023</a:t>
             </a:fld>
             <a:endParaRPr lang="en-US"/>
           </a:p>
@@ -1919,7 +1919,7 @@
             <a:fld id="{669590F7-C5B5-4AE4-AFAB-4E0783D865E1}" type="datetimeFigureOut">
               <a:rPr lang="en-US" smtClean="0"/>
               <a:pPr/>
-              <a:t>6/18/2022</a:t>
+              <a:t>8/31/2023</a:t>
             </a:fld>
             <a:endParaRPr lang="en-US"/>
           </a:p>
@@ -2016,7 +2016,7 @@
             <a:fld id="{669590F7-C5B5-4AE4-AFAB-4E0783D865E1}" type="datetimeFigureOut">
               <a:rPr lang="en-US" smtClean="0"/>
               <a:pPr/>
-              <a:t>6/18/2022</a:t>
+              <a:t>8/31/2023</a:t>
             </a:fld>
             <a:endParaRPr lang="en-US"/>
           </a:p>
@@ -2295,7 +2295,7 @@
             <a:fld id="{669590F7-C5B5-4AE4-AFAB-4E0783D865E1}" type="datetimeFigureOut">
               <a:rPr lang="en-US" smtClean="0"/>
               <a:pPr/>
-              <a:t>6/18/2022</a:t>
+              <a:t>8/31/2023</a:t>
             </a:fld>
             <a:endParaRPr lang="en-US"/>
           </a:p>
@@ -2554,7 +2554,7 @@
             <a:fld id="{669590F7-C5B5-4AE4-AFAB-4E0783D865E1}" type="datetimeFigureOut">
               <a:rPr lang="en-US" smtClean="0"/>
               <a:pPr/>
-              <a:t>6/18/2022</a:t>
+              <a:t>8/31/2023</a:t>
             </a:fld>
             <a:endParaRPr lang="en-US"/>
           </a:p>
@@ -2774,7 +2774,7 @@
             <a:fld id="{669590F7-C5B5-4AE4-AFAB-4E0783D865E1}" type="datetimeFigureOut">
               <a:rPr lang="en-US" smtClean="0"/>
               <a:pPr/>
-              <a:t>6/18/2022</a:t>
+              <a:t>8/31/2023</a:t>
             </a:fld>
             <a:endParaRPr lang="en-US"/>
           </a:p>
@@ -3187,10 +3187,10 @@
                 <a:latin typeface="微軟正黑體" pitchFamily="34" charset="-120"/>
                 <a:ea typeface="微軟正黑體" pitchFamily="34" charset="-120"/>
               </a:rPr>
-              <a:t>我</a:t>
-            </a:r>
-            <a:r>
-              <a:rPr lang="zh-TW" altLang="en-US" sz="7200" b="1" i="1" dirty="0">
+              <a:t>我願觸</a:t>
+            </a:r>
+            <a:r>
+              <a:rPr lang="zh-TW" altLang="en-US" sz="7200" b="1" i="1" dirty="0" smtClean="0">
                 <a:solidFill>
                   <a:srgbClr val="660033"/>
                 </a:solidFill>
@@ -3204,10 +3204,10 @@
                 <a:latin typeface="微軟正黑體" pitchFamily="34" charset="-120"/>
                 <a:ea typeface="微軟正黑體" pitchFamily="34" charset="-120"/>
               </a:rPr>
-              <a:t>願觸動</a:t>
-            </a:r>
-            <a:r>
-              <a:rPr lang="zh-CN" altLang="en-US" sz="7200" b="1" i="1" dirty="0">
+              <a:t>動</a:t>
+            </a:r>
+            <a:r>
+              <a:rPr lang="zh-CN" altLang="en-US" sz="7200" b="1" i="1" dirty="0" smtClean="0">
                 <a:solidFill>
                   <a:srgbClr val="660033"/>
                 </a:solidFill>
@@ -3221,10 +3221,10 @@
                 <a:latin typeface="微軟正黑體" pitchFamily="34" charset="-120"/>
                 <a:ea typeface="微軟正黑體" pitchFamily="34" charset="-120"/>
               </a:rPr>
-              <a:t>袮</a:t>
-            </a:r>
-            <a:r>
-              <a:rPr lang="zh-TW" altLang="en-US" sz="7200" b="1" i="1" dirty="0">
+              <a:t>祢</a:t>
+            </a:r>
+            <a:r>
+              <a:rPr lang="zh-TW" altLang="en-US" sz="7200" b="1" i="1" dirty="0" smtClean="0">
                 <a:solidFill>
                   <a:srgbClr val="660033"/>
                 </a:solidFill>
@@ -3238,7 +3238,24 @@
                 <a:latin typeface="微軟正黑體" pitchFamily="34" charset="-120"/>
                 <a:ea typeface="微軟正黑體" pitchFamily="34" charset="-120"/>
               </a:rPr>
-              <a:t>心弦</a:t>
+              <a:t>心</a:t>
+            </a:r>
+            <a:r>
+              <a:rPr lang="zh-TW" altLang="en-US" sz="7200" b="1" i="1" dirty="0">
+                <a:solidFill>
+                  <a:srgbClr val="660033"/>
+                </a:solidFill>
+                <a:effectLst>
+                  <a:outerShdw blurRad="38100" dist="38100" dir="2700000" algn="tl">
+                    <a:srgbClr val="000000">
+                      <a:alpha val="43137"/>
+                    </a:srgbClr>
+                  </a:outerShdw>
+                </a:effectLst>
+                <a:latin typeface="微軟正黑體" pitchFamily="34" charset="-120"/>
+                <a:ea typeface="微軟正黑體" pitchFamily="34" charset="-120"/>
+              </a:rPr>
+              <a:t>弦</a:t>
             </a:r>
           </a:p>
         </p:txBody>
@@ -3306,7 +3323,37 @@
                 <a:latin typeface="微軟正黑體" pitchFamily="34" charset="-120"/>
                 <a:ea typeface="微軟正黑體" pitchFamily="34" charset="-120"/>
               </a:rPr>
-              <a:t>每</a:t>
+              <a:t>每當我來到</a:t>
+            </a:r>
+            <a:r>
+              <a:rPr lang="zh-TW" altLang="en-US" sz="6400" b="1" dirty="0" smtClean="0">
+                <a:solidFill>
+                  <a:srgbClr val="660033"/>
+                </a:solidFill>
+                <a:latin typeface="微軟正黑體" pitchFamily="34" charset="-120"/>
+                <a:ea typeface="微軟正黑體" pitchFamily="34" charset="-120"/>
+              </a:rPr>
+              <a:t>主</a:t>
+            </a:r>
+            <a:r>
+              <a:rPr lang="zh-CN" altLang="en-US" sz="6400" b="1" dirty="0" smtClean="0">
+                <a:solidFill>
+                  <a:srgbClr val="660033"/>
+                </a:solidFill>
+                <a:latin typeface="微軟正黑體" pitchFamily="34" charset="-120"/>
+                <a:ea typeface="微軟正黑體" pitchFamily="34" charset="-120"/>
+              </a:rPr>
+              <a:t>祢</a:t>
+            </a:r>
+            <a:r>
+              <a:rPr lang="zh-TW" altLang="en-US" sz="6400" b="1" dirty="0" smtClean="0">
+                <a:solidFill>
+                  <a:srgbClr val="660033"/>
+                </a:solidFill>
+                <a:latin typeface="微軟正黑體" pitchFamily="34" charset="-120"/>
+                <a:ea typeface="微軟正黑體" pitchFamily="34" charset="-120"/>
+              </a:rPr>
+              <a:t>寶</a:t>
             </a:r>
             <a:r>
               <a:rPr lang="zh-TW" altLang="en-US" sz="6400" b="1" dirty="0">
@@ -3316,27 +3363,7 @@
                 <a:latin typeface="微軟正黑體" pitchFamily="34" charset="-120"/>
                 <a:ea typeface="微軟正黑體" pitchFamily="34" charset="-120"/>
               </a:rPr>
-              <a:t>當我來到主</a:t>
-            </a:r>
-            <a:r>
-              <a:rPr lang="zh-CN" altLang="en-US" sz="6400" b="1" dirty="0">
-                <a:solidFill>
-                  <a:srgbClr val="660033"/>
-                </a:solidFill>
-                <a:latin typeface="微軟正黑體" pitchFamily="34" charset="-120"/>
-                <a:ea typeface="微軟正黑體" pitchFamily="34" charset="-120"/>
-              </a:rPr>
-              <a:t>袮</a:t>
-            </a:r>
-            <a:r>
-              <a:rPr lang="zh-TW" altLang="en-US" sz="6400" b="1" dirty="0">
-                <a:solidFill>
-                  <a:srgbClr val="660033"/>
-                </a:solidFill>
-                <a:latin typeface="微軟正黑體" pitchFamily="34" charset="-120"/>
-                <a:ea typeface="微軟正黑體" pitchFamily="34" charset="-120"/>
-              </a:rPr>
-              <a:t>寶座前</a:t>
+              <a:t>座前</a:t>
             </a:r>
             <a:endParaRPr lang="en-US" altLang="zh-TW" sz="6400" b="1" dirty="0">
               <a:solidFill>
@@ -3358,17 +3385,37 @@
                 <a:latin typeface="微軟正黑體" pitchFamily="34" charset="-120"/>
                 <a:ea typeface="微軟正黑體" pitchFamily="34" charset="-120"/>
               </a:rPr>
-              <a:t>我心我靈向</a:t>
-            </a:r>
-            <a:r>
-              <a:rPr lang="zh-CN" altLang="en-US" sz="6400" b="1" dirty="0">
-                <a:solidFill>
-                  <a:srgbClr val="660033"/>
-                </a:solidFill>
-                <a:latin typeface="微軟正黑體" pitchFamily="34" charset="-120"/>
-                <a:ea typeface="微軟正黑體" pitchFamily="34" charset="-120"/>
-              </a:rPr>
-              <a:t>袮</a:t>
+              <a:t>我心我靈</a:t>
+            </a:r>
+            <a:r>
+              <a:rPr lang="zh-TW" altLang="en-US" sz="6400" b="1" dirty="0" smtClean="0">
+                <a:solidFill>
+                  <a:srgbClr val="660033"/>
+                </a:solidFill>
+                <a:latin typeface="微軟正黑體" pitchFamily="34" charset="-120"/>
+                <a:ea typeface="微軟正黑體" pitchFamily="34" charset="-120"/>
+              </a:rPr>
+              <a:t>向</a:t>
+            </a:r>
+            <a:r>
+              <a:rPr lang="zh-CN" altLang="en-US" sz="6400" b="1" dirty="0" smtClean="0">
+                <a:solidFill>
+                  <a:srgbClr val="660033"/>
+                </a:solidFill>
+                <a:latin typeface="微軟正黑體" pitchFamily="34" charset="-120"/>
+                <a:ea typeface="微軟正黑體" pitchFamily="34" charset="-120"/>
+              </a:rPr>
+              <a:t>祢</a:t>
+            </a:r>
+            <a:r>
+              <a:rPr lang="zh-TW" altLang="en-US" sz="6400" b="1" dirty="0" smtClean="0">
+                <a:solidFill>
+                  <a:srgbClr val="660033"/>
+                </a:solidFill>
+                <a:latin typeface="微軟正黑體" pitchFamily="34" charset="-120"/>
+                <a:ea typeface="微軟正黑體" pitchFamily="34" charset="-120"/>
+              </a:rPr>
+              <a:t>俯</a:t>
             </a:r>
             <a:r>
               <a:rPr lang="zh-TW" altLang="en-US" sz="6400" b="1" dirty="0">
@@ -3378,7 +3425,7 @@
                 <a:latin typeface="微軟正黑體" pitchFamily="34" charset="-120"/>
                 <a:ea typeface="微軟正黑體" pitchFamily="34" charset="-120"/>
               </a:rPr>
-              <a:t>俯伏敬拜</a:t>
+              <a:t>伏敬拜</a:t>
             </a:r>
             <a:endParaRPr lang="en-US" altLang="zh-TW" sz="6400" b="1" dirty="0">
               <a:solidFill>
@@ -3537,17 +3584,37 @@
                 <a:latin typeface="微軟正黑體" pitchFamily="34" charset="-120"/>
                 <a:ea typeface="微軟正黑體" pitchFamily="34" charset="-120"/>
               </a:rPr>
-              <a:t>懇求</a:t>
-            </a:r>
-            <a:r>
-              <a:rPr lang="zh-CN" altLang="en-US" sz="6400" b="1" dirty="0">
-                <a:solidFill>
-                  <a:srgbClr val="660033"/>
-                </a:solidFill>
-                <a:latin typeface="微軟正黑體" pitchFamily="34" charset="-120"/>
-                <a:ea typeface="微軟正黑體" pitchFamily="34" charset="-120"/>
-              </a:rPr>
-              <a:t>袮</a:t>
+              <a:t>懇</a:t>
+            </a:r>
+            <a:r>
+              <a:rPr lang="zh-TW" altLang="en-US" sz="6400" b="1" dirty="0" smtClean="0">
+                <a:solidFill>
+                  <a:srgbClr val="660033"/>
+                </a:solidFill>
+                <a:latin typeface="微軟正黑體" pitchFamily="34" charset="-120"/>
+                <a:ea typeface="微軟正黑體" pitchFamily="34" charset="-120"/>
+              </a:rPr>
+              <a:t>求</a:t>
+            </a:r>
+            <a:r>
+              <a:rPr lang="zh-CN" altLang="en-US" sz="6400" b="1" dirty="0" smtClean="0">
+                <a:solidFill>
+                  <a:srgbClr val="660033"/>
+                </a:solidFill>
+                <a:latin typeface="微軟正黑體" pitchFamily="34" charset="-120"/>
+                <a:ea typeface="微軟正黑體" pitchFamily="34" charset="-120"/>
+              </a:rPr>
+              <a:t>祢</a:t>
+            </a:r>
+            <a:r>
+              <a:rPr lang="zh-TW" altLang="en-US" sz="6400" b="1" dirty="0" smtClean="0">
+                <a:solidFill>
+                  <a:srgbClr val="660033"/>
+                </a:solidFill>
+                <a:latin typeface="微軟正黑體" pitchFamily="34" charset="-120"/>
+                <a:ea typeface="微軟正黑體" pitchFamily="34" charset="-120"/>
+              </a:rPr>
+              <a:t>心</a:t>
             </a:r>
             <a:r>
               <a:rPr lang="zh-TW" altLang="en-US" sz="6400" b="1" dirty="0">
@@ -3557,7 +3624,7 @@
                 <a:latin typeface="微軟正黑體" pitchFamily="34" charset="-120"/>
                 <a:ea typeface="微軟正黑體" pitchFamily="34" charset="-120"/>
               </a:rPr>
-              <a:t>心意向我顯明</a:t>
+              <a:t>意向我顯明</a:t>
             </a:r>
             <a:endParaRPr lang="en-US" sz="6400" b="1" dirty="0">
               <a:solidFill>
@@ -3694,17 +3761,37 @@
                 <a:latin typeface="微軟正黑體" pitchFamily="34" charset="-120"/>
                 <a:ea typeface="微軟正黑體" pitchFamily="34" charset="-120"/>
               </a:rPr>
-              <a:t>我願觸動</a:t>
-            </a:r>
-            <a:r>
-              <a:rPr lang="zh-CN" altLang="en-US" sz="6400" b="1" dirty="0">
-                <a:solidFill>
-                  <a:srgbClr val="660033"/>
-                </a:solidFill>
-                <a:latin typeface="微軟正黑體" pitchFamily="34" charset="-120"/>
-                <a:ea typeface="微軟正黑體" pitchFamily="34" charset="-120"/>
-              </a:rPr>
-              <a:t>袮</a:t>
+              <a:t>我願觸</a:t>
+            </a:r>
+            <a:r>
+              <a:rPr lang="zh-TW" altLang="en-US" sz="6400" b="1" dirty="0" smtClean="0">
+                <a:solidFill>
+                  <a:srgbClr val="660033"/>
+                </a:solidFill>
+                <a:latin typeface="微軟正黑體" pitchFamily="34" charset="-120"/>
+                <a:ea typeface="微軟正黑體" pitchFamily="34" charset="-120"/>
+              </a:rPr>
+              <a:t>動</a:t>
+            </a:r>
+            <a:r>
+              <a:rPr lang="zh-CN" altLang="en-US" sz="6400" b="1" dirty="0" smtClean="0">
+                <a:solidFill>
+                  <a:srgbClr val="660033"/>
+                </a:solidFill>
+                <a:latin typeface="微軟正黑體" pitchFamily="34" charset="-120"/>
+                <a:ea typeface="微軟正黑體" pitchFamily="34" charset="-120"/>
+              </a:rPr>
+              <a:t>祢</a:t>
+            </a:r>
+            <a:r>
+              <a:rPr lang="zh-TW" altLang="en-US" sz="6400" b="1" dirty="0" smtClean="0">
+                <a:solidFill>
+                  <a:srgbClr val="660033"/>
+                </a:solidFill>
+                <a:latin typeface="微軟正黑體" pitchFamily="34" charset="-120"/>
+                <a:ea typeface="微軟正黑體" pitchFamily="34" charset="-120"/>
+              </a:rPr>
+              <a:t>心</a:t>
             </a:r>
             <a:r>
               <a:rPr lang="zh-TW" altLang="en-US" sz="6400" b="1" dirty="0">
@@ -3714,7 +3801,7 @@
                 <a:latin typeface="微軟正黑體" pitchFamily="34" charset="-120"/>
                 <a:ea typeface="微軟正黑體" pitchFamily="34" charset="-120"/>
               </a:rPr>
-              <a:t>心弦</a:t>
+              <a:t>弦</a:t>
             </a:r>
             <a:endParaRPr lang="en-US" altLang="zh-TW" sz="6400" b="1" dirty="0">
               <a:solidFill>
@@ -3736,17 +3823,37 @@
                 <a:latin typeface="微軟正黑體" pitchFamily="34" charset="-120"/>
                 <a:ea typeface="微軟正黑體" pitchFamily="34" charset="-120"/>
               </a:rPr>
-              <a:t>全心討</a:t>
-            </a:r>
-            <a:r>
-              <a:rPr lang="zh-CN" altLang="en-US" sz="6400" b="1" dirty="0">
-                <a:solidFill>
-                  <a:srgbClr val="660033"/>
-                </a:solidFill>
-                <a:latin typeface="微軟正黑體" pitchFamily="34" charset="-120"/>
-                <a:ea typeface="微軟正黑體" pitchFamily="34" charset="-120"/>
-              </a:rPr>
-              <a:t>袮</a:t>
+              <a:t>全心</a:t>
+            </a:r>
+            <a:r>
+              <a:rPr lang="zh-TW" altLang="en-US" sz="6400" b="1" dirty="0" smtClean="0">
+                <a:solidFill>
+                  <a:srgbClr val="660033"/>
+                </a:solidFill>
+                <a:latin typeface="微軟正黑體" pitchFamily="34" charset="-120"/>
+                <a:ea typeface="微軟正黑體" pitchFamily="34" charset="-120"/>
+              </a:rPr>
+              <a:t>討</a:t>
+            </a:r>
+            <a:r>
+              <a:rPr lang="zh-CN" altLang="en-US" sz="6400" b="1" dirty="0" smtClean="0">
+                <a:solidFill>
+                  <a:srgbClr val="660033"/>
+                </a:solidFill>
+                <a:latin typeface="微軟正黑體" pitchFamily="34" charset="-120"/>
+                <a:ea typeface="微軟正黑體" pitchFamily="34" charset="-120"/>
+              </a:rPr>
+              <a:t>祢</a:t>
+            </a:r>
+            <a:r>
+              <a:rPr lang="zh-TW" altLang="en-US" sz="6400" b="1" dirty="0" smtClean="0">
+                <a:solidFill>
+                  <a:srgbClr val="660033"/>
+                </a:solidFill>
+                <a:latin typeface="微軟正黑體" pitchFamily="34" charset="-120"/>
+                <a:ea typeface="微軟正黑體" pitchFamily="34" charset="-120"/>
+              </a:rPr>
+              <a:t>喜</a:t>
             </a:r>
             <a:r>
               <a:rPr lang="zh-TW" altLang="en-US" sz="6400" b="1" dirty="0">
@@ -3756,7 +3863,7 @@
                 <a:latin typeface="微軟正黑體" pitchFamily="34" charset="-120"/>
                 <a:ea typeface="微軟正黑體" pitchFamily="34" charset="-120"/>
               </a:rPr>
-              <a:t>喜悅</a:t>
+              <a:t>悅</a:t>
             </a:r>
             <a:endParaRPr lang="en-US" altLang="zh-TW" sz="6400" b="1" dirty="0">
               <a:solidFill>
@@ -3893,17 +4000,27 @@
                 <a:latin typeface="微軟正黑體" pitchFamily="34" charset="-120"/>
                 <a:ea typeface="微軟正黑體" pitchFamily="34" charset="-120"/>
               </a:rPr>
-              <a:t>我要舉起雙手  降服於</a:t>
-            </a:r>
-            <a:r>
-              <a:rPr lang="zh-CN" altLang="en-US" sz="6400" b="1" dirty="0">
-                <a:solidFill>
-                  <a:srgbClr val="660033"/>
-                </a:solidFill>
-                <a:latin typeface="微軟正黑體" pitchFamily="34" charset="-120"/>
-                <a:ea typeface="微軟正黑體" pitchFamily="34" charset="-120"/>
-              </a:rPr>
-              <a:t>袮</a:t>
+              <a:t>我要舉起雙手  降服</a:t>
+            </a:r>
+            <a:r>
+              <a:rPr lang="zh-TW" altLang="en-US" sz="6400" b="1" dirty="0" smtClean="0">
+                <a:solidFill>
+                  <a:srgbClr val="660033"/>
+                </a:solidFill>
+                <a:latin typeface="微軟正黑體" pitchFamily="34" charset="-120"/>
+                <a:ea typeface="微軟正黑體" pitchFamily="34" charset="-120"/>
+              </a:rPr>
+              <a:t>於</a:t>
+            </a:r>
+            <a:r>
+              <a:rPr lang="zh-CN" altLang="en-US" sz="6400" b="1" dirty="0" smtClean="0">
+                <a:solidFill>
+                  <a:srgbClr val="660033"/>
+                </a:solidFill>
+                <a:latin typeface="微軟正黑體" pitchFamily="34" charset="-120"/>
+                <a:ea typeface="微軟正黑體" pitchFamily="34" charset="-120"/>
+              </a:rPr>
+              <a:t>祢</a:t>
             </a:r>
             <a:endParaRPr lang="en-US" altLang="zh-TW" sz="6400" b="1" dirty="0">
               <a:solidFill>
@@ -3925,17 +4042,37 @@
                 <a:latin typeface="微軟正黑體" pitchFamily="34" charset="-120"/>
                 <a:ea typeface="微軟正黑體" pitchFamily="34" charset="-120"/>
               </a:rPr>
-              <a:t>貼近</a:t>
-            </a:r>
-            <a:r>
-              <a:rPr lang="zh-CN" altLang="en-US" sz="6400" b="1" dirty="0">
-                <a:solidFill>
-                  <a:srgbClr val="660033"/>
-                </a:solidFill>
-                <a:latin typeface="微軟正黑體" pitchFamily="34" charset="-120"/>
-                <a:ea typeface="微軟正黑體" pitchFamily="34" charset="-120"/>
-              </a:rPr>
-              <a:t>袮</a:t>
+              <a:t>貼</a:t>
+            </a:r>
+            <a:r>
+              <a:rPr lang="zh-TW" altLang="en-US" sz="6400" b="1" dirty="0" smtClean="0">
+                <a:solidFill>
+                  <a:srgbClr val="660033"/>
+                </a:solidFill>
+                <a:latin typeface="微軟正黑體" pitchFamily="34" charset="-120"/>
+                <a:ea typeface="微軟正黑體" pitchFamily="34" charset="-120"/>
+              </a:rPr>
+              <a:t>近</a:t>
+            </a:r>
+            <a:r>
+              <a:rPr lang="zh-CN" altLang="en-US" sz="6400" b="1" dirty="0" smtClean="0">
+                <a:solidFill>
+                  <a:srgbClr val="660033"/>
+                </a:solidFill>
+                <a:latin typeface="微軟正黑體" pitchFamily="34" charset="-120"/>
+                <a:ea typeface="微軟正黑體" pitchFamily="34" charset="-120"/>
+              </a:rPr>
+              <a:t>祢</a:t>
+            </a:r>
+            <a:r>
+              <a:rPr lang="zh-TW" altLang="en-US" sz="6400" b="1" dirty="0" smtClean="0">
+                <a:solidFill>
+                  <a:srgbClr val="660033"/>
+                </a:solidFill>
+                <a:latin typeface="微軟正黑體" pitchFamily="34" charset="-120"/>
+                <a:ea typeface="微軟正黑體" pitchFamily="34" charset="-120"/>
+              </a:rPr>
+              <a:t>的</a:t>
             </a:r>
             <a:r>
               <a:rPr lang="zh-TW" altLang="en-US" sz="6400" b="1" dirty="0">
@@ -3945,7 +4082,7 @@
                 <a:latin typeface="微軟正黑體" pitchFamily="34" charset="-120"/>
                 <a:ea typeface="微軟正黑體" pitchFamily="34" charset="-120"/>
               </a:rPr>
-              <a:t>的胸懷</a:t>
+              <a:t>胸懷</a:t>
             </a:r>
             <a:endParaRPr lang="en-US" sz="6400" b="1" dirty="0">
               <a:solidFill>
@@ -4082,17 +4219,37 @@
                 <a:latin typeface="微軟正黑體" pitchFamily="34" charset="-120"/>
                 <a:ea typeface="微軟正黑體" pitchFamily="34" charset="-120"/>
               </a:rPr>
-              <a:t>我願觸動</a:t>
-            </a:r>
-            <a:r>
-              <a:rPr lang="zh-CN" altLang="en-US" sz="6400" b="1" dirty="0">
-                <a:solidFill>
-                  <a:srgbClr val="660033"/>
-                </a:solidFill>
-                <a:latin typeface="微軟正黑體" pitchFamily="34" charset="-120"/>
-                <a:ea typeface="微軟正黑體" pitchFamily="34" charset="-120"/>
-              </a:rPr>
-              <a:t>袮</a:t>
+              <a:t>我願觸</a:t>
+            </a:r>
+            <a:r>
+              <a:rPr lang="zh-TW" altLang="en-US" sz="6400" b="1" dirty="0" smtClean="0">
+                <a:solidFill>
+                  <a:srgbClr val="660033"/>
+                </a:solidFill>
+                <a:latin typeface="微軟正黑體" pitchFamily="34" charset="-120"/>
+                <a:ea typeface="微軟正黑體" pitchFamily="34" charset="-120"/>
+              </a:rPr>
+              <a:t>動</a:t>
+            </a:r>
+            <a:r>
+              <a:rPr lang="zh-CN" altLang="en-US" sz="6400" b="1" dirty="0" smtClean="0">
+                <a:solidFill>
+                  <a:srgbClr val="660033"/>
+                </a:solidFill>
+                <a:latin typeface="微軟正黑體" pitchFamily="34" charset="-120"/>
+                <a:ea typeface="微軟正黑體" pitchFamily="34" charset="-120"/>
+              </a:rPr>
+              <a:t>祢</a:t>
+            </a:r>
+            <a:r>
+              <a:rPr lang="zh-TW" altLang="en-US" sz="6400" b="1" dirty="0" smtClean="0">
+                <a:solidFill>
+                  <a:srgbClr val="660033"/>
+                </a:solidFill>
+                <a:latin typeface="微軟正黑體" pitchFamily="34" charset="-120"/>
+                <a:ea typeface="微軟正黑體" pitchFamily="34" charset="-120"/>
+              </a:rPr>
+              <a:t>心</a:t>
             </a:r>
             <a:r>
               <a:rPr lang="zh-TW" altLang="en-US" sz="6400" b="1" dirty="0">
@@ -4102,7 +4259,7 @@
                 <a:latin typeface="微軟正黑體" pitchFamily="34" charset="-120"/>
                 <a:ea typeface="微軟正黑體" pitchFamily="34" charset="-120"/>
               </a:rPr>
-              <a:t>心弦</a:t>
+              <a:t>弦</a:t>
             </a:r>
             <a:endParaRPr lang="en-US" altLang="zh-TW" sz="6400" b="1" dirty="0">
               <a:solidFill>
@@ -4124,17 +4281,37 @@
                 <a:latin typeface="微軟正黑體" pitchFamily="34" charset="-120"/>
                 <a:ea typeface="微軟正黑體" pitchFamily="34" charset="-120"/>
               </a:rPr>
-              <a:t>全心討</a:t>
-            </a:r>
-            <a:r>
-              <a:rPr lang="zh-CN" altLang="en-US" sz="6400" b="1" dirty="0">
-                <a:solidFill>
-                  <a:srgbClr val="660033"/>
-                </a:solidFill>
-                <a:latin typeface="微軟正黑體" pitchFamily="34" charset="-120"/>
-                <a:ea typeface="微軟正黑體" pitchFamily="34" charset="-120"/>
-              </a:rPr>
-              <a:t>袮</a:t>
+              <a:t>全心</a:t>
+            </a:r>
+            <a:r>
+              <a:rPr lang="zh-TW" altLang="en-US" sz="6400" b="1" dirty="0" smtClean="0">
+                <a:solidFill>
+                  <a:srgbClr val="660033"/>
+                </a:solidFill>
+                <a:latin typeface="微軟正黑體" pitchFamily="34" charset="-120"/>
+                <a:ea typeface="微軟正黑體" pitchFamily="34" charset="-120"/>
+              </a:rPr>
+              <a:t>討</a:t>
+            </a:r>
+            <a:r>
+              <a:rPr lang="zh-CN" altLang="en-US" sz="6400" b="1" dirty="0" smtClean="0">
+                <a:solidFill>
+                  <a:srgbClr val="660033"/>
+                </a:solidFill>
+                <a:latin typeface="微軟正黑體" pitchFamily="34" charset="-120"/>
+                <a:ea typeface="微軟正黑體" pitchFamily="34" charset="-120"/>
+              </a:rPr>
+              <a:t>祢</a:t>
+            </a:r>
+            <a:r>
+              <a:rPr lang="zh-TW" altLang="en-US" sz="6400" b="1" dirty="0" smtClean="0">
+                <a:solidFill>
+                  <a:srgbClr val="660033"/>
+                </a:solidFill>
+                <a:latin typeface="微軟正黑體" pitchFamily="34" charset="-120"/>
+                <a:ea typeface="微軟正黑體" pitchFamily="34" charset="-120"/>
+              </a:rPr>
+              <a:t>喜</a:t>
             </a:r>
             <a:r>
               <a:rPr lang="zh-TW" altLang="en-US" sz="6400" b="1" dirty="0">
@@ -4144,7 +4321,7 @@
                 <a:latin typeface="微軟正黑體" pitchFamily="34" charset="-120"/>
                 <a:ea typeface="微軟正黑體" pitchFamily="34" charset="-120"/>
               </a:rPr>
-              <a:t>喜悅</a:t>
+              <a:t>悅</a:t>
             </a:r>
             <a:endParaRPr lang="en-US" altLang="zh-TW" sz="6400" b="1" dirty="0">
               <a:solidFill>
@@ -4303,17 +4480,27 @@
                 <a:latin typeface="微軟正黑體" pitchFamily="34" charset="-120"/>
                 <a:ea typeface="微軟正黑體" pitchFamily="34" charset="-120"/>
               </a:rPr>
-              <a:t>完全屬於</a:t>
-            </a:r>
-            <a:r>
-              <a:rPr lang="zh-CN" altLang="en-US" sz="6400" b="1" dirty="0">
-                <a:solidFill>
-                  <a:srgbClr val="660033"/>
-                </a:solidFill>
-                <a:latin typeface="微軟正黑體" pitchFamily="34" charset="-120"/>
-                <a:ea typeface="微軟正黑體" pitchFamily="34" charset="-120"/>
-              </a:rPr>
-              <a:t>袮</a:t>
+              <a:t>完全屬</a:t>
+            </a:r>
+            <a:r>
+              <a:rPr lang="zh-TW" altLang="en-US" sz="6400" b="1" dirty="0" smtClean="0">
+                <a:solidFill>
+                  <a:srgbClr val="660033"/>
+                </a:solidFill>
+                <a:latin typeface="微軟正黑體" pitchFamily="34" charset="-120"/>
+                <a:ea typeface="微軟正黑體" pitchFamily="34" charset="-120"/>
+              </a:rPr>
+              <a:t>於</a:t>
+            </a:r>
+            <a:r>
+              <a:rPr lang="zh-CN" altLang="en-US" sz="6400" b="1" dirty="0" smtClean="0">
+                <a:solidFill>
+                  <a:srgbClr val="660033"/>
+                </a:solidFill>
+                <a:latin typeface="微軟正黑體" pitchFamily="34" charset="-120"/>
+                <a:ea typeface="微軟正黑體" pitchFamily="34" charset="-120"/>
+              </a:rPr>
+              <a:t>祢</a:t>
             </a:r>
             <a:endParaRPr lang="en-US" sz="6400" b="1" dirty="0">
               <a:solidFill>

--- a/我願觸動你心弦(崇拜版）.pptx
+++ b/我願觸動你心弦(崇拜版）.pptx
@@ -12,6 +12,20 @@
     <p:sldId id="264" r:id="rId6"/>
     <p:sldId id="265" r:id="rId7"/>
     <p:sldId id="266" r:id="rId8"/>
+    <p:sldId id="267" r:id="rId9"/>
+    <p:sldId id="268" r:id="rId10"/>
+    <p:sldId id="269" r:id="rId11"/>
+    <p:sldId id="270" r:id="rId12"/>
+    <p:sldId id="271" r:id="rId13"/>
+    <p:sldId id="272" r:id="rId14"/>
+    <p:sldId id="273" r:id="rId15"/>
+    <p:sldId id="274" r:id="rId16"/>
+    <p:sldId id="275" r:id="rId17"/>
+    <p:sldId id="276" r:id="rId18"/>
+    <p:sldId id="277" r:id="rId19"/>
+    <p:sldId id="278" r:id="rId20"/>
+    <p:sldId id="279" r:id="rId21"/>
+    <p:sldId id="280" r:id="rId22"/>
   </p:sldIdLst>
   <p:sldSz cx="12192000" cy="6858000"/>
   <p:notesSz cx="6858000" cy="9144000"/>
@@ -112,7 +126,7 @@
   </p:defaultTextStyle>
   <p:extLst>
     <p:ext uri="{EFAFB233-063F-42B5-8137-9DF3F51BA10A}">
-      <p15:sldGuideLst xmlns:p15="http://schemas.microsoft.com/office/powerpoint/2012/main">
+      <p15:sldGuideLst xmlns:p15="http://schemas.microsoft.com/office/powerpoint/2012/main" xmlns="">
         <p15:guide id="1" orient="horz" pos="2160">
           <p15:clr>
             <a:srgbClr val="A4A3A4"/>
@@ -311,7 +325,7 @@
             <a:fld id="{669590F7-C5B5-4AE4-AFAB-4E0783D865E1}" type="datetimeFigureOut">
               <a:rPr lang="en-US" smtClean="0"/>
               <a:pPr/>
-              <a:t>6/18/2022</a:t>
+              <a:t>8/8/2023</a:t>
             </a:fld>
             <a:endParaRPr lang="en-US"/>
           </a:p>
@@ -363,7 +377,7 @@
     </p:spTree>
     <p:extLst>
       <p:ext uri="{BB962C8B-B14F-4D97-AF65-F5344CB8AC3E}">
-        <p14:creationId xmlns:p14="http://schemas.microsoft.com/office/powerpoint/2010/main" val="193090056"/>
+        <p14:creationId xmlns:p14="http://schemas.microsoft.com/office/powerpoint/2010/main" xmlns="" val="193090056"/>
       </p:ext>
     </p:extLst>
   </p:cSld>
@@ -483,7 +497,7 @@
             <a:fld id="{669590F7-C5B5-4AE4-AFAB-4E0783D865E1}" type="datetimeFigureOut">
               <a:rPr lang="en-US" smtClean="0"/>
               <a:pPr/>
-              <a:t>6/18/2022</a:t>
+              <a:t>8/8/2023</a:t>
             </a:fld>
             <a:endParaRPr lang="en-US"/>
           </a:p>
@@ -535,7 +549,7 @@
     </p:spTree>
     <p:extLst>
       <p:ext uri="{BB962C8B-B14F-4D97-AF65-F5344CB8AC3E}">
-        <p14:creationId xmlns:p14="http://schemas.microsoft.com/office/powerpoint/2010/main" val="3075892851"/>
+        <p14:creationId xmlns:p14="http://schemas.microsoft.com/office/powerpoint/2010/main" xmlns="" val="3075892851"/>
       </p:ext>
     </p:extLst>
   </p:cSld>
@@ -665,7 +679,7 @@
             <a:fld id="{669590F7-C5B5-4AE4-AFAB-4E0783D865E1}" type="datetimeFigureOut">
               <a:rPr lang="en-US" smtClean="0"/>
               <a:pPr/>
-              <a:t>6/18/2022</a:t>
+              <a:t>8/8/2023</a:t>
             </a:fld>
             <a:endParaRPr lang="en-US"/>
           </a:p>
@@ -717,7 +731,7 @@
     </p:spTree>
     <p:extLst>
       <p:ext uri="{BB962C8B-B14F-4D97-AF65-F5344CB8AC3E}">
-        <p14:creationId xmlns:p14="http://schemas.microsoft.com/office/powerpoint/2010/main" val="2601027025"/>
+        <p14:creationId xmlns:p14="http://schemas.microsoft.com/office/powerpoint/2010/main" xmlns="" val="2601027025"/>
       </p:ext>
     </p:extLst>
   </p:cSld>
@@ -837,7 +851,7 @@
             <a:fld id="{669590F7-C5B5-4AE4-AFAB-4E0783D865E1}" type="datetimeFigureOut">
               <a:rPr lang="en-US" smtClean="0"/>
               <a:pPr/>
-              <a:t>6/18/2022</a:t>
+              <a:t>8/8/2023</a:t>
             </a:fld>
             <a:endParaRPr lang="en-US"/>
           </a:p>
@@ -889,7 +903,7 @@
     </p:spTree>
     <p:extLst>
       <p:ext uri="{BB962C8B-B14F-4D97-AF65-F5344CB8AC3E}">
-        <p14:creationId xmlns:p14="http://schemas.microsoft.com/office/powerpoint/2010/main" val="3618089478"/>
+        <p14:creationId xmlns:p14="http://schemas.microsoft.com/office/powerpoint/2010/main" xmlns="" val="3618089478"/>
       </p:ext>
     </p:extLst>
   </p:cSld>
@@ -1085,7 +1099,7 @@
             <a:fld id="{669590F7-C5B5-4AE4-AFAB-4E0783D865E1}" type="datetimeFigureOut">
               <a:rPr lang="en-US" smtClean="0"/>
               <a:pPr/>
-              <a:t>6/18/2022</a:t>
+              <a:t>8/8/2023</a:t>
             </a:fld>
             <a:endParaRPr lang="en-US"/>
           </a:p>
@@ -1137,7 +1151,7 @@
     </p:spTree>
     <p:extLst>
       <p:ext uri="{BB962C8B-B14F-4D97-AF65-F5344CB8AC3E}">
-        <p14:creationId xmlns:p14="http://schemas.microsoft.com/office/powerpoint/2010/main" val="1036537477"/>
+        <p14:creationId xmlns:p14="http://schemas.microsoft.com/office/powerpoint/2010/main" xmlns="" val="1036537477"/>
       </p:ext>
     </p:extLst>
   </p:cSld>
@@ -1375,7 +1389,7 @@
             <a:fld id="{669590F7-C5B5-4AE4-AFAB-4E0783D865E1}" type="datetimeFigureOut">
               <a:rPr lang="en-US" smtClean="0"/>
               <a:pPr/>
-              <a:t>6/18/2022</a:t>
+              <a:t>8/8/2023</a:t>
             </a:fld>
             <a:endParaRPr lang="en-US"/>
           </a:p>
@@ -1427,7 +1441,7 @@
     </p:spTree>
     <p:extLst>
       <p:ext uri="{BB962C8B-B14F-4D97-AF65-F5344CB8AC3E}">
-        <p14:creationId xmlns:p14="http://schemas.microsoft.com/office/powerpoint/2010/main" val="4006088752"/>
+        <p14:creationId xmlns:p14="http://schemas.microsoft.com/office/powerpoint/2010/main" xmlns="" val="4006088752"/>
       </p:ext>
     </p:extLst>
   </p:cSld>
@@ -1799,7 +1813,7 @@
             <a:fld id="{669590F7-C5B5-4AE4-AFAB-4E0783D865E1}" type="datetimeFigureOut">
               <a:rPr lang="en-US" smtClean="0"/>
               <a:pPr/>
-              <a:t>6/18/2022</a:t>
+              <a:t>8/8/2023</a:t>
             </a:fld>
             <a:endParaRPr lang="en-US"/>
           </a:p>
@@ -1851,7 +1865,7 @@
     </p:spTree>
     <p:extLst>
       <p:ext uri="{BB962C8B-B14F-4D97-AF65-F5344CB8AC3E}">
-        <p14:creationId xmlns:p14="http://schemas.microsoft.com/office/powerpoint/2010/main" val="3939845368"/>
+        <p14:creationId xmlns:p14="http://schemas.microsoft.com/office/powerpoint/2010/main" xmlns="" val="3939845368"/>
       </p:ext>
     </p:extLst>
   </p:cSld>
@@ -1919,7 +1933,7 @@
             <a:fld id="{669590F7-C5B5-4AE4-AFAB-4E0783D865E1}" type="datetimeFigureOut">
               <a:rPr lang="en-US" smtClean="0"/>
               <a:pPr/>
-              <a:t>6/18/2022</a:t>
+              <a:t>8/8/2023</a:t>
             </a:fld>
             <a:endParaRPr lang="en-US"/>
           </a:p>
@@ -1971,7 +1985,7 @@
     </p:spTree>
     <p:extLst>
       <p:ext uri="{BB962C8B-B14F-4D97-AF65-F5344CB8AC3E}">
-        <p14:creationId xmlns:p14="http://schemas.microsoft.com/office/powerpoint/2010/main" val="838600763"/>
+        <p14:creationId xmlns:p14="http://schemas.microsoft.com/office/powerpoint/2010/main" xmlns="" val="838600763"/>
       </p:ext>
     </p:extLst>
   </p:cSld>
@@ -2016,7 +2030,7 @@
             <a:fld id="{669590F7-C5B5-4AE4-AFAB-4E0783D865E1}" type="datetimeFigureOut">
               <a:rPr lang="en-US" smtClean="0"/>
               <a:pPr/>
-              <a:t>6/18/2022</a:t>
+              <a:t>8/8/2023</a:t>
             </a:fld>
             <a:endParaRPr lang="en-US"/>
           </a:p>
@@ -2068,7 +2082,7 @@
     </p:spTree>
     <p:extLst>
       <p:ext uri="{BB962C8B-B14F-4D97-AF65-F5344CB8AC3E}">
-        <p14:creationId xmlns:p14="http://schemas.microsoft.com/office/powerpoint/2010/main" val="3979675278"/>
+        <p14:creationId xmlns:p14="http://schemas.microsoft.com/office/powerpoint/2010/main" xmlns="" val="3979675278"/>
       </p:ext>
     </p:extLst>
   </p:cSld>
@@ -2295,7 +2309,7 @@
             <a:fld id="{669590F7-C5B5-4AE4-AFAB-4E0783D865E1}" type="datetimeFigureOut">
               <a:rPr lang="en-US" smtClean="0"/>
               <a:pPr/>
-              <a:t>6/18/2022</a:t>
+              <a:t>8/8/2023</a:t>
             </a:fld>
             <a:endParaRPr lang="en-US"/>
           </a:p>
@@ -2347,7 +2361,7 @@
     </p:spTree>
     <p:extLst>
       <p:ext uri="{BB962C8B-B14F-4D97-AF65-F5344CB8AC3E}">
-        <p14:creationId xmlns:p14="http://schemas.microsoft.com/office/powerpoint/2010/main" val="2317586828"/>
+        <p14:creationId xmlns:p14="http://schemas.microsoft.com/office/powerpoint/2010/main" xmlns="" val="2317586828"/>
       </p:ext>
     </p:extLst>
   </p:cSld>
@@ -2554,7 +2568,7 @@
             <a:fld id="{669590F7-C5B5-4AE4-AFAB-4E0783D865E1}" type="datetimeFigureOut">
               <a:rPr lang="en-US" smtClean="0"/>
               <a:pPr/>
-              <a:t>6/18/2022</a:t>
+              <a:t>8/8/2023</a:t>
             </a:fld>
             <a:endParaRPr lang="en-US"/>
           </a:p>
@@ -2606,7 +2620,7 @@
     </p:spTree>
     <p:extLst>
       <p:ext uri="{BB962C8B-B14F-4D97-AF65-F5344CB8AC3E}">
-        <p14:creationId xmlns:p14="http://schemas.microsoft.com/office/powerpoint/2010/main" val="3057389885"/>
+        <p14:creationId xmlns:p14="http://schemas.microsoft.com/office/powerpoint/2010/main" xmlns="" val="3057389885"/>
       </p:ext>
     </p:extLst>
   </p:cSld>
@@ -2774,7 +2788,7 @@
             <a:fld id="{669590F7-C5B5-4AE4-AFAB-4E0783D865E1}" type="datetimeFigureOut">
               <a:rPr lang="en-US" smtClean="0"/>
               <a:pPr/>
-              <a:t>6/18/2022</a:t>
+              <a:t>8/8/2023</a:t>
             </a:fld>
             <a:endParaRPr lang="en-US"/>
           </a:p>
@@ -2862,7 +2876,7 @@
     </p:spTree>
     <p:extLst>
       <p:ext uri="{BB962C8B-B14F-4D97-AF65-F5344CB8AC3E}">
-        <p14:creationId xmlns:p14="http://schemas.microsoft.com/office/powerpoint/2010/main" val="2931263662"/>
+        <p14:creationId xmlns:p14="http://schemas.microsoft.com/office/powerpoint/2010/main" xmlns="" val="2931263662"/>
       </p:ext>
     </p:extLst>
   </p:cSld>
@@ -3187,10 +3201,10 @@
                 <a:latin typeface="微軟正黑體" pitchFamily="34" charset="-120"/>
                 <a:ea typeface="微軟正黑體" pitchFamily="34" charset="-120"/>
               </a:rPr>
-              <a:t>我</a:t>
-            </a:r>
-            <a:r>
-              <a:rPr lang="zh-TW" altLang="en-US" sz="7200" b="1" i="1" dirty="0">
+              <a:t>我願觸動</a:t>
+            </a:r>
+            <a:r>
+              <a:rPr lang="zh-CN" altLang="en-US" sz="7200" b="1" i="1" dirty="0">
                 <a:solidFill>
                   <a:srgbClr val="660033"/>
                 </a:solidFill>
@@ -3204,10 +3218,10 @@
                 <a:latin typeface="微軟正黑體" pitchFamily="34" charset="-120"/>
                 <a:ea typeface="微軟正黑體" pitchFamily="34" charset="-120"/>
               </a:rPr>
-              <a:t>願觸動</a:t>
-            </a:r>
-            <a:r>
-              <a:rPr lang="zh-CN" altLang="en-US" sz="7200" b="1" i="1" dirty="0">
+              <a:t>袮</a:t>
+            </a:r>
+            <a:r>
+              <a:rPr lang="zh-TW" altLang="en-US" sz="7200" b="1" i="1" dirty="0">
                 <a:solidFill>
                   <a:srgbClr val="660033"/>
                 </a:solidFill>
@@ -3221,23 +3235,6 @@
                 <a:latin typeface="微軟正黑體" pitchFamily="34" charset="-120"/>
                 <a:ea typeface="微軟正黑體" pitchFamily="34" charset="-120"/>
               </a:rPr>
-              <a:t>袮</a:t>
-            </a:r>
-            <a:r>
-              <a:rPr lang="zh-TW" altLang="en-US" sz="7200" b="1" i="1" dirty="0">
-                <a:solidFill>
-                  <a:srgbClr val="660033"/>
-                </a:solidFill>
-                <a:effectLst>
-                  <a:outerShdw blurRad="38100" dist="38100" dir="2700000" algn="tl">
-                    <a:srgbClr val="000000">
-                      <a:alpha val="43137"/>
-                    </a:srgbClr>
-                  </a:outerShdw>
-                </a:effectLst>
-                <a:latin typeface="微軟正黑體" pitchFamily="34" charset="-120"/>
-                <a:ea typeface="微軟正黑體" pitchFamily="34" charset="-120"/>
-              </a:rPr>
               <a:t>心弦</a:t>
             </a:r>
           </a:p>
@@ -3246,13 +3243,1990 @@
     </p:spTree>
     <p:extLst>
       <p:ext uri="{BB962C8B-B14F-4D97-AF65-F5344CB8AC3E}">
-        <p14:creationId xmlns:p14="http://schemas.microsoft.com/office/powerpoint/2010/main" val="4170931368"/>
+        <p14:creationId xmlns:p14="http://schemas.microsoft.com/office/powerpoint/2010/main" xmlns="" val="4170931368"/>
       </p:ext>
     </p:extLst>
   </p:cSld>
   <p:clrMapOvr>
     <a:masterClrMapping/>
   </p:clrMapOvr>
+  <p:timing>
+    <p:tnLst>
+      <p:par>
+        <p:cTn id="1" dur="indefinite" restart="never" nodeType="tmRoot"/>
+      </p:par>
+    </p:tnLst>
+  </p:timing>
+</p:sld>
+</file>
+
+<file path=ppt/slides/slide10.xml><?xml version="1.0" encoding="utf-8"?>
+<p:sld xmlns:a="http://schemas.openxmlformats.org/drawingml/2006/main" xmlns:r="http://schemas.openxmlformats.org/officeDocument/2006/relationships" xmlns:p="http://schemas.openxmlformats.org/presentationml/2006/main">
+  <p:cSld>
+    <p:spTree>
+      <p:nvGrpSpPr>
+        <p:cNvPr id="1" name=""/>
+        <p:cNvGrpSpPr/>
+        <p:nvPr/>
+      </p:nvGrpSpPr>
+      <p:grpSpPr>
+        <a:xfrm>
+          <a:off x="0" y="0"/>
+          <a:ext cx="0" cy="0"/>
+          <a:chOff x="0" y="0"/>
+          <a:chExt cx="0" cy="0"/>
+        </a:xfrm>
+      </p:grpSpPr>
+      <p:sp>
+        <p:nvSpPr>
+          <p:cNvPr id="5" name="內容版面配置區 4"/>
+          <p:cNvSpPr>
+            <a:spLocks noGrp="1"/>
+          </p:cNvSpPr>
+          <p:nvPr>
+            <p:ph idx="1"/>
+          </p:nvPr>
+        </p:nvSpPr>
+        <p:spPr>
+          <a:xfrm>
+            <a:off x="0" y="2084851"/>
+            <a:ext cx="12192000" cy="2404863"/>
+          </a:xfrm>
+        </p:spPr>
+        <p:txBody>
+          <a:bodyPr anchor="ctr">
+            <a:normAutofit/>
+          </a:bodyPr>
+          <a:lstStyle/>
+          <a:p>
+            <a:pPr marL="0" indent="0" algn="ctr">
+              <a:buNone/>
+            </a:pPr>
+            <a:r>
+              <a:rPr lang="zh-TW" altLang="en-US" sz="6400" b="1" dirty="0">
+                <a:solidFill>
+                  <a:srgbClr val="660033"/>
+                </a:solidFill>
+                <a:latin typeface="微軟正黑體" pitchFamily="34" charset="-120"/>
+                <a:ea typeface="微軟正黑體" pitchFamily="34" charset="-120"/>
+              </a:rPr>
+              <a:t>我願觸動</a:t>
+            </a:r>
+            <a:r>
+              <a:rPr lang="zh-CN" altLang="en-US" sz="6400" b="1" dirty="0">
+                <a:solidFill>
+                  <a:srgbClr val="660033"/>
+                </a:solidFill>
+                <a:latin typeface="微軟正黑體" pitchFamily="34" charset="-120"/>
+                <a:ea typeface="微軟正黑體" pitchFamily="34" charset="-120"/>
+              </a:rPr>
+              <a:t>袮</a:t>
+            </a:r>
+            <a:r>
+              <a:rPr lang="zh-TW" altLang="en-US" sz="6400" b="1" dirty="0">
+                <a:solidFill>
+                  <a:srgbClr val="660033"/>
+                </a:solidFill>
+                <a:latin typeface="微軟正黑體" pitchFamily="34" charset="-120"/>
+                <a:ea typeface="微軟正黑體" pitchFamily="34" charset="-120"/>
+              </a:rPr>
+              <a:t>心弦</a:t>
+            </a:r>
+            <a:endParaRPr lang="en-US" altLang="zh-TW" sz="6400" b="1" dirty="0">
+              <a:solidFill>
+                <a:srgbClr val="660033"/>
+              </a:solidFill>
+              <a:latin typeface="微軟正黑體" pitchFamily="34" charset="-120"/>
+              <a:ea typeface="微軟正黑體" pitchFamily="34" charset="-120"/>
+            </a:endParaRPr>
+          </a:p>
+          <a:p>
+            <a:pPr marL="0" indent="0" algn="ctr">
+              <a:buNone/>
+            </a:pPr>
+            <a:r>
+              <a:rPr lang="zh-TW" altLang="en-US" sz="6400" b="1" dirty="0">
+                <a:solidFill>
+                  <a:srgbClr val="660033"/>
+                </a:solidFill>
+                <a:latin typeface="微軟正黑體" pitchFamily="34" charset="-120"/>
+                <a:ea typeface="微軟正黑體" pitchFamily="34" charset="-120"/>
+              </a:rPr>
+              <a:t>全心討</a:t>
+            </a:r>
+            <a:r>
+              <a:rPr lang="zh-CN" altLang="en-US" sz="6400" b="1" dirty="0">
+                <a:solidFill>
+                  <a:srgbClr val="660033"/>
+                </a:solidFill>
+                <a:latin typeface="微軟正黑體" pitchFamily="34" charset="-120"/>
+                <a:ea typeface="微軟正黑體" pitchFamily="34" charset="-120"/>
+              </a:rPr>
+              <a:t>袮</a:t>
+            </a:r>
+            <a:r>
+              <a:rPr lang="zh-TW" altLang="en-US" sz="6400" b="1" dirty="0">
+                <a:solidFill>
+                  <a:srgbClr val="660033"/>
+                </a:solidFill>
+                <a:latin typeface="微軟正黑體" pitchFamily="34" charset="-120"/>
+                <a:ea typeface="微軟正黑體" pitchFamily="34" charset="-120"/>
+              </a:rPr>
+              <a:t>喜悅</a:t>
+            </a:r>
+            <a:endParaRPr lang="en-US" altLang="zh-TW" sz="6400" b="1" dirty="0">
+              <a:solidFill>
+                <a:srgbClr val="660033"/>
+              </a:solidFill>
+              <a:latin typeface="微軟正黑體" pitchFamily="34" charset="-120"/>
+              <a:ea typeface="微軟正黑體" pitchFamily="34" charset="-120"/>
+            </a:endParaRPr>
+          </a:p>
+        </p:txBody>
+      </p:sp>
+      <p:sp>
+        <p:nvSpPr>
+          <p:cNvPr id="3" name="TextBox 2"/>
+          <p:cNvSpPr txBox="1"/>
+          <p:nvPr/>
+        </p:nvSpPr>
+        <p:spPr>
+          <a:xfrm>
+            <a:off x="0" y="5157192"/>
+            <a:ext cx="12192000" cy="748988"/>
+          </a:xfrm>
+          <a:prstGeom prst="rect">
+            <a:avLst/>
+          </a:prstGeom>
+          <a:noFill/>
+        </p:spPr>
+        <p:txBody>
+          <a:bodyPr wrap="square" rtlCol="0">
+            <a:spAutoFit/>
+          </a:bodyPr>
+          <a:lstStyle/>
+          <a:p>
+            <a:pPr algn="ctr"/>
+            <a:r>
+              <a:rPr lang="en-US" sz="4267" b="1" dirty="0">
+                <a:solidFill>
+                  <a:srgbClr val="660033"/>
+                </a:solidFill>
+                <a:latin typeface="Microsoft JhengHei" panose="020B0604030504040204" pitchFamily="34" charset="-120"/>
+                <a:ea typeface="Microsoft JhengHei" panose="020B0604030504040204" pitchFamily="34" charset="-120"/>
+              </a:rPr>
+              <a:t>( </a:t>
+            </a:r>
+            <a:r>
+              <a:rPr lang="zh-CN" altLang="en-US" sz="4267" b="1" dirty="0">
+                <a:solidFill>
+                  <a:srgbClr val="660033"/>
+                </a:solidFill>
+                <a:latin typeface="Microsoft JhengHei" panose="020B0604030504040204" pitchFamily="34" charset="-120"/>
+                <a:ea typeface="Microsoft JhengHei" panose="020B0604030504040204" pitchFamily="34" charset="-120"/>
+              </a:rPr>
+              <a:t>副</a:t>
+            </a:r>
+            <a:r>
+              <a:rPr lang="en-US" sz="4267" b="1" dirty="0">
+                <a:solidFill>
+                  <a:srgbClr val="660033"/>
+                </a:solidFill>
+                <a:latin typeface="Microsoft JhengHei" panose="020B0604030504040204" pitchFamily="34" charset="-120"/>
+                <a:ea typeface="Microsoft JhengHei" panose="020B0604030504040204" pitchFamily="34" charset="-120"/>
+              </a:rPr>
+              <a:t> )</a:t>
+            </a:r>
+            <a:endParaRPr lang="vi-VN" sz="4267" b="1" dirty="0">
+              <a:solidFill>
+                <a:srgbClr val="660033"/>
+              </a:solidFill>
+              <a:ea typeface="Microsoft JhengHei" panose="020B0604030504040204" pitchFamily="34" charset="-120"/>
+            </a:endParaRPr>
+          </a:p>
+        </p:txBody>
+      </p:sp>
+    </p:spTree>
+    <p:extLst>
+      <p:ext uri="{BB962C8B-B14F-4D97-AF65-F5344CB8AC3E}">
+        <p14:creationId xmlns:p14="http://schemas.microsoft.com/office/powerpoint/2010/main" xmlns="" val="3083504435"/>
+      </p:ext>
+    </p:extLst>
+  </p:cSld>
+  <p:clrMapOvr>
+    <a:masterClrMapping/>
+  </p:clrMapOvr>
+  <p:timing>
+    <p:tnLst>
+      <p:par>
+        <p:cTn id="1" dur="indefinite" restart="never" nodeType="tmRoot"/>
+      </p:par>
+    </p:tnLst>
+  </p:timing>
+</p:sld>
+</file>
+
+<file path=ppt/slides/slide11.xml><?xml version="1.0" encoding="utf-8"?>
+<p:sld xmlns:a="http://schemas.openxmlformats.org/drawingml/2006/main" xmlns:r="http://schemas.openxmlformats.org/officeDocument/2006/relationships" xmlns:p="http://schemas.openxmlformats.org/presentationml/2006/main">
+  <p:cSld>
+    <p:spTree>
+      <p:nvGrpSpPr>
+        <p:cNvPr id="1" name=""/>
+        <p:cNvGrpSpPr/>
+        <p:nvPr/>
+      </p:nvGrpSpPr>
+      <p:grpSpPr>
+        <a:xfrm>
+          <a:off x="0" y="0"/>
+          <a:ext cx="0" cy="0"/>
+          <a:chOff x="0" y="0"/>
+          <a:chExt cx="0" cy="0"/>
+        </a:xfrm>
+      </p:grpSpPr>
+      <p:sp>
+        <p:nvSpPr>
+          <p:cNvPr id="5" name="內容版面配置區 4"/>
+          <p:cNvSpPr>
+            <a:spLocks noGrp="1"/>
+          </p:cNvSpPr>
+          <p:nvPr>
+            <p:ph idx="1"/>
+          </p:nvPr>
+        </p:nvSpPr>
+        <p:spPr>
+          <a:xfrm>
+            <a:off x="0" y="2084851"/>
+            <a:ext cx="12192000" cy="2404863"/>
+          </a:xfrm>
+        </p:spPr>
+        <p:txBody>
+          <a:bodyPr anchor="ctr">
+            <a:normAutofit/>
+          </a:bodyPr>
+          <a:lstStyle/>
+          <a:p>
+            <a:pPr marL="0" indent="0" algn="ctr">
+              <a:buNone/>
+            </a:pPr>
+            <a:r>
+              <a:rPr lang="zh-TW" altLang="en-US" sz="6400" b="1" dirty="0">
+                <a:solidFill>
+                  <a:srgbClr val="660033"/>
+                </a:solidFill>
+                <a:latin typeface="微軟正黑體" pitchFamily="34" charset="-120"/>
+                <a:ea typeface="微軟正黑體" pitchFamily="34" charset="-120"/>
+              </a:rPr>
+              <a:t>我要舉起雙手  降服於</a:t>
+            </a:r>
+            <a:r>
+              <a:rPr lang="zh-CN" altLang="en-US" sz="6400" b="1" dirty="0">
+                <a:solidFill>
+                  <a:srgbClr val="660033"/>
+                </a:solidFill>
+                <a:latin typeface="微軟正黑體" pitchFamily="34" charset="-120"/>
+                <a:ea typeface="微軟正黑體" pitchFamily="34" charset="-120"/>
+              </a:rPr>
+              <a:t>袮</a:t>
+            </a:r>
+            <a:endParaRPr lang="en-US" altLang="zh-TW" sz="6400" b="1" dirty="0">
+              <a:solidFill>
+                <a:srgbClr val="660033"/>
+              </a:solidFill>
+              <a:latin typeface="微軟正黑體" pitchFamily="34" charset="-120"/>
+              <a:ea typeface="微軟正黑體" pitchFamily="34" charset="-120"/>
+            </a:endParaRPr>
+          </a:p>
+          <a:p>
+            <a:pPr marL="0" indent="0" algn="ctr">
+              <a:buNone/>
+            </a:pPr>
+            <a:r>
+              <a:rPr lang="zh-TW" altLang="en-US" sz="6400" b="1" dirty="0">
+                <a:solidFill>
+                  <a:srgbClr val="660033"/>
+                </a:solidFill>
+                <a:latin typeface="微軟正黑體" pitchFamily="34" charset="-120"/>
+                <a:ea typeface="微軟正黑體" pitchFamily="34" charset="-120"/>
+              </a:rPr>
+              <a:t>貼近</a:t>
+            </a:r>
+            <a:r>
+              <a:rPr lang="zh-CN" altLang="en-US" sz="6400" b="1" dirty="0">
+                <a:solidFill>
+                  <a:srgbClr val="660033"/>
+                </a:solidFill>
+                <a:latin typeface="微軟正黑體" pitchFamily="34" charset="-120"/>
+                <a:ea typeface="微軟正黑體" pitchFamily="34" charset="-120"/>
+              </a:rPr>
+              <a:t>袮</a:t>
+            </a:r>
+            <a:r>
+              <a:rPr lang="zh-TW" altLang="en-US" sz="6400" b="1" dirty="0">
+                <a:solidFill>
+                  <a:srgbClr val="660033"/>
+                </a:solidFill>
+                <a:latin typeface="微軟正黑體" pitchFamily="34" charset="-120"/>
+                <a:ea typeface="微軟正黑體" pitchFamily="34" charset="-120"/>
+              </a:rPr>
+              <a:t>的胸懷</a:t>
+            </a:r>
+            <a:endParaRPr lang="en-US" sz="6400" b="1" dirty="0">
+              <a:solidFill>
+                <a:srgbClr val="660033"/>
+              </a:solidFill>
+              <a:latin typeface="微軟正黑體" pitchFamily="34" charset="-120"/>
+              <a:ea typeface="微軟正黑體" pitchFamily="34" charset="-120"/>
+            </a:endParaRPr>
+          </a:p>
+        </p:txBody>
+      </p:sp>
+      <p:sp>
+        <p:nvSpPr>
+          <p:cNvPr id="3" name="TextBox 2"/>
+          <p:cNvSpPr txBox="1"/>
+          <p:nvPr/>
+        </p:nvSpPr>
+        <p:spPr>
+          <a:xfrm>
+            <a:off x="0" y="5157192"/>
+            <a:ext cx="12192000" cy="748988"/>
+          </a:xfrm>
+          <a:prstGeom prst="rect">
+            <a:avLst/>
+          </a:prstGeom>
+          <a:noFill/>
+        </p:spPr>
+        <p:txBody>
+          <a:bodyPr wrap="square" rtlCol="0">
+            <a:spAutoFit/>
+          </a:bodyPr>
+          <a:lstStyle/>
+          <a:p>
+            <a:pPr algn="ctr"/>
+            <a:r>
+              <a:rPr lang="en-US" sz="4267" b="1" dirty="0">
+                <a:solidFill>
+                  <a:srgbClr val="660033"/>
+                </a:solidFill>
+                <a:latin typeface="Microsoft JhengHei" panose="020B0604030504040204" pitchFamily="34" charset="-120"/>
+                <a:ea typeface="Microsoft JhengHei" panose="020B0604030504040204" pitchFamily="34" charset="-120"/>
+              </a:rPr>
+              <a:t>( </a:t>
+            </a:r>
+            <a:r>
+              <a:rPr lang="zh-CN" altLang="en-US" sz="4267" b="1" dirty="0">
+                <a:solidFill>
+                  <a:srgbClr val="660033"/>
+                </a:solidFill>
+                <a:latin typeface="Microsoft JhengHei" panose="020B0604030504040204" pitchFamily="34" charset="-120"/>
+                <a:ea typeface="Microsoft JhengHei" panose="020B0604030504040204" pitchFamily="34" charset="-120"/>
+              </a:rPr>
+              <a:t>副</a:t>
+            </a:r>
+            <a:r>
+              <a:rPr lang="en-US" sz="4267" b="1" dirty="0">
+                <a:solidFill>
+                  <a:srgbClr val="660033"/>
+                </a:solidFill>
+                <a:latin typeface="Microsoft JhengHei" panose="020B0604030504040204" pitchFamily="34" charset="-120"/>
+                <a:ea typeface="Microsoft JhengHei" panose="020B0604030504040204" pitchFamily="34" charset="-120"/>
+              </a:rPr>
+              <a:t> )</a:t>
+            </a:r>
+            <a:endParaRPr lang="vi-VN" sz="4267" b="1" dirty="0">
+              <a:solidFill>
+                <a:srgbClr val="660033"/>
+              </a:solidFill>
+              <a:ea typeface="Microsoft JhengHei" panose="020B0604030504040204" pitchFamily="34" charset="-120"/>
+            </a:endParaRPr>
+          </a:p>
+        </p:txBody>
+      </p:sp>
+    </p:spTree>
+    <p:extLst>
+      <p:ext uri="{BB962C8B-B14F-4D97-AF65-F5344CB8AC3E}">
+        <p14:creationId xmlns:p14="http://schemas.microsoft.com/office/powerpoint/2010/main" xmlns="" val="4198729306"/>
+      </p:ext>
+    </p:extLst>
+  </p:cSld>
+  <p:clrMapOvr>
+    <a:masterClrMapping/>
+  </p:clrMapOvr>
+  <p:timing>
+    <p:tnLst>
+      <p:par>
+        <p:cTn id="1" dur="indefinite" restart="never" nodeType="tmRoot"/>
+      </p:par>
+    </p:tnLst>
+  </p:timing>
+</p:sld>
+</file>
+
+<file path=ppt/slides/slide12.xml><?xml version="1.0" encoding="utf-8"?>
+<p:sld xmlns:a="http://schemas.openxmlformats.org/drawingml/2006/main" xmlns:r="http://schemas.openxmlformats.org/officeDocument/2006/relationships" xmlns:p="http://schemas.openxmlformats.org/presentationml/2006/main">
+  <p:cSld>
+    <p:spTree>
+      <p:nvGrpSpPr>
+        <p:cNvPr id="1" name=""/>
+        <p:cNvGrpSpPr/>
+        <p:nvPr/>
+      </p:nvGrpSpPr>
+      <p:grpSpPr>
+        <a:xfrm>
+          <a:off x="0" y="0"/>
+          <a:ext cx="0" cy="0"/>
+          <a:chOff x="0" y="0"/>
+          <a:chExt cx="0" cy="0"/>
+        </a:xfrm>
+      </p:grpSpPr>
+      <p:sp>
+        <p:nvSpPr>
+          <p:cNvPr id="5" name="內容版面配置區 4"/>
+          <p:cNvSpPr>
+            <a:spLocks noGrp="1"/>
+          </p:cNvSpPr>
+          <p:nvPr>
+            <p:ph idx="1"/>
+          </p:nvPr>
+        </p:nvSpPr>
+        <p:spPr>
+          <a:xfrm>
+            <a:off x="0" y="2084851"/>
+            <a:ext cx="12192000" cy="2404863"/>
+          </a:xfrm>
+        </p:spPr>
+        <p:txBody>
+          <a:bodyPr anchor="ctr">
+            <a:normAutofit/>
+          </a:bodyPr>
+          <a:lstStyle/>
+          <a:p>
+            <a:pPr marL="0" indent="0" algn="ctr">
+              <a:buNone/>
+            </a:pPr>
+            <a:r>
+              <a:rPr lang="zh-TW" altLang="en-US" sz="6400" b="1" dirty="0">
+                <a:solidFill>
+                  <a:srgbClr val="660033"/>
+                </a:solidFill>
+                <a:latin typeface="微軟正黑體" pitchFamily="34" charset="-120"/>
+                <a:ea typeface="微軟正黑體" pitchFamily="34" charset="-120"/>
+              </a:rPr>
+              <a:t>我願觸動</a:t>
+            </a:r>
+            <a:r>
+              <a:rPr lang="zh-CN" altLang="en-US" sz="6400" b="1" dirty="0">
+                <a:solidFill>
+                  <a:srgbClr val="660033"/>
+                </a:solidFill>
+                <a:latin typeface="微軟正黑體" pitchFamily="34" charset="-120"/>
+                <a:ea typeface="微軟正黑體" pitchFamily="34" charset="-120"/>
+              </a:rPr>
+              <a:t>袮</a:t>
+            </a:r>
+            <a:r>
+              <a:rPr lang="zh-TW" altLang="en-US" sz="6400" b="1" dirty="0">
+                <a:solidFill>
+                  <a:srgbClr val="660033"/>
+                </a:solidFill>
+                <a:latin typeface="微軟正黑體" pitchFamily="34" charset="-120"/>
+                <a:ea typeface="微軟正黑體" pitchFamily="34" charset="-120"/>
+              </a:rPr>
+              <a:t>心弦</a:t>
+            </a:r>
+            <a:endParaRPr lang="en-US" altLang="zh-TW" sz="6400" b="1" dirty="0">
+              <a:solidFill>
+                <a:srgbClr val="660033"/>
+              </a:solidFill>
+              <a:latin typeface="微軟正黑體" pitchFamily="34" charset="-120"/>
+              <a:ea typeface="微軟正黑體" pitchFamily="34" charset="-120"/>
+            </a:endParaRPr>
+          </a:p>
+          <a:p>
+            <a:pPr marL="0" indent="0" algn="ctr">
+              <a:buNone/>
+            </a:pPr>
+            <a:r>
+              <a:rPr lang="zh-TW" altLang="en-US" sz="6400" b="1" dirty="0">
+                <a:solidFill>
+                  <a:srgbClr val="660033"/>
+                </a:solidFill>
+                <a:latin typeface="微軟正黑體" pitchFamily="34" charset="-120"/>
+                <a:ea typeface="微軟正黑體" pitchFamily="34" charset="-120"/>
+              </a:rPr>
+              <a:t>全心討</a:t>
+            </a:r>
+            <a:r>
+              <a:rPr lang="zh-CN" altLang="en-US" sz="6400" b="1" dirty="0">
+                <a:solidFill>
+                  <a:srgbClr val="660033"/>
+                </a:solidFill>
+                <a:latin typeface="微軟正黑體" pitchFamily="34" charset="-120"/>
+                <a:ea typeface="微軟正黑體" pitchFamily="34" charset="-120"/>
+              </a:rPr>
+              <a:t>袮</a:t>
+            </a:r>
+            <a:r>
+              <a:rPr lang="zh-TW" altLang="en-US" sz="6400" b="1" dirty="0">
+                <a:solidFill>
+                  <a:srgbClr val="660033"/>
+                </a:solidFill>
+                <a:latin typeface="微軟正黑體" pitchFamily="34" charset="-120"/>
+                <a:ea typeface="微軟正黑體" pitchFamily="34" charset="-120"/>
+              </a:rPr>
+              <a:t>喜悅</a:t>
+            </a:r>
+            <a:endParaRPr lang="en-US" altLang="zh-TW" sz="6400" b="1" dirty="0">
+              <a:solidFill>
+                <a:srgbClr val="660033"/>
+              </a:solidFill>
+              <a:latin typeface="微軟正黑體" pitchFamily="34" charset="-120"/>
+              <a:ea typeface="微軟正黑體" pitchFamily="34" charset="-120"/>
+            </a:endParaRPr>
+          </a:p>
+        </p:txBody>
+      </p:sp>
+      <p:sp>
+        <p:nvSpPr>
+          <p:cNvPr id="3" name="TextBox 2"/>
+          <p:cNvSpPr txBox="1"/>
+          <p:nvPr/>
+        </p:nvSpPr>
+        <p:spPr>
+          <a:xfrm>
+            <a:off x="0" y="5157192"/>
+            <a:ext cx="12192000" cy="748988"/>
+          </a:xfrm>
+          <a:prstGeom prst="rect">
+            <a:avLst/>
+          </a:prstGeom>
+          <a:noFill/>
+        </p:spPr>
+        <p:txBody>
+          <a:bodyPr wrap="square" rtlCol="0">
+            <a:spAutoFit/>
+          </a:bodyPr>
+          <a:lstStyle/>
+          <a:p>
+            <a:pPr algn="ctr"/>
+            <a:r>
+              <a:rPr lang="en-US" sz="4267" b="1" dirty="0">
+                <a:solidFill>
+                  <a:srgbClr val="660033"/>
+                </a:solidFill>
+                <a:latin typeface="Microsoft JhengHei" panose="020B0604030504040204" pitchFamily="34" charset="-120"/>
+                <a:ea typeface="Microsoft JhengHei" panose="020B0604030504040204" pitchFamily="34" charset="-120"/>
+              </a:rPr>
+              <a:t>( </a:t>
+            </a:r>
+            <a:r>
+              <a:rPr lang="zh-CN" altLang="en-US" sz="4267" b="1" dirty="0">
+                <a:solidFill>
+                  <a:srgbClr val="660033"/>
+                </a:solidFill>
+                <a:latin typeface="Microsoft JhengHei" panose="020B0604030504040204" pitchFamily="34" charset="-120"/>
+                <a:ea typeface="Microsoft JhengHei" panose="020B0604030504040204" pitchFamily="34" charset="-120"/>
+              </a:rPr>
+              <a:t>副</a:t>
+            </a:r>
+            <a:r>
+              <a:rPr lang="en-US" sz="4267" b="1" dirty="0">
+                <a:solidFill>
+                  <a:srgbClr val="660033"/>
+                </a:solidFill>
+                <a:latin typeface="Microsoft JhengHei" panose="020B0604030504040204" pitchFamily="34" charset="-120"/>
+                <a:ea typeface="Microsoft JhengHei" panose="020B0604030504040204" pitchFamily="34" charset="-120"/>
+              </a:rPr>
+              <a:t> )</a:t>
+            </a:r>
+            <a:endParaRPr lang="vi-VN" sz="4267" b="1" dirty="0">
+              <a:solidFill>
+                <a:srgbClr val="660033"/>
+              </a:solidFill>
+              <a:ea typeface="Microsoft JhengHei" panose="020B0604030504040204" pitchFamily="34" charset="-120"/>
+            </a:endParaRPr>
+          </a:p>
+        </p:txBody>
+      </p:sp>
+    </p:spTree>
+    <p:extLst>
+      <p:ext uri="{BB962C8B-B14F-4D97-AF65-F5344CB8AC3E}">
+        <p14:creationId xmlns:p14="http://schemas.microsoft.com/office/powerpoint/2010/main" xmlns="" val="2620595686"/>
+      </p:ext>
+    </p:extLst>
+  </p:cSld>
+  <p:clrMapOvr>
+    <a:masterClrMapping/>
+  </p:clrMapOvr>
+  <p:timing>
+    <p:tnLst>
+      <p:par>
+        <p:cTn id="1" dur="indefinite" restart="never" nodeType="tmRoot"/>
+      </p:par>
+    </p:tnLst>
+  </p:timing>
+</p:sld>
+</file>
+
+<file path=ppt/slides/slide13.xml><?xml version="1.0" encoding="utf-8"?>
+<p:sld xmlns:a="http://schemas.openxmlformats.org/drawingml/2006/main" xmlns:r="http://schemas.openxmlformats.org/officeDocument/2006/relationships" xmlns:p="http://schemas.openxmlformats.org/presentationml/2006/main">
+  <p:cSld>
+    <p:spTree>
+      <p:nvGrpSpPr>
+        <p:cNvPr id="1" name=""/>
+        <p:cNvGrpSpPr/>
+        <p:nvPr/>
+      </p:nvGrpSpPr>
+      <p:grpSpPr>
+        <a:xfrm>
+          <a:off x="0" y="0"/>
+          <a:ext cx="0" cy="0"/>
+          <a:chOff x="0" y="0"/>
+          <a:chExt cx="0" cy="0"/>
+        </a:xfrm>
+      </p:grpSpPr>
+      <p:sp>
+        <p:nvSpPr>
+          <p:cNvPr id="5" name="內容版面配置區 4"/>
+          <p:cNvSpPr>
+            <a:spLocks noGrp="1"/>
+          </p:cNvSpPr>
+          <p:nvPr>
+            <p:ph idx="1"/>
+          </p:nvPr>
+        </p:nvSpPr>
+        <p:spPr>
+          <a:xfrm>
+            <a:off x="0" y="2084851"/>
+            <a:ext cx="12192000" cy="2404863"/>
+          </a:xfrm>
+        </p:spPr>
+        <p:txBody>
+          <a:bodyPr anchor="ctr">
+            <a:normAutofit/>
+          </a:bodyPr>
+          <a:lstStyle/>
+          <a:p>
+            <a:pPr marL="0" indent="0" algn="ctr">
+              <a:buNone/>
+            </a:pPr>
+            <a:r>
+              <a:rPr lang="zh-TW" altLang="en-US" sz="6400" b="1" dirty="0">
+                <a:solidFill>
+                  <a:srgbClr val="660033"/>
+                </a:solidFill>
+                <a:latin typeface="微軟正黑體" pitchFamily="34" charset="-120"/>
+                <a:ea typeface="微軟正黑體" pitchFamily="34" charset="-120"/>
+              </a:rPr>
+              <a:t>我主我的神  求奪我心意</a:t>
+            </a:r>
+            <a:endParaRPr lang="en-US" altLang="zh-TW" sz="6400" b="1" dirty="0">
+              <a:solidFill>
+                <a:srgbClr val="660033"/>
+              </a:solidFill>
+              <a:latin typeface="微軟正黑體" pitchFamily="34" charset="-120"/>
+              <a:ea typeface="微軟正黑體" pitchFamily="34" charset="-120"/>
+            </a:endParaRPr>
+          </a:p>
+          <a:p>
+            <a:pPr marL="0" indent="0" algn="ctr">
+              <a:buNone/>
+            </a:pPr>
+            <a:r>
+              <a:rPr lang="zh-TW" altLang="en-US" sz="6400" b="1" dirty="0">
+                <a:solidFill>
+                  <a:srgbClr val="660033"/>
+                </a:solidFill>
+                <a:latin typeface="微軟正黑體" pitchFamily="34" charset="-120"/>
+                <a:ea typeface="微軟正黑體" pitchFamily="34" charset="-120"/>
+              </a:rPr>
+              <a:t>完全屬於</a:t>
+            </a:r>
+            <a:r>
+              <a:rPr lang="zh-CN" altLang="en-US" sz="6400" b="1" dirty="0">
+                <a:solidFill>
+                  <a:srgbClr val="660033"/>
+                </a:solidFill>
+                <a:latin typeface="微軟正黑體" pitchFamily="34" charset="-120"/>
+                <a:ea typeface="微軟正黑體" pitchFamily="34" charset="-120"/>
+              </a:rPr>
+              <a:t>袮</a:t>
+            </a:r>
+            <a:endParaRPr lang="en-US" sz="6400" b="1" dirty="0">
+              <a:solidFill>
+                <a:srgbClr val="660033"/>
+              </a:solidFill>
+              <a:latin typeface="微軟正黑體" pitchFamily="34" charset="-120"/>
+              <a:ea typeface="微軟正黑體" pitchFamily="34" charset="-120"/>
+            </a:endParaRPr>
+          </a:p>
+        </p:txBody>
+      </p:sp>
+      <p:sp>
+        <p:nvSpPr>
+          <p:cNvPr id="3" name="TextBox 2"/>
+          <p:cNvSpPr txBox="1"/>
+          <p:nvPr/>
+        </p:nvSpPr>
+        <p:spPr>
+          <a:xfrm>
+            <a:off x="0" y="5157192"/>
+            <a:ext cx="12192000" cy="748988"/>
+          </a:xfrm>
+          <a:prstGeom prst="rect">
+            <a:avLst/>
+          </a:prstGeom>
+          <a:noFill/>
+        </p:spPr>
+        <p:txBody>
+          <a:bodyPr wrap="square" rtlCol="0">
+            <a:spAutoFit/>
+          </a:bodyPr>
+          <a:lstStyle/>
+          <a:p>
+            <a:pPr algn="ctr"/>
+            <a:r>
+              <a:rPr lang="en-US" sz="4267" b="1" dirty="0">
+                <a:solidFill>
+                  <a:srgbClr val="660033"/>
+                </a:solidFill>
+                <a:latin typeface="Microsoft JhengHei" panose="020B0604030504040204" pitchFamily="34" charset="-120"/>
+                <a:ea typeface="Microsoft JhengHei" panose="020B0604030504040204" pitchFamily="34" charset="-120"/>
+              </a:rPr>
+              <a:t>( </a:t>
+            </a:r>
+            <a:r>
+              <a:rPr lang="zh-CN" altLang="en-US" sz="4267" b="1" dirty="0">
+                <a:solidFill>
+                  <a:srgbClr val="660033"/>
+                </a:solidFill>
+                <a:latin typeface="Microsoft JhengHei" panose="020B0604030504040204" pitchFamily="34" charset="-120"/>
+                <a:ea typeface="Microsoft JhengHei" panose="020B0604030504040204" pitchFamily="34" charset="-120"/>
+              </a:rPr>
+              <a:t>副</a:t>
+            </a:r>
+            <a:r>
+              <a:rPr lang="en-US" sz="4267" b="1" dirty="0">
+                <a:solidFill>
+                  <a:srgbClr val="660033"/>
+                </a:solidFill>
+                <a:latin typeface="Microsoft JhengHei" panose="020B0604030504040204" pitchFamily="34" charset="-120"/>
+                <a:ea typeface="Microsoft JhengHei" panose="020B0604030504040204" pitchFamily="34" charset="-120"/>
+              </a:rPr>
+              <a:t> )</a:t>
+            </a:r>
+            <a:endParaRPr lang="vi-VN" sz="4267" b="1" dirty="0">
+              <a:solidFill>
+                <a:srgbClr val="660033"/>
+              </a:solidFill>
+              <a:ea typeface="Microsoft JhengHei" panose="020B0604030504040204" pitchFamily="34" charset="-120"/>
+            </a:endParaRPr>
+          </a:p>
+        </p:txBody>
+      </p:sp>
+    </p:spTree>
+    <p:extLst>
+      <p:ext uri="{BB962C8B-B14F-4D97-AF65-F5344CB8AC3E}">
+        <p14:creationId xmlns:p14="http://schemas.microsoft.com/office/powerpoint/2010/main" xmlns="" val="1196494994"/>
+      </p:ext>
+    </p:extLst>
+  </p:cSld>
+  <p:clrMapOvr>
+    <a:masterClrMapping/>
+  </p:clrMapOvr>
+  <p:timing>
+    <p:tnLst>
+      <p:par>
+        <p:cTn id="1" dur="indefinite" restart="never" nodeType="tmRoot"/>
+      </p:par>
+    </p:tnLst>
+  </p:timing>
+</p:sld>
+</file>
+
+<file path=ppt/slides/slide14.xml><?xml version="1.0" encoding="utf-8"?>
+<p:sld xmlns:a="http://schemas.openxmlformats.org/drawingml/2006/main" xmlns:r="http://schemas.openxmlformats.org/officeDocument/2006/relationships" xmlns:p="http://schemas.openxmlformats.org/presentationml/2006/main">
+  <p:cSld>
+    <p:spTree>
+      <p:nvGrpSpPr>
+        <p:cNvPr id="1" name=""/>
+        <p:cNvGrpSpPr/>
+        <p:nvPr/>
+      </p:nvGrpSpPr>
+      <p:grpSpPr>
+        <a:xfrm>
+          <a:off x="0" y="0"/>
+          <a:ext cx="0" cy="0"/>
+          <a:chOff x="0" y="0"/>
+          <a:chExt cx="0" cy="0"/>
+        </a:xfrm>
+      </p:grpSpPr>
+      <p:sp>
+        <p:nvSpPr>
+          <p:cNvPr id="5" name="內容版面配置區 4"/>
+          <p:cNvSpPr>
+            <a:spLocks noGrp="1"/>
+          </p:cNvSpPr>
+          <p:nvPr>
+            <p:ph idx="1"/>
+          </p:nvPr>
+        </p:nvSpPr>
+        <p:spPr>
+          <a:xfrm>
+            <a:off x="0" y="2084851"/>
+            <a:ext cx="12192000" cy="2404863"/>
+          </a:xfrm>
+        </p:spPr>
+        <p:txBody>
+          <a:bodyPr anchor="ctr">
+            <a:normAutofit/>
+          </a:bodyPr>
+          <a:lstStyle/>
+          <a:p>
+            <a:pPr marL="0" indent="0" algn="ctr">
+              <a:buNone/>
+            </a:pPr>
+            <a:r>
+              <a:rPr lang="zh-TW" altLang="en-US" sz="6400" b="1" dirty="0">
+                <a:solidFill>
+                  <a:srgbClr val="660033"/>
+                </a:solidFill>
+                <a:latin typeface="微軟正黑體" pitchFamily="34" charset="-120"/>
+                <a:ea typeface="微軟正黑體" pitchFamily="34" charset="-120"/>
+              </a:rPr>
+              <a:t>我願觸動</a:t>
+            </a:r>
+            <a:r>
+              <a:rPr lang="zh-CN" altLang="en-US" sz="6400" b="1" dirty="0">
+                <a:solidFill>
+                  <a:srgbClr val="660033"/>
+                </a:solidFill>
+                <a:latin typeface="微軟正黑體" pitchFamily="34" charset="-120"/>
+                <a:ea typeface="微軟正黑體" pitchFamily="34" charset="-120"/>
+              </a:rPr>
+              <a:t>袮</a:t>
+            </a:r>
+            <a:r>
+              <a:rPr lang="zh-TW" altLang="en-US" sz="6400" b="1" dirty="0">
+                <a:solidFill>
+                  <a:srgbClr val="660033"/>
+                </a:solidFill>
+                <a:latin typeface="微軟正黑體" pitchFamily="34" charset="-120"/>
+                <a:ea typeface="微軟正黑體" pitchFamily="34" charset="-120"/>
+              </a:rPr>
+              <a:t>心弦</a:t>
+            </a:r>
+            <a:endParaRPr lang="en-US" altLang="zh-TW" sz="6400" b="1" dirty="0">
+              <a:solidFill>
+                <a:srgbClr val="660033"/>
+              </a:solidFill>
+              <a:latin typeface="微軟正黑體" pitchFamily="34" charset="-120"/>
+              <a:ea typeface="微軟正黑體" pitchFamily="34" charset="-120"/>
+            </a:endParaRPr>
+          </a:p>
+          <a:p>
+            <a:pPr marL="0" indent="0" algn="ctr">
+              <a:buNone/>
+            </a:pPr>
+            <a:r>
+              <a:rPr lang="zh-TW" altLang="en-US" sz="6400" b="1" dirty="0">
+                <a:solidFill>
+                  <a:srgbClr val="660033"/>
+                </a:solidFill>
+                <a:latin typeface="微軟正黑體" pitchFamily="34" charset="-120"/>
+                <a:ea typeface="微軟正黑體" pitchFamily="34" charset="-120"/>
+              </a:rPr>
+              <a:t>全心討</a:t>
+            </a:r>
+            <a:r>
+              <a:rPr lang="zh-CN" altLang="en-US" sz="6400" b="1" dirty="0">
+                <a:solidFill>
+                  <a:srgbClr val="660033"/>
+                </a:solidFill>
+                <a:latin typeface="微軟正黑體" pitchFamily="34" charset="-120"/>
+                <a:ea typeface="微軟正黑體" pitchFamily="34" charset="-120"/>
+              </a:rPr>
+              <a:t>袮</a:t>
+            </a:r>
+            <a:r>
+              <a:rPr lang="zh-TW" altLang="en-US" sz="6400" b="1" dirty="0">
+                <a:solidFill>
+                  <a:srgbClr val="660033"/>
+                </a:solidFill>
+                <a:latin typeface="微軟正黑體" pitchFamily="34" charset="-120"/>
+                <a:ea typeface="微軟正黑體" pitchFamily="34" charset="-120"/>
+              </a:rPr>
+              <a:t>喜悅</a:t>
+            </a:r>
+            <a:endParaRPr lang="en-US" altLang="zh-TW" sz="6400" b="1" dirty="0">
+              <a:solidFill>
+                <a:srgbClr val="660033"/>
+              </a:solidFill>
+              <a:latin typeface="微軟正黑體" pitchFamily="34" charset="-120"/>
+              <a:ea typeface="微軟正黑體" pitchFamily="34" charset="-120"/>
+            </a:endParaRPr>
+          </a:p>
+        </p:txBody>
+      </p:sp>
+      <p:sp>
+        <p:nvSpPr>
+          <p:cNvPr id="3" name="TextBox 2"/>
+          <p:cNvSpPr txBox="1"/>
+          <p:nvPr/>
+        </p:nvSpPr>
+        <p:spPr>
+          <a:xfrm>
+            <a:off x="0" y="5157192"/>
+            <a:ext cx="12192000" cy="748988"/>
+          </a:xfrm>
+          <a:prstGeom prst="rect">
+            <a:avLst/>
+          </a:prstGeom>
+          <a:noFill/>
+        </p:spPr>
+        <p:txBody>
+          <a:bodyPr wrap="square" rtlCol="0">
+            <a:spAutoFit/>
+          </a:bodyPr>
+          <a:lstStyle/>
+          <a:p>
+            <a:pPr algn="ctr"/>
+            <a:r>
+              <a:rPr lang="en-US" sz="4267" b="1" dirty="0">
+                <a:solidFill>
+                  <a:srgbClr val="660033"/>
+                </a:solidFill>
+                <a:latin typeface="Microsoft JhengHei" panose="020B0604030504040204" pitchFamily="34" charset="-120"/>
+                <a:ea typeface="Microsoft JhengHei" panose="020B0604030504040204" pitchFamily="34" charset="-120"/>
+              </a:rPr>
+              <a:t>( </a:t>
+            </a:r>
+            <a:r>
+              <a:rPr lang="zh-CN" altLang="en-US" sz="4267" b="1" dirty="0">
+                <a:solidFill>
+                  <a:srgbClr val="660033"/>
+                </a:solidFill>
+                <a:latin typeface="Microsoft JhengHei" panose="020B0604030504040204" pitchFamily="34" charset="-120"/>
+                <a:ea typeface="Microsoft JhengHei" panose="020B0604030504040204" pitchFamily="34" charset="-120"/>
+              </a:rPr>
+              <a:t>副</a:t>
+            </a:r>
+            <a:r>
+              <a:rPr lang="en-US" sz="4267" b="1" dirty="0">
+                <a:solidFill>
+                  <a:srgbClr val="660033"/>
+                </a:solidFill>
+                <a:latin typeface="Microsoft JhengHei" panose="020B0604030504040204" pitchFamily="34" charset="-120"/>
+                <a:ea typeface="Microsoft JhengHei" panose="020B0604030504040204" pitchFamily="34" charset="-120"/>
+              </a:rPr>
+              <a:t> )</a:t>
+            </a:r>
+            <a:endParaRPr lang="vi-VN" sz="4267" b="1" dirty="0">
+              <a:solidFill>
+                <a:srgbClr val="660033"/>
+              </a:solidFill>
+              <a:ea typeface="Microsoft JhengHei" panose="020B0604030504040204" pitchFamily="34" charset="-120"/>
+            </a:endParaRPr>
+          </a:p>
+        </p:txBody>
+      </p:sp>
+    </p:spTree>
+    <p:extLst>
+      <p:ext uri="{BB962C8B-B14F-4D97-AF65-F5344CB8AC3E}">
+        <p14:creationId xmlns:p14="http://schemas.microsoft.com/office/powerpoint/2010/main" xmlns="" val="3083504435"/>
+      </p:ext>
+    </p:extLst>
+  </p:cSld>
+  <p:clrMapOvr>
+    <a:masterClrMapping/>
+  </p:clrMapOvr>
+  <p:timing>
+    <p:tnLst>
+      <p:par>
+        <p:cTn id="1" dur="indefinite" restart="never" nodeType="tmRoot"/>
+      </p:par>
+    </p:tnLst>
+  </p:timing>
+</p:sld>
+</file>
+
+<file path=ppt/slides/slide15.xml><?xml version="1.0" encoding="utf-8"?>
+<p:sld xmlns:a="http://schemas.openxmlformats.org/drawingml/2006/main" xmlns:r="http://schemas.openxmlformats.org/officeDocument/2006/relationships" xmlns:p="http://schemas.openxmlformats.org/presentationml/2006/main">
+  <p:cSld>
+    <p:spTree>
+      <p:nvGrpSpPr>
+        <p:cNvPr id="1" name=""/>
+        <p:cNvGrpSpPr/>
+        <p:nvPr/>
+      </p:nvGrpSpPr>
+      <p:grpSpPr>
+        <a:xfrm>
+          <a:off x="0" y="0"/>
+          <a:ext cx="0" cy="0"/>
+          <a:chOff x="0" y="0"/>
+          <a:chExt cx="0" cy="0"/>
+        </a:xfrm>
+      </p:grpSpPr>
+      <p:sp>
+        <p:nvSpPr>
+          <p:cNvPr id="5" name="內容版面配置區 4"/>
+          <p:cNvSpPr>
+            <a:spLocks noGrp="1"/>
+          </p:cNvSpPr>
+          <p:nvPr>
+            <p:ph idx="1"/>
+          </p:nvPr>
+        </p:nvSpPr>
+        <p:spPr>
+          <a:xfrm>
+            <a:off x="0" y="2084851"/>
+            <a:ext cx="12192000" cy="2404863"/>
+          </a:xfrm>
+        </p:spPr>
+        <p:txBody>
+          <a:bodyPr anchor="ctr">
+            <a:normAutofit/>
+          </a:bodyPr>
+          <a:lstStyle/>
+          <a:p>
+            <a:pPr marL="0" indent="0" algn="ctr">
+              <a:buNone/>
+            </a:pPr>
+            <a:r>
+              <a:rPr lang="zh-TW" altLang="en-US" sz="6400" b="1" dirty="0">
+                <a:solidFill>
+                  <a:srgbClr val="660033"/>
+                </a:solidFill>
+                <a:latin typeface="微軟正黑體" pitchFamily="34" charset="-120"/>
+                <a:ea typeface="微軟正黑體" pitchFamily="34" charset="-120"/>
+              </a:rPr>
+              <a:t>我要舉起雙手  降服於</a:t>
+            </a:r>
+            <a:r>
+              <a:rPr lang="zh-CN" altLang="en-US" sz="6400" b="1" dirty="0">
+                <a:solidFill>
+                  <a:srgbClr val="660033"/>
+                </a:solidFill>
+                <a:latin typeface="微軟正黑體" pitchFamily="34" charset="-120"/>
+                <a:ea typeface="微軟正黑體" pitchFamily="34" charset="-120"/>
+              </a:rPr>
+              <a:t>袮</a:t>
+            </a:r>
+            <a:endParaRPr lang="en-US" altLang="zh-TW" sz="6400" b="1" dirty="0">
+              <a:solidFill>
+                <a:srgbClr val="660033"/>
+              </a:solidFill>
+              <a:latin typeface="微軟正黑體" pitchFamily="34" charset="-120"/>
+              <a:ea typeface="微軟正黑體" pitchFamily="34" charset="-120"/>
+            </a:endParaRPr>
+          </a:p>
+          <a:p>
+            <a:pPr marL="0" indent="0" algn="ctr">
+              <a:buNone/>
+            </a:pPr>
+            <a:r>
+              <a:rPr lang="zh-TW" altLang="en-US" sz="6400" b="1" dirty="0">
+                <a:solidFill>
+                  <a:srgbClr val="660033"/>
+                </a:solidFill>
+                <a:latin typeface="微軟正黑體" pitchFamily="34" charset="-120"/>
+                <a:ea typeface="微軟正黑體" pitchFamily="34" charset="-120"/>
+              </a:rPr>
+              <a:t>貼近</a:t>
+            </a:r>
+            <a:r>
+              <a:rPr lang="zh-CN" altLang="en-US" sz="6400" b="1" dirty="0">
+                <a:solidFill>
+                  <a:srgbClr val="660033"/>
+                </a:solidFill>
+                <a:latin typeface="微軟正黑體" pitchFamily="34" charset="-120"/>
+                <a:ea typeface="微軟正黑體" pitchFamily="34" charset="-120"/>
+              </a:rPr>
+              <a:t>袮</a:t>
+            </a:r>
+            <a:r>
+              <a:rPr lang="zh-TW" altLang="en-US" sz="6400" b="1" dirty="0">
+                <a:solidFill>
+                  <a:srgbClr val="660033"/>
+                </a:solidFill>
+                <a:latin typeface="微軟正黑體" pitchFamily="34" charset="-120"/>
+                <a:ea typeface="微軟正黑體" pitchFamily="34" charset="-120"/>
+              </a:rPr>
+              <a:t>的胸懷</a:t>
+            </a:r>
+            <a:endParaRPr lang="en-US" sz="6400" b="1" dirty="0">
+              <a:solidFill>
+                <a:srgbClr val="660033"/>
+              </a:solidFill>
+              <a:latin typeface="微軟正黑體" pitchFamily="34" charset="-120"/>
+              <a:ea typeface="微軟正黑體" pitchFamily="34" charset="-120"/>
+            </a:endParaRPr>
+          </a:p>
+        </p:txBody>
+      </p:sp>
+      <p:sp>
+        <p:nvSpPr>
+          <p:cNvPr id="3" name="TextBox 2"/>
+          <p:cNvSpPr txBox="1"/>
+          <p:nvPr/>
+        </p:nvSpPr>
+        <p:spPr>
+          <a:xfrm>
+            <a:off x="0" y="5157192"/>
+            <a:ext cx="12192000" cy="748988"/>
+          </a:xfrm>
+          <a:prstGeom prst="rect">
+            <a:avLst/>
+          </a:prstGeom>
+          <a:noFill/>
+        </p:spPr>
+        <p:txBody>
+          <a:bodyPr wrap="square" rtlCol="0">
+            <a:spAutoFit/>
+          </a:bodyPr>
+          <a:lstStyle/>
+          <a:p>
+            <a:pPr algn="ctr"/>
+            <a:r>
+              <a:rPr lang="en-US" sz="4267" b="1" dirty="0">
+                <a:solidFill>
+                  <a:srgbClr val="660033"/>
+                </a:solidFill>
+                <a:latin typeface="Microsoft JhengHei" panose="020B0604030504040204" pitchFamily="34" charset="-120"/>
+                <a:ea typeface="Microsoft JhengHei" panose="020B0604030504040204" pitchFamily="34" charset="-120"/>
+              </a:rPr>
+              <a:t>( </a:t>
+            </a:r>
+            <a:r>
+              <a:rPr lang="zh-CN" altLang="en-US" sz="4267" b="1" dirty="0">
+                <a:solidFill>
+                  <a:srgbClr val="660033"/>
+                </a:solidFill>
+                <a:latin typeface="Microsoft JhengHei" panose="020B0604030504040204" pitchFamily="34" charset="-120"/>
+                <a:ea typeface="Microsoft JhengHei" panose="020B0604030504040204" pitchFamily="34" charset="-120"/>
+              </a:rPr>
+              <a:t>副</a:t>
+            </a:r>
+            <a:r>
+              <a:rPr lang="en-US" sz="4267" b="1" dirty="0">
+                <a:solidFill>
+                  <a:srgbClr val="660033"/>
+                </a:solidFill>
+                <a:latin typeface="Microsoft JhengHei" panose="020B0604030504040204" pitchFamily="34" charset="-120"/>
+                <a:ea typeface="Microsoft JhengHei" panose="020B0604030504040204" pitchFamily="34" charset="-120"/>
+              </a:rPr>
+              <a:t> )</a:t>
+            </a:r>
+            <a:endParaRPr lang="vi-VN" sz="4267" b="1" dirty="0">
+              <a:solidFill>
+                <a:srgbClr val="660033"/>
+              </a:solidFill>
+              <a:ea typeface="Microsoft JhengHei" panose="020B0604030504040204" pitchFamily="34" charset="-120"/>
+            </a:endParaRPr>
+          </a:p>
+        </p:txBody>
+      </p:sp>
+    </p:spTree>
+    <p:extLst>
+      <p:ext uri="{BB962C8B-B14F-4D97-AF65-F5344CB8AC3E}">
+        <p14:creationId xmlns:p14="http://schemas.microsoft.com/office/powerpoint/2010/main" xmlns="" val="4198729306"/>
+      </p:ext>
+    </p:extLst>
+  </p:cSld>
+  <p:clrMapOvr>
+    <a:masterClrMapping/>
+  </p:clrMapOvr>
+  <p:timing>
+    <p:tnLst>
+      <p:par>
+        <p:cTn id="1" dur="indefinite" restart="never" nodeType="tmRoot"/>
+      </p:par>
+    </p:tnLst>
+  </p:timing>
+</p:sld>
+</file>
+
+<file path=ppt/slides/slide16.xml><?xml version="1.0" encoding="utf-8"?>
+<p:sld xmlns:a="http://schemas.openxmlformats.org/drawingml/2006/main" xmlns:r="http://schemas.openxmlformats.org/officeDocument/2006/relationships" xmlns:p="http://schemas.openxmlformats.org/presentationml/2006/main">
+  <p:cSld>
+    <p:spTree>
+      <p:nvGrpSpPr>
+        <p:cNvPr id="1" name=""/>
+        <p:cNvGrpSpPr/>
+        <p:nvPr/>
+      </p:nvGrpSpPr>
+      <p:grpSpPr>
+        <a:xfrm>
+          <a:off x="0" y="0"/>
+          <a:ext cx="0" cy="0"/>
+          <a:chOff x="0" y="0"/>
+          <a:chExt cx="0" cy="0"/>
+        </a:xfrm>
+      </p:grpSpPr>
+      <p:sp>
+        <p:nvSpPr>
+          <p:cNvPr id="5" name="內容版面配置區 4"/>
+          <p:cNvSpPr>
+            <a:spLocks noGrp="1"/>
+          </p:cNvSpPr>
+          <p:nvPr>
+            <p:ph idx="1"/>
+          </p:nvPr>
+        </p:nvSpPr>
+        <p:spPr>
+          <a:xfrm>
+            <a:off x="0" y="2084851"/>
+            <a:ext cx="12192000" cy="2404863"/>
+          </a:xfrm>
+        </p:spPr>
+        <p:txBody>
+          <a:bodyPr anchor="ctr">
+            <a:normAutofit/>
+          </a:bodyPr>
+          <a:lstStyle/>
+          <a:p>
+            <a:pPr marL="0" indent="0" algn="ctr">
+              <a:buNone/>
+            </a:pPr>
+            <a:r>
+              <a:rPr lang="zh-TW" altLang="en-US" sz="6400" b="1" dirty="0">
+                <a:solidFill>
+                  <a:srgbClr val="660033"/>
+                </a:solidFill>
+                <a:latin typeface="微軟正黑體" pitchFamily="34" charset="-120"/>
+                <a:ea typeface="微軟正黑體" pitchFamily="34" charset="-120"/>
+              </a:rPr>
+              <a:t>我願觸動</a:t>
+            </a:r>
+            <a:r>
+              <a:rPr lang="zh-CN" altLang="en-US" sz="6400" b="1" dirty="0">
+                <a:solidFill>
+                  <a:srgbClr val="660033"/>
+                </a:solidFill>
+                <a:latin typeface="微軟正黑體" pitchFamily="34" charset="-120"/>
+                <a:ea typeface="微軟正黑體" pitchFamily="34" charset="-120"/>
+              </a:rPr>
+              <a:t>袮</a:t>
+            </a:r>
+            <a:r>
+              <a:rPr lang="zh-TW" altLang="en-US" sz="6400" b="1" dirty="0">
+                <a:solidFill>
+                  <a:srgbClr val="660033"/>
+                </a:solidFill>
+                <a:latin typeface="微軟正黑體" pitchFamily="34" charset="-120"/>
+                <a:ea typeface="微軟正黑體" pitchFamily="34" charset="-120"/>
+              </a:rPr>
+              <a:t>心弦</a:t>
+            </a:r>
+            <a:endParaRPr lang="en-US" altLang="zh-TW" sz="6400" b="1" dirty="0">
+              <a:solidFill>
+                <a:srgbClr val="660033"/>
+              </a:solidFill>
+              <a:latin typeface="微軟正黑體" pitchFamily="34" charset="-120"/>
+              <a:ea typeface="微軟正黑體" pitchFamily="34" charset="-120"/>
+            </a:endParaRPr>
+          </a:p>
+          <a:p>
+            <a:pPr marL="0" indent="0" algn="ctr">
+              <a:buNone/>
+            </a:pPr>
+            <a:r>
+              <a:rPr lang="zh-TW" altLang="en-US" sz="6400" b="1" dirty="0">
+                <a:solidFill>
+                  <a:srgbClr val="660033"/>
+                </a:solidFill>
+                <a:latin typeface="微軟正黑體" pitchFamily="34" charset="-120"/>
+                <a:ea typeface="微軟正黑體" pitchFamily="34" charset="-120"/>
+              </a:rPr>
+              <a:t>全心討</a:t>
+            </a:r>
+            <a:r>
+              <a:rPr lang="zh-CN" altLang="en-US" sz="6400" b="1" dirty="0">
+                <a:solidFill>
+                  <a:srgbClr val="660033"/>
+                </a:solidFill>
+                <a:latin typeface="微軟正黑體" pitchFamily="34" charset="-120"/>
+                <a:ea typeface="微軟正黑體" pitchFamily="34" charset="-120"/>
+              </a:rPr>
+              <a:t>袮</a:t>
+            </a:r>
+            <a:r>
+              <a:rPr lang="zh-TW" altLang="en-US" sz="6400" b="1" dirty="0">
+                <a:solidFill>
+                  <a:srgbClr val="660033"/>
+                </a:solidFill>
+                <a:latin typeface="微軟正黑體" pitchFamily="34" charset="-120"/>
+                <a:ea typeface="微軟正黑體" pitchFamily="34" charset="-120"/>
+              </a:rPr>
+              <a:t>喜悅</a:t>
+            </a:r>
+            <a:endParaRPr lang="en-US" altLang="zh-TW" sz="6400" b="1" dirty="0">
+              <a:solidFill>
+                <a:srgbClr val="660033"/>
+              </a:solidFill>
+              <a:latin typeface="微軟正黑體" pitchFamily="34" charset="-120"/>
+              <a:ea typeface="微軟正黑體" pitchFamily="34" charset="-120"/>
+            </a:endParaRPr>
+          </a:p>
+        </p:txBody>
+      </p:sp>
+      <p:sp>
+        <p:nvSpPr>
+          <p:cNvPr id="3" name="TextBox 2"/>
+          <p:cNvSpPr txBox="1"/>
+          <p:nvPr/>
+        </p:nvSpPr>
+        <p:spPr>
+          <a:xfrm>
+            <a:off x="0" y="5157192"/>
+            <a:ext cx="12192000" cy="748988"/>
+          </a:xfrm>
+          <a:prstGeom prst="rect">
+            <a:avLst/>
+          </a:prstGeom>
+          <a:noFill/>
+        </p:spPr>
+        <p:txBody>
+          <a:bodyPr wrap="square" rtlCol="0">
+            <a:spAutoFit/>
+          </a:bodyPr>
+          <a:lstStyle/>
+          <a:p>
+            <a:pPr algn="ctr"/>
+            <a:r>
+              <a:rPr lang="en-US" sz="4267" b="1" dirty="0">
+                <a:solidFill>
+                  <a:srgbClr val="660033"/>
+                </a:solidFill>
+                <a:latin typeface="Microsoft JhengHei" panose="020B0604030504040204" pitchFamily="34" charset="-120"/>
+                <a:ea typeface="Microsoft JhengHei" panose="020B0604030504040204" pitchFamily="34" charset="-120"/>
+              </a:rPr>
+              <a:t>( </a:t>
+            </a:r>
+            <a:r>
+              <a:rPr lang="zh-CN" altLang="en-US" sz="4267" b="1" dirty="0">
+                <a:solidFill>
+                  <a:srgbClr val="660033"/>
+                </a:solidFill>
+                <a:latin typeface="Microsoft JhengHei" panose="020B0604030504040204" pitchFamily="34" charset="-120"/>
+                <a:ea typeface="Microsoft JhengHei" panose="020B0604030504040204" pitchFamily="34" charset="-120"/>
+              </a:rPr>
+              <a:t>副</a:t>
+            </a:r>
+            <a:r>
+              <a:rPr lang="en-US" sz="4267" b="1" dirty="0">
+                <a:solidFill>
+                  <a:srgbClr val="660033"/>
+                </a:solidFill>
+                <a:latin typeface="Microsoft JhengHei" panose="020B0604030504040204" pitchFamily="34" charset="-120"/>
+                <a:ea typeface="Microsoft JhengHei" panose="020B0604030504040204" pitchFamily="34" charset="-120"/>
+              </a:rPr>
+              <a:t> )</a:t>
+            </a:r>
+            <a:endParaRPr lang="vi-VN" sz="4267" b="1" dirty="0">
+              <a:solidFill>
+                <a:srgbClr val="660033"/>
+              </a:solidFill>
+              <a:ea typeface="Microsoft JhengHei" panose="020B0604030504040204" pitchFamily="34" charset="-120"/>
+            </a:endParaRPr>
+          </a:p>
+        </p:txBody>
+      </p:sp>
+    </p:spTree>
+    <p:extLst>
+      <p:ext uri="{BB962C8B-B14F-4D97-AF65-F5344CB8AC3E}">
+        <p14:creationId xmlns:p14="http://schemas.microsoft.com/office/powerpoint/2010/main" xmlns="" val="2620595686"/>
+      </p:ext>
+    </p:extLst>
+  </p:cSld>
+  <p:clrMapOvr>
+    <a:masterClrMapping/>
+  </p:clrMapOvr>
+  <p:timing>
+    <p:tnLst>
+      <p:par>
+        <p:cTn id="1" dur="indefinite" restart="never" nodeType="tmRoot"/>
+      </p:par>
+    </p:tnLst>
+  </p:timing>
+</p:sld>
+</file>
+
+<file path=ppt/slides/slide17.xml><?xml version="1.0" encoding="utf-8"?>
+<p:sld xmlns:a="http://schemas.openxmlformats.org/drawingml/2006/main" xmlns:r="http://schemas.openxmlformats.org/officeDocument/2006/relationships" xmlns:p="http://schemas.openxmlformats.org/presentationml/2006/main">
+  <p:cSld>
+    <p:spTree>
+      <p:nvGrpSpPr>
+        <p:cNvPr id="1" name=""/>
+        <p:cNvGrpSpPr/>
+        <p:nvPr/>
+      </p:nvGrpSpPr>
+      <p:grpSpPr>
+        <a:xfrm>
+          <a:off x="0" y="0"/>
+          <a:ext cx="0" cy="0"/>
+          <a:chOff x="0" y="0"/>
+          <a:chExt cx="0" cy="0"/>
+        </a:xfrm>
+      </p:grpSpPr>
+      <p:sp>
+        <p:nvSpPr>
+          <p:cNvPr id="5" name="內容版面配置區 4"/>
+          <p:cNvSpPr>
+            <a:spLocks noGrp="1"/>
+          </p:cNvSpPr>
+          <p:nvPr>
+            <p:ph idx="1"/>
+          </p:nvPr>
+        </p:nvSpPr>
+        <p:spPr>
+          <a:xfrm>
+            <a:off x="0" y="2084851"/>
+            <a:ext cx="12192000" cy="2404863"/>
+          </a:xfrm>
+        </p:spPr>
+        <p:txBody>
+          <a:bodyPr anchor="ctr">
+            <a:normAutofit/>
+          </a:bodyPr>
+          <a:lstStyle/>
+          <a:p>
+            <a:pPr marL="0" indent="0" algn="ctr">
+              <a:buNone/>
+            </a:pPr>
+            <a:r>
+              <a:rPr lang="zh-TW" altLang="en-US" sz="6400" b="1" dirty="0">
+                <a:solidFill>
+                  <a:srgbClr val="660033"/>
+                </a:solidFill>
+                <a:latin typeface="微軟正黑體" pitchFamily="34" charset="-120"/>
+                <a:ea typeface="微軟正黑體" pitchFamily="34" charset="-120"/>
+              </a:rPr>
+              <a:t>我主我的神  求奪我心意</a:t>
+            </a:r>
+            <a:endParaRPr lang="en-US" altLang="zh-TW" sz="6400" b="1" dirty="0">
+              <a:solidFill>
+                <a:srgbClr val="660033"/>
+              </a:solidFill>
+              <a:latin typeface="微軟正黑體" pitchFamily="34" charset="-120"/>
+              <a:ea typeface="微軟正黑體" pitchFamily="34" charset="-120"/>
+            </a:endParaRPr>
+          </a:p>
+          <a:p>
+            <a:pPr marL="0" indent="0" algn="ctr">
+              <a:buNone/>
+            </a:pPr>
+            <a:r>
+              <a:rPr lang="zh-TW" altLang="en-US" sz="6400" b="1" dirty="0">
+                <a:solidFill>
+                  <a:srgbClr val="660033"/>
+                </a:solidFill>
+                <a:latin typeface="微軟正黑體" pitchFamily="34" charset="-120"/>
+                <a:ea typeface="微軟正黑體" pitchFamily="34" charset="-120"/>
+              </a:rPr>
+              <a:t>完全屬於</a:t>
+            </a:r>
+            <a:r>
+              <a:rPr lang="zh-CN" altLang="en-US" sz="6400" b="1" dirty="0">
+                <a:solidFill>
+                  <a:srgbClr val="660033"/>
+                </a:solidFill>
+                <a:latin typeface="微軟正黑體" pitchFamily="34" charset="-120"/>
+                <a:ea typeface="微軟正黑體" pitchFamily="34" charset="-120"/>
+              </a:rPr>
+              <a:t>袮</a:t>
+            </a:r>
+            <a:endParaRPr lang="en-US" sz="6400" b="1" dirty="0">
+              <a:solidFill>
+                <a:srgbClr val="660033"/>
+              </a:solidFill>
+              <a:latin typeface="微軟正黑體" pitchFamily="34" charset="-120"/>
+              <a:ea typeface="微軟正黑體" pitchFamily="34" charset="-120"/>
+            </a:endParaRPr>
+          </a:p>
+        </p:txBody>
+      </p:sp>
+      <p:sp>
+        <p:nvSpPr>
+          <p:cNvPr id="3" name="TextBox 2"/>
+          <p:cNvSpPr txBox="1"/>
+          <p:nvPr/>
+        </p:nvSpPr>
+        <p:spPr>
+          <a:xfrm>
+            <a:off x="0" y="5157192"/>
+            <a:ext cx="12192000" cy="748988"/>
+          </a:xfrm>
+          <a:prstGeom prst="rect">
+            <a:avLst/>
+          </a:prstGeom>
+          <a:noFill/>
+        </p:spPr>
+        <p:txBody>
+          <a:bodyPr wrap="square" rtlCol="0">
+            <a:spAutoFit/>
+          </a:bodyPr>
+          <a:lstStyle/>
+          <a:p>
+            <a:pPr algn="ctr"/>
+            <a:r>
+              <a:rPr lang="en-US" sz="4267" b="1" dirty="0">
+                <a:solidFill>
+                  <a:srgbClr val="660033"/>
+                </a:solidFill>
+                <a:latin typeface="Microsoft JhengHei" panose="020B0604030504040204" pitchFamily="34" charset="-120"/>
+                <a:ea typeface="Microsoft JhengHei" panose="020B0604030504040204" pitchFamily="34" charset="-120"/>
+              </a:rPr>
+              <a:t>( </a:t>
+            </a:r>
+            <a:r>
+              <a:rPr lang="zh-CN" altLang="en-US" sz="4267" b="1" dirty="0">
+                <a:solidFill>
+                  <a:srgbClr val="660033"/>
+                </a:solidFill>
+                <a:latin typeface="Microsoft JhengHei" panose="020B0604030504040204" pitchFamily="34" charset="-120"/>
+                <a:ea typeface="Microsoft JhengHei" panose="020B0604030504040204" pitchFamily="34" charset="-120"/>
+              </a:rPr>
+              <a:t>副</a:t>
+            </a:r>
+            <a:r>
+              <a:rPr lang="en-US" sz="4267" b="1" dirty="0">
+                <a:solidFill>
+                  <a:srgbClr val="660033"/>
+                </a:solidFill>
+                <a:latin typeface="Microsoft JhengHei" panose="020B0604030504040204" pitchFamily="34" charset="-120"/>
+                <a:ea typeface="Microsoft JhengHei" panose="020B0604030504040204" pitchFamily="34" charset="-120"/>
+              </a:rPr>
+              <a:t> )</a:t>
+            </a:r>
+            <a:endParaRPr lang="vi-VN" sz="4267" b="1" dirty="0">
+              <a:solidFill>
+                <a:srgbClr val="660033"/>
+              </a:solidFill>
+              <a:ea typeface="Microsoft JhengHei" panose="020B0604030504040204" pitchFamily="34" charset="-120"/>
+            </a:endParaRPr>
+          </a:p>
+        </p:txBody>
+      </p:sp>
+    </p:spTree>
+    <p:extLst>
+      <p:ext uri="{BB962C8B-B14F-4D97-AF65-F5344CB8AC3E}">
+        <p14:creationId xmlns:p14="http://schemas.microsoft.com/office/powerpoint/2010/main" xmlns="" val="1196494994"/>
+      </p:ext>
+    </p:extLst>
+  </p:cSld>
+  <p:clrMapOvr>
+    <a:masterClrMapping/>
+  </p:clrMapOvr>
+  <p:timing>
+    <p:tnLst>
+      <p:par>
+        <p:cTn id="1" dur="indefinite" restart="never" nodeType="tmRoot"/>
+      </p:par>
+    </p:tnLst>
+  </p:timing>
+</p:sld>
+</file>
+
+<file path=ppt/slides/slide18.xml><?xml version="1.0" encoding="utf-8"?>
+<p:sld xmlns:a="http://schemas.openxmlformats.org/drawingml/2006/main" xmlns:r="http://schemas.openxmlformats.org/officeDocument/2006/relationships" xmlns:p="http://schemas.openxmlformats.org/presentationml/2006/main">
+  <p:cSld>
+    <p:spTree>
+      <p:nvGrpSpPr>
+        <p:cNvPr id="1" name=""/>
+        <p:cNvGrpSpPr/>
+        <p:nvPr/>
+      </p:nvGrpSpPr>
+      <p:grpSpPr>
+        <a:xfrm>
+          <a:off x="0" y="0"/>
+          <a:ext cx="0" cy="0"/>
+          <a:chOff x="0" y="0"/>
+          <a:chExt cx="0" cy="0"/>
+        </a:xfrm>
+      </p:grpSpPr>
+      <p:sp>
+        <p:nvSpPr>
+          <p:cNvPr id="5" name="內容版面配置區 4"/>
+          <p:cNvSpPr>
+            <a:spLocks noGrp="1"/>
+          </p:cNvSpPr>
+          <p:nvPr>
+            <p:ph idx="1"/>
+          </p:nvPr>
+        </p:nvSpPr>
+        <p:spPr>
+          <a:xfrm>
+            <a:off x="0" y="2084851"/>
+            <a:ext cx="12192000" cy="2404863"/>
+          </a:xfrm>
+        </p:spPr>
+        <p:txBody>
+          <a:bodyPr anchor="ctr">
+            <a:normAutofit/>
+          </a:bodyPr>
+          <a:lstStyle/>
+          <a:p>
+            <a:pPr marL="0" indent="0" algn="ctr">
+              <a:buNone/>
+            </a:pPr>
+            <a:r>
+              <a:rPr lang="zh-TW" altLang="en-US" sz="6400" b="1" dirty="0">
+                <a:solidFill>
+                  <a:srgbClr val="660033"/>
+                </a:solidFill>
+                <a:latin typeface="微軟正黑體" pitchFamily="34" charset="-120"/>
+                <a:ea typeface="微軟正黑體" pitchFamily="34" charset="-120"/>
+              </a:rPr>
+              <a:t>我願觸動</a:t>
+            </a:r>
+            <a:r>
+              <a:rPr lang="zh-CN" altLang="en-US" sz="6400" b="1" dirty="0">
+                <a:solidFill>
+                  <a:srgbClr val="660033"/>
+                </a:solidFill>
+                <a:latin typeface="微軟正黑體" pitchFamily="34" charset="-120"/>
+                <a:ea typeface="微軟正黑體" pitchFamily="34" charset="-120"/>
+              </a:rPr>
+              <a:t>袮</a:t>
+            </a:r>
+            <a:r>
+              <a:rPr lang="zh-TW" altLang="en-US" sz="6400" b="1" dirty="0">
+                <a:solidFill>
+                  <a:srgbClr val="660033"/>
+                </a:solidFill>
+                <a:latin typeface="微軟正黑體" pitchFamily="34" charset="-120"/>
+                <a:ea typeface="微軟正黑體" pitchFamily="34" charset="-120"/>
+              </a:rPr>
+              <a:t>心弦</a:t>
+            </a:r>
+            <a:endParaRPr lang="en-US" altLang="zh-TW" sz="6400" b="1" dirty="0">
+              <a:solidFill>
+                <a:srgbClr val="660033"/>
+              </a:solidFill>
+              <a:latin typeface="微軟正黑體" pitchFamily="34" charset="-120"/>
+              <a:ea typeface="微軟正黑體" pitchFamily="34" charset="-120"/>
+            </a:endParaRPr>
+          </a:p>
+          <a:p>
+            <a:pPr marL="0" indent="0" algn="ctr">
+              <a:buNone/>
+            </a:pPr>
+            <a:r>
+              <a:rPr lang="zh-TW" altLang="en-US" sz="6400" b="1" dirty="0">
+                <a:solidFill>
+                  <a:srgbClr val="660033"/>
+                </a:solidFill>
+                <a:latin typeface="微軟正黑體" pitchFamily="34" charset="-120"/>
+                <a:ea typeface="微軟正黑體" pitchFamily="34" charset="-120"/>
+              </a:rPr>
+              <a:t>全心討</a:t>
+            </a:r>
+            <a:r>
+              <a:rPr lang="zh-CN" altLang="en-US" sz="6400" b="1" dirty="0">
+                <a:solidFill>
+                  <a:srgbClr val="660033"/>
+                </a:solidFill>
+                <a:latin typeface="微軟正黑體" pitchFamily="34" charset="-120"/>
+                <a:ea typeface="微軟正黑體" pitchFamily="34" charset="-120"/>
+              </a:rPr>
+              <a:t>袮</a:t>
+            </a:r>
+            <a:r>
+              <a:rPr lang="zh-TW" altLang="en-US" sz="6400" b="1" dirty="0">
+                <a:solidFill>
+                  <a:srgbClr val="660033"/>
+                </a:solidFill>
+                <a:latin typeface="微軟正黑體" pitchFamily="34" charset="-120"/>
+                <a:ea typeface="微軟正黑體" pitchFamily="34" charset="-120"/>
+              </a:rPr>
+              <a:t>喜悅</a:t>
+            </a:r>
+            <a:endParaRPr lang="en-US" altLang="zh-TW" sz="6400" b="1" dirty="0">
+              <a:solidFill>
+                <a:srgbClr val="660033"/>
+              </a:solidFill>
+              <a:latin typeface="微軟正黑體" pitchFamily="34" charset="-120"/>
+              <a:ea typeface="微軟正黑體" pitchFamily="34" charset="-120"/>
+            </a:endParaRPr>
+          </a:p>
+        </p:txBody>
+      </p:sp>
+      <p:sp>
+        <p:nvSpPr>
+          <p:cNvPr id="3" name="TextBox 2"/>
+          <p:cNvSpPr txBox="1"/>
+          <p:nvPr/>
+        </p:nvSpPr>
+        <p:spPr>
+          <a:xfrm>
+            <a:off x="0" y="5157192"/>
+            <a:ext cx="12192000" cy="748988"/>
+          </a:xfrm>
+          <a:prstGeom prst="rect">
+            <a:avLst/>
+          </a:prstGeom>
+          <a:noFill/>
+        </p:spPr>
+        <p:txBody>
+          <a:bodyPr wrap="square" rtlCol="0">
+            <a:spAutoFit/>
+          </a:bodyPr>
+          <a:lstStyle/>
+          <a:p>
+            <a:pPr algn="ctr"/>
+            <a:r>
+              <a:rPr lang="en-US" sz="4267" b="1" dirty="0">
+                <a:solidFill>
+                  <a:srgbClr val="660033"/>
+                </a:solidFill>
+                <a:latin typeface="Microsoft JhengHei" panose="020B0604030504040204" pitchFamily="34" charset="-120"/>
+                <a:ea typeface="Microsoft JhengHei" panose="020B0604030504040204" pitchFamily="34" charset="-120"/>
+              </a:rPr>
+              <a:t>( </a:t>
+            </a:r>
+            <a:r>
+              <a:rPr lang="zh-CN" altLang="en-US" sz="4267" b="1" dirty="0">
+                <a:solidFill>
+                  <a:srgbClr val="660033"/>
+                </a:solidFill>
+                <a:latin typeface="Microsoft JhengHei" panose="020B0604030504040204" pitchFamily="34" charset="-120"/>
+                <a:ea typeface="Microsoft JhengHei" panose="020B0604030504040204" pitchFamily="34" charset="-120"/>
+              </a:rPr>
+              <a:t>副</a:t>
+            </a:r>
+            <a:r>
+              <a:rPr lang="en-US" sz="4267" b="1" dirty="0">
+                <a:solidFill>
+                  <a:srgbClr val="660033"/>
+                </a:solidFill>
+                <a:latin typeface="Microsoft JhengHei" panose="020B0604030504040204" pitchFamily="34" charset="-120"/>
+                <a:ea typeface="Microsoft JhengHei" panose="020B0604030504040204" pitchFamily="34" charset="-120"/>
+              </a:rPr>
+              <a:t> )</a:t>
+            </a:r>
+            <a:endParaRPr lang="vi-VN" sz="4267" b="1" dirty="0">
+              <a:solidFill>
+                <a:srgbClr val="660033"/>
+              </a:solidFill>
+              <a:ea typeface="Microsoft JhengHei" panose="020B0604030504040204" pitchFamily="34" charset="-120"/>
+            </a:endParaRPr>
+          </a:p>
+        </p:txBody>
+      </p:sp>
+    </p:spTree>
+    <p:extLst>
+      <p:ext uri="{BB962C8B-B14F-4D97-AF65-F5344CB8AC3E}">
+        <p14:creationId xmlns:p14="http://schemas.microsoft.com/office/powerpoint/2010/main" xmlns="" val="3083504435"/>
+      </p:ext>
+    </p:extLst>
+  </p:cSld>
+  <p:clrMapOvr>
+    <a:masterClrMapping/>
+  </p:clrMapOvr>
+  <p:timing>
+    <p:tnLst>
+      <p:par>
+        <p:cTn id="1" dur="indefinite" restart="never" nodeType="tmRoot"/>
+      </p:par>
+    </p:tnLst>
+  </p:timing>
+</p:sld>
+</file>
+
+<file path=ppt/slides/slide19.xml><?xml version="1.0" encoding="utf-8"?>
+<p:sld xmlns:a="http://schemas.openxmlformats.org/drawingml/2006/main" xmlns:r="http://schemas.openxmlformats.org/officeDocument/2006/relationships" xmlns:p="http://schemas.openxmlformats.org/presentationml/2006/main">
+  <p:cSld>
+    <p:spTree>
+      <p:nvGrpSpPr>
+        <p:cNvPr id="1" name=""/>
+        <p:cNvGrpSpPr/>
+        <p:nvPr/>
+      </p:nvGrpSpPr>
+      <p:grpSpPr>
+        <a:xfrm>
+          <a:off x="0" y="0"/>
+          <a:ext cx="0" cy="0"/>
+          <a:chOff x="0" y="0"/>
+          <a:chExt cx="0" cy="0"/>
+        </a:xfrm>
+      </p:grpSpPr>
+      <p:sp>
+        <p:nvSpPr>
+          <p:cNvPr id="5" name="內容版面配置區 4"/>
+          <p:cNvSpPr>
+            <a:spLocks noGrp="1"/>
+          </p:cNvSpPr>
+          <p:nvPr>
+            <p:ph idx="1"/>
+          </p:nvPr>
+        </p:nvSpPr>
+        <p:spPr>
+          <a:xfrm>
+            <a:off x="0" y="2084851"/>
+            <a:ext cx="12192000" cy="2404863"/>
+          </a:xfrm>
+        </p:spPr>
+        <p:txBody>
+          <a:bodyPr anchor="ctr">
+            <a:normAutofit/>
+          </a:bodyPr>
+          <a:lstStyle/>
+          <a:p>
+            <a:pPr marL="0" indent="0" algn="ctr">
+              <a:buNone/>
+            </a:pPr>
+            <a:r>
+              <a:rPr lang="zh-TW" altLang="en-US" sz="6400" b="1" dirty="0">
+                <a:solidFill>
+                  <a:srgbClr val="660033"/>
+                </a:solidFill>
+                <a:latin typeface="微軟正黑體" pitchFamily="34" charset="-120"/>
+                <a:ea typeface="微軟正黑體" pitchFamily="34" charset="-120"/>
+              </a:rPr>
+              <a:t>我要舉起雙手  降服於</a:t>
+            </a:r>
+            <a:r>
+              <a:rPr lang="zh-CN" altLang="en-US" sz="6400" b="1" dirty="0">
+                <a:solidFill>
+                  <a:srgbClr val="660033"/>
+                </a:solidFill>
+                <a:latin typeface="微軟正黑體" pitchFamily="34" charset="-120"/>
+                <a:ea typeface="微軟正黑體" pitchFamily="34" charset="-120"/>
+              </a:rPr>
+              <a:t>袮</a:t>
+            </a:r>
+            <a:endParaRPr lang="en-US" altLang="zh-TW" sz="6400" b="1" dirty="0">
+              <a:solidFill>
+                <a:srgbClr val="660033"/>
+              </a:solidFill>
+              <a:latin typeface="微軟正黑體" pitchFamily="34" charset="-120"/>
+              <a:ea typeface="微軟正黑體" pitchFamily="34" charset="-120"/>
+            </a:endParaRPr>
+          </a:p>
+          <a:p>
+            <a:pPr marL="0" indent="0" algn="ctr">
+              <a:buNone/>
+            </a:pPr>
+            <a:r>
+              <a:rPr lang="zh-TW" altLang="en-US" sz="6400" b="1" dirty="0">
+                <a:solidFill>
+                  <a:srgbClr val="660033"/>
+                </a:solidFill>
+                <a:latin typeface="微軟正黑體" pitchFamily="34" charset="-120"/>
+                <a:ea typeface="微軟正黑體" pitchFamily="34" charset="-120"/>
+              </a:rPr>
+              <a:t>貼近</a:t>
+            </a:r>
+            <a:r>
+              <a:rPr lang="zh-CN" altLang="en-US" sz="6400" b="1" dirty="0">
+                <a:solidFill>
+                  <a:srgbClr val="660033"/>
+                </a:solidFill>
+                <a:latin typeface="微軟正黑體" pitchFamily="34" charset="-120"/>
+                <a:ea typeface="微軟正黑體" pitchFamily="34" charset="-120"/>
+              </a:rPr>
+              <a:t>袮</a:t>
+            </a:r>
+            <a:r>
+              <a:rPr lang="zh-TW" altLang="en-US" sz="6400" b="1" dirty="0">
+                <a:solidFill>
+                  <a:srgbClr val="660033"/>
+                </a:solidFill>
+                <a:latin typeface="微軟正黑體" pitchFamily="34" charset="-120"/>
+                <a:ea typeface="微軟正黑體" pitchFamily="34" charset="-120"/>
+              </a:rPr>
+              <a:t>的胸懷</a:t>
+            </a:r>
+            <a:endParaRPr lang="en-US" sz="6400" b="1" dirty="0">
+              <a:solidFill>
+                <a:srgbClr val="660033"/>
+              </a:solidFill>
+              <a:latin typeface="微軟正黑體" pitchFamily="34" charset="-120"/>
+              <a:ea typeface="微軟正黑體" pitchFamily="34" charset="-120"/>
+            </a:endParaRPr>
+          </a:p>
+        </p:txBody>
+      </p:sp>
+      <p:sp>
+        <p:nvSpPr>
+          <p:cNvPr id="3" name="TextBox 2"/>
+          <p:cNvSpPr txBox="1"/>
+          <p:nvPr/>
+        </p:nvSpPr>
+        <p:spPr>
+          <a:xfrm>
+            <a:off x="0" y="5157192"/>
+            <a:ext cx="12192000" cy="748988"/>
+          </a:xfrm>
+          <a:prstGeom prst="rect">
+            <a:avLst/>
+          </a:prstGeom>
+          <a:noFill/>
+        </p:spPr>
+        <p:txBody>
+          <a:bodyPr wrap="square" rtlCol="0">
+            <a:spAutoFit/>
+          </a:bodyPr>
+          <a:lstStyle/>
+          <a:p>
+            <a:pPr algn="ctr"/>
+            <a:r>
+              <a:rPr lang="en-US" sz="4267" b="1" dirty="0">
+                <a:solidFill>
+                  <a:srgbClr val="660033"/>
+                </a:solidFill>
+                <a:latin typeface="Microsoft JhengHei" panose="020B0604030504040204" pitchFamily="34" charset="-120"/>
+                <a:ea typeface="Microsoft JhengHei" panose="020B0604030504040204" pitchFamily="34" charset="-120"/>
+              </a:rPr>
+              <a:t>( </a:t>
+            </a:r>
+            <a:r>
+              <a:rPr lang="zh-CN" altLang="en-US" sz="4267" b="1" dirty="0">
+                <a:solidFill>
+                  <a:srgbClr val="660033"/>
+                </a:solidFill>
+                <a:latin typeface="Microsoft JhengHei" panose="020B0604030504040204" pitchFamily="34" charset="-120"/>
+                <a:ea typeface="Microsoft JhengHei" panose="020B0604030504040204" pitchFamily="34" charset="-120"/>
+              </a:rPr>
+              <a:t>副</a:t>
+            </a:r>
+            <a:r>
+              <a:rPr lang="en-US" sz="4267" b="1" dirty="0">
+                <a:solidFill>
+                  <a:srgbClr val="660033"/>
+                </a:solidFill>
+                <a:latin typeface="Microsoft JhengHei" panose="020B0604030504040204" pitchFamily="34" charset="-120"/>
+                <a:ea typeface="Microsoft JhengHei" panose="020B0604030504040204" pitchFamily="34" charset="-120"/>
+              </a:rPr>
+              <a:t> )</a:t>
+            </a:r>
+            <a:endParaRPr lang="vi-VN" sz="4267" b="1" dirty="0">
+              <a:solidFill>
+                <a:srgbClr val="660033"/>
+              </a:solidFill>
+              <a:ea typeface="Microsoft JhengHei" panose="020B0604030504040204" pitchFamily="34" charset="-120"/>
+            </a:endParaRPr>
+          </a:p>
+        </p:txBody>
+      </p:sp>
+    </p:spTree>
+    <p:extLst>
+      <p:ext uri="{BB962C8B-B14F-4D97-AF65-F5344CB8AC3E}">
+        <p14:creationId xmlns:p14="http://schemas.microsoft.com/office/powerpoint/2010/main" xmlns="" val="4198729306"/>
+      </p:ext>
+    </p:extLst>
+  </p:cSld>
+  <p:clrMapOvr>
+    <a:masterClrMapping/>
+  </p:clrMapOvr>
+  <p:timing>
+    <p:tnLst>
+      <p:par>
+        <p:cTn id="1" dur="indefinite" restart="never" nodeType="tmRoot"/>
+      </p:par>
+    </p:tnLst>
+  </p:timing>
 </p:sld>
 </file>
 
@@ -3306,17 +5280,7 @@
                 <a:latin typeface="微軟正黑體" pitchFamily="34" charset="-120"/>
                 <a:ea typeface="微軟正黑體" pitchFamily="34" charset="-120"/>
               </a:rPr>
-              <a:t>每</a:t>
-            </a:r>
-            <a:r>
-              <a:rPr lang="zh-TW" altLang="en-US" sz="6400" b="1" dirty="0">
-                <a:solidFill>
-                  <a:srgbClr val="660033"/>
-                </a:solidFill>
-                <a:latin typeface="微軟正黑體" pitchFamily="34" charset="-120"/>
-                <a:ea typeface="微軟正黑體" pitchFamily="34" charset="-120"/>
-              </a:rPr>
-              <a:t>當我來到主</a:t>
+              <a:t>每當我來到主</a:t>
             </a:r>
             <a:r>
               <a:rPr lang="zh-CN" altLang="en-US" sz="6400" b="1" dirty="0">
@@ -3455,13 +5419,402 @@
     </p:spTree>
     <p:extLst>
       <p:ext uri="{BB962C8B-B14F-4D97-AF65-F5344CB8AC3E}">
-        <p14:creationId xmlns:p14="http://schemas.microsoft.com/office/powerpoint/2010/main" val="779153319"/>
+        <p14:creationId xmlns:p14="http://schemas.microsoft.com/office/powerpoint/2010/main" xmlns="" val="779153319"/>
       </p:ext>
     </p:extLst>
   </p:cSld>
   <p:clrMapOvr>
     <a:masterClrMapping/>
   </p:clrMapOvr>
+  <p:timing>
+    <p:tnLst>
+      <p:par>
+        <p:cTn id="1" dur="indefinite" restart="never" nodeType="tmRoot"/>
+      </p:par>
+    </p:tnLst>
+  </p:timing>
+</p:sld>
+</file>
+
+<file path=ppt/slides/slide20.xml><?xml version="1.0" encoding="utf-8"?>
+<p:sld xmlns:a="http://schemas.openxmlformats.org/drawingml/2006/main" xmlns:r="http://schemas.openxmlformats.org/officeDocument/2006/relationships" xmlns:p="http://schemas.openxmlformats.org/presentationml/2006/main">
+  <p:cSld>
+    <p:spTree>
+      <p:nvGrpSpPr>
+        <p:cNvPr id="1" name=""/>
+        <p:cNvGrpSpPr/>
+        <p:nvPr/>
+      </p:nvGrpSpPr>
+      <p:grpSpPr>
+        <a:xfrm>
+          <a:off x="0" y="0"/>
+          <a:ext cx="0" cy="0"/>
+          <a:chOff x="0" y="0"/>
+          <a:chExt cx="0" cy="0"/>
+        </a:xfrm>
+      </p:grpSpPr>
+      <p:sp>
+        <p:nvSpPr>
+          <p:cNvPr id="5" name="內容版面配置區 4"/>
+          <p:cNvSpPr>
+            <a:spLocks noGrp="1"/>
+          </p:cNvSpPr>
+          <p:nvPr>
+            <p:ph idx="1"/>
+          </p:nvPr>
+        </p:nvSpPr>
+        <p:spPr>
+          <a:xfrm>
+            <a:off x="0" y="2084851"/>
+            <a:ext cx="12192000" cy="2404863"/>
+          </a:xfrm>
+        </p:spPr>
+        <p:txBody>
+          <a:bodyPr anchor="ctr">
+            <a:normAutofit/>
+          </a:bodyPr>
+          <a:lstStyle/>
+          <a:p>
+            <a:pPr marL="0" indent="0" algn="ctr">
+              <a:buNone/>
+            </a:pPr>
+            <a:r>
+              <a:rPr lang="zh-TW" altLang="en-US" sz="6400" b="1" dirty="0">
+                <a:solidFill>
+                  <a:srgbClr val="660033"/>
+                </a:solidFill>
+                <a:latin typeface="微軟正黑體" pitchFamily="34" charset="-120"/>
+                <a:ea typeface="微軟正黑體" pitchFamily="34" charset="-120"/>
+              </a:rPr>
+              <a:t>我願觸動</a:t>
+            </a:r>
+            <a:r>
+              <a:rPr lang="zh-CN" altLang="en-US" sz="6400" b="1" dirty="0">
+                <a:solidFill>
+                  <a:srgbClr val="660033"/>
+                </a:solidFill>
+                <a:latin typeface="微軟正黑體" pitchFamily="34" charset="-120"/>
+                <a:ea typeface="微軟正黑體" pitchFamily="34" charset="-120"/>
+              </a:rPr>
+              <a:t>袮</a:t>
+            </a:r>
+            <a:r>
+              <a:rPr lang="zh-TW" altLang="en-US" sz="6400" b="1" dirty="0">
+                <a:solidFill>
+                  <a:srgbClr val="660033"/>
+                </a:solidFill>
+                <a:latin typeface="微軟正黑體" pitchFamily="34" charset="-120"/>
+                <a:ea typeface="微軟正黑體" pitchFamily="34" charset="-120"/>
+              </a:rPr>
+              <a:t>心弦</a:t>
+            </a:r>
+            <a:endParaRPr lang="en-US" altLang="zh-TW" sz="6400" b="1" dirty="0">
+              <a:solidFill>
+                <a:srgbClr val="660033"/>
+              </a:solidFill>
+              <a:latin typeface="微軟正黑體" pitchFamily="34" charset="-120"/>
+              <a:ea typeface="微軟正黑體" pitchFamily="34" charset="-120"/>
+            </a:endParaRPr>
+          </a:p>
+          <a:p>
+            <a:pPr marL="0" indent="0" algn="ctr">
+              <a:buNone/>
+            </a:pPr>
+            <a:r>
+              <a:rPr lang="zh-TW" altLang="en-US" sz="6400" b="1" dirty="0">
+                <a:solidFill>
+                  <a:srgbClr val="660033"/>
+                </a:solidFill>
+                <a:latin typeface="微軟正黑體" pitchFamily="34" charset="-120"/>
+                <a:ea typeface="微軟正黑體" pitchFamily="34" charset="-120"/>
+              </a:rPr>
+              <a:t>全心討</a:t>
+            </a:r>
+            <a:r>
+              <a:rPr lang="zh-CN" altLang="en-US" sz="6400" b="1" dirty="0">
+                <a:solidFill>
+                  <a:srgbClr val="660033"/>
+                </a:solidFill>
+                <a:latin typeface="微軟正黑體" pitchFamily="34" charset="-120"/>
+                <a:ea typeface="微軟正黑體" pitchFamily="34" charset="-120"/>
+              </a:rPr>
+              <a:t>袮</a:t>
+            </a:r>
+            <a:r>
+              <a:rPr lang="zh-TW" altLang="en-US" sz="6400" b="1" dirty="0">
+                <a:solidFill>
+                  <a:srgbClr val="660033"/>
+                </a:solidFill>
+                <a:latin typeface="微軟正黑體" pitchFamily="34" charset="-120"/>
+                <a:ea typeface="微軟正黑體" pitchFamily="34" charset="-120"/>
+              </a:rPr>
+              <a:t>喜悅</a:t>
+            </a:r>
+            <a:endParaRPr lang="en-US" altLang="zh-TW" sz="6400" b="1" dirty="0">
+              <a:solidFill>
+                <a:srgbClr val="660033"/>
+              </a:solidFill>
+              <a:latin typeface="微軟正黑體" pitchFamily="34" charset="-120"/>
+              <a:ea typeface="微軟正黑體" pitchFamily="34" charset="-120"/>
+            </a:endParaRPr>
+          </a:p>
+        </p:txBody>
+      </p:sp>
+      <p:sp>
+        <p:nvSpPr>
+          <p:cNvPr id="3" name="TextBox 2"/>
+          <p:cNvSpPr txBox="1"/>
+          <p:nvPr/>
+        </p:nvSpPr>
+        <p:spPr>
+          <a:xfrm>
+            <a:off x="0" y="5157192"/>
+            <a:ext cx="12192000" cy="748988"/>
+          </a:xfrm>
+          <a:prstGeom prst="rect">
+            <a:avLst/>
+          </a:prstGeom>
+          <a:noFill/>
+        </p:spPr>
+        <p:txBody>
+          <a:bodyPr wrap="square" rtlCol="0">
+            <a:spAutoFit/>
+          </a:bodyPr>
+          <a:lstStyle/>
+          <a:p>
+            <a:pPr algn="ctr"/>
+            <a:r>
+              <a:rPr lang="en-US" sz="4267" b="1" dirty="0">
+                <a:solidFill>
+                  <a:srgbClr val="660033"/>
+                </a:solidFill>
+                <a:latin typeface="Microsoft JhengHei" panose="020B0604030504040204" pitchFamily="34" charset="-120"/>
+                <a:ea typeface="Microsoft JhengHei" panose="020B0604030504040204" pitchFamily="34" charset="-120"/>
+              </a:rPr>
+              <a:t>( </a:t>
+            </a:r>
+            <a:r>
+              <a:rPr lang="zh-CN" altLang="en-US" sz="4267" b="1" dirty="0">
+                <a:solidFill>
+                  <a:srgbClr val="660033"/>
+                </a:solidFill>
+                <a:latin typeface="Microsoft JhengHei" panose="020B0604030504040204" pitchFamily="34" charset="-120"/>
+                <a:ea typeface="Microsoft JhengHei" panose="020B0604030504040204" pitchFamily="34" charset="-120"/>
+              </a:rPr>
+              <a:t>副</a:t>
+            </a:r>
+            <a:r>
+              <a:rPr lang="en-US" sz="4267" b="1" dirty="0">
+                <a:solidFill>
+                  <a:srgbClr val="660033"/>
+                </a:solidFill>
+                <a:latin typeface="Microsoft JhengHei" panose="020B0604030504040204" pitchFamily="34" charset="-120"/>
+                <a:ea typeface="Microsoft JhengHei" panose="020B0604030504040204" pitchFamily="34" charset="-120"/>
+              </a:rPr>
+              <a:t> )</a:t>
+            </a:r>
+            <a:endParaRPr lang="vi-VN" sz="4267" b="1" dirty="0">
+              <a:solidFill>
+                <a:srgbClr val="660033"/>
+              </a:solidFill>
+              <a:ea typeface="Microsoft JhengHei" panose="020B0604030504040204" pitchFamily="34" charset="-120"/>
+            </a:endParaRPr>
+          </a:p>
+        </p:txBody>
+      </p:sp>
+    </p:spTree>
+    <p:extLst>
+      <p:ext uri="{BB962C8B-B14F-4D97-AF65-F5344CB8AC3E}">
+        <p14:creationId xmlns:p14="http://schemas.microsoft.com/office/powerpoint/2010/main" xmlns="" val="2620595686"/>
+      </p:ext>
+    </p:extLst>
+  </p:cSld>
+  <p:clrMapOvr>
+    <a:masterClrMapping/>
+  </p:clrMapOvr>
+  <p:timing>
+    <p:tnLst>
+      <p:par>
+        <p:cTn id="1" dur="indefinite" restart="never" nodeType="tmRoot"/>
+      </p:par>
+    </p:tnLst>
+  </p:timing>
+</p:sld>
+</file>
+
+<file path=ppt/slides/slide21.xml><?xml version="1.0" encoding="utf-8"?>
+<p:sld xmlns:a="http://schemas.openxmlformats.org/drawingml/2006/main" xmlns:r="http://schemas.openxmlformats.org/officeDocument/2006/relationships" xmlns:p="http://schemas.openxmlformats.org/presentationml/2006/main">
+  <p:cSld>
+    <p:spTree>
+      <p:nvGrpSpPr>
+        <p:cNvPr id="1" name=""/>
+        <p:cNvGrpSpPr/>
+        <p:nvPr/>
+      </p:nvGrpSpPr>
+      <p:grpSpPr>
+        <a:xfrm>
+          <a:off x="0" y="0"/>
+          <a:ext cx="0" cy="0"/>
+          <a:chOff x="0" y="0"/>
+          <a:chExt cx="0" cy="0"/>
+        </a:xfrm>
+      </p:grpSpPr>
+      <p:sp>
+        <p:nvSpPr>
+          <p:cNvPr id="5" name="內容版面配置區 4"/>
+          <p:cNvSpPr>
+            <a:spLocks noGrp="1"/>
+          </p:cNvSpPr>
+          <p:nvPr>
+            <p:ph idx="1"/>
+          </p:nvPr>
+        </p:nvSpPr>
+        <p:spPr>
+          <a:xfrm>
+            <a:off x="0" y="2084851"/>
+            <a:ext cx="12192000" cy="2404863"/>
+          </a:xfrm>
+        </p:spPr>
+        <p:txBody>
+          <a:bodyPr anchor="ctr">
+            <a:normAutofit/>
+          </a:bodyPr>
+          <a:lstStyle/>
+          <a:p>
+            <a:pPr marL="0" indent="0" algn="ctr">
+              <a:buNone/>
+            </a:pPr>
+            <a:r>
+              <a:rPr lang="zh-TW" altLang="en-US" sz="6400" b="1" dirty="0">
+                <a:solidFill>
+                  <a:srgbClr val="660033"/>
+                </a:solidFill>
+                <a:latin typeface="微軟正黑體" pitchFamily="34" charset="-120"/>
+                <a:ea typeface="微軟正黑體" pitchFamily="34" charset="-120"/>
+              </a:rPr>
+              <a:t>我主我的神  求奪我心意</a:t>
+            </a:r>
+            <a:endParaRPr lang="en-US" altLang="zh-TW" sz="6400" b="1" dirty="0">
+              <a:solidFill>
+                <a:srgbClr val="660033"/>
+              </a:solidFill>
+              <a:latin typeface="微軟正黑體" pitchFamily="34" charset="-120"/>
+              <a:ea typeface="微軟正黑體" pitchFamily="34" charset="-120"/>
+            </a:endParaRPr>
+          </a:p>
+          <a:p>
+            <a:pPr marL="0" indent="0" algn="ctr">
+              <a:buNone/>
+            </a:pPr>
+            <a:r>
+              <a:rPr lang="zh-TW" altLang="en-US" sz="6400" b="1" dirty="0">
+                <a:solidFill>
+                  <a:srgbClr val="660033"/>
+                </a:solidFill>
+                <a:latin typeface="微軟正黑體" pitchFamily="34" charset="-120"/>
+                <a:ea typeface="微軟正黑體" pitchFamily="34" charset="-120"/>
+              </a:rPr>
+              <a:t>完全屬於</a:t>
+            </a:r>
+            <a:r>
+              <a:rPr lang="zh-CN" altLang="en-US" sz="6400" b="1" dirty="0">
+                <a:solidFill>
+                  <a:srgbClr val="660033"/>
+                </a:solidFill>
+                <a:latin typeface="微軟正黑體" pitchFamily="34" charset="-120"/>
+                <a:ea typeface="微軟正黑體" pitchFamily="34" charset="-120"/>
+              </a:rPr>
+              <a:t>袮</a:t>
+            </a:r>
+            <a:endParaRPr lang="en-US" sz="6400" b="1" dirty="0">
+              <a:solidFill>
+                <a:srgbClr val="660033"/>
+              </a:solidFill>
+              <a:latin typeface="微軟正黑體" pitchFamily="34" charset="-120"/>
+              <a:ea typeface="微軟正黑體" pitchFamily="34" charset="-120"/>
+            </a:endParaRPr>
+          </a:p>
+        </p:txBody>
+      </p:sp>
+      <p:sp>
+        <p:nvSpPr>
+          <p:cNvPr id="3" name="TextBox 2"/>
+          <p:cNvSpPr txBox="1"/>
+          <p:nvPr/>
+        </p:nvSpPr>
+        <p:spPr>
+          <a:xfrm>
+            <a:off x="0" y="5157192"/>
+            <a:ext cx="12192000" cy="748988"/>
+          </a:xfrm>
+          <a:prstGeom prst="rect">
+            <a:avLst/>
+          </a:prstGeom>
+          <a:noFill/>
+        </p:spPr>
+        <p:txBody>
+          <a:bodyPr wrap="square" rtlCol="0">
+            <a:spAutoFit/>
+          </a:bodyPr>
+          <a:lstStyle/>
+          <a:p>
+            <a:pPr algn="ctr"/>
+            <a:r>
+              <a:rPr lang="en-US" sz="4267" b="1" dirty="0">
+                <a:solidFill>
+                  <a:srgbClr val="660033"/>
+                </a:solidFill>
+                <a:latin typeface="Microsoft JhengHei" panose="020B0604030504040204" pitchFamily="34" charset="-120"/>
+                <a:ea typeface="Microsoft JhengHei" panose="020B0604030504040204" pitchFamily="34" charset="-120"/>
+              </a:rPr>
+              <a:t>( </a:t>
+            </a:r>
+            <a:r>
+              <a:rPr lang="zh-CN" altLang="en-US" sz="4267" b="1" dirty="0">
+                <a:solidFill>
+                  <a:srgbClr val="660033"/>
+                </a:solidFill>
+                <a:latin typeface="Microsoft JhengHei" panose="020B0604030504040204" pitchFamily="34" charset="-120"/>
+                <a:ea typeface="Microsoft JhengHei" panose="020B0604030504040204" pitchFamily="34" charset="-120"/>
+              </a:rPr>
+              <a:t>副</a:t>
+            </a:r>
+            <a:r>
+              <a:rPr lang="en-US" sz="4267" b="1" dirty="0">
+                <a:solidFill>
+                  <a:srgbClr val="660033"/>
+                </a:solidFill>
+                <a:latin typeface="Microsoft JhengHei" panose="020B0604030504040204" pitchFamily="34" charset="-120"/>
+                <a:ea typeface="Microsoft JhengHei" panose="020B0604030504040204" pitchFamily="34" charset="-120"/>
+              </a:rPr>
+              <a:t> )</a:t>
+            </a:r>
+            <a:endParaRPr lang="vi-VN" sz="4267" b="1" dirty="0">
+              <a:solidFill>
+                <a:srgbClr val="660033"/>
+              </a:solidFill>
+              <a:ea typeface="Microsoft JhengHei" panose="020B0604030504040204" pitchFamily="34" charset="-120"/>
+            </a:endParaRPr>
+          </a:p>
+        </p:txBody>
+      </p:sp>
+    </p:spTree>
+    <p:extLst>
+      <p:ext uri="{BB962C8B-B14F-4D97-AF65-F5344CB8AC3E}">
+        <p14:creationId xmlns:p14="http://schemas.microsoft.com/office/powerpoint/2010/main" xmlns="" val="1196494994"/>
+      </p:ext>
+    </p:extLst>
+  </p:cSld>
+  <p:clrMapOvr>
+    <a:masterClrMapping/>
+  </p:clrMapOvr>
+  <p:timing>
+    <p:tnLst>
+      <p:par>
+        <p:cTn id="1" dur="indefinite" restart="never" nodeType="tmRoot"/>
+      </p:par>
+    </p:tnLst>
+  </p:timing>
 </p:sld>
 </file>
 
@@ -3634,13 +5987,20 @@
     </p:spTree>
     <p:extLst>
       <p:ext uri="{BB962C8B-B14F-4D97-AF65-F5344CB8AC3E}">
-        <p14:creationId xmlns:p14="http://schemas.microsoft.com/office/powerpoint/2010/main" val="2659430264"/>
+        <p14:creationId xmlns:p14="http://schemas.microsoft.com/office/powerpoint/2010/main" xmlns="" val="2659430264"/>
       </p:ext>
     </p:extLst>
   </p:cSld>
   <p:clrMapOvr>
     <a:masterClrMapping/>
   </p:clrMapOvr>
+  <p:timing>
+    <p:tnLst>
+      <p:par>
+        <p:cTn id="1" dur="indefinite" restart="never" nodeType="tmRoot"/>
+      </p:par>
+    </p:tnLst>
+  </p:timing>
 </p:sld>
 </file>
 
@@ -3833,13 +6193,20 @@
     </p:spTree>
     <p:extLst>
       <p:ext uri="{BB962C8B-B14F-4D97-AF65-F5344CB8AC3E}">
-        <p14:creationId xmlns:p14="http://schemas.microsoft.com/office/powerpoint/2010/main" val="3083504435"/>
+        <p14:creationId xmlns:p14="http://schemas.microsoft.com/office/powerpoint/2010/main" xmlns="" val="3083504435"/>
       </p:ext>
     </p:extLst>
   </p:cSld>
   <p:clrMapOvr>
     <a:masterClrMapping/>
   </p:clrMapOvr>
+  <p:timing>
+    <p:tnLst>
+      <p:par>
+        <p:cTn id="1" dur="indefinite" restart="never" nodeType="tmRoot"/>
+      </p:par>
+    </p:tnLst>
+  </p:timing>
 </p:sld>
 </file>
 
@@ -4022,13 +6389,20 @@
     </p:spTree>
     <p:extLst>
       <p:ext uri="{BB962C8B-B14F-4D97-AF65-F5344CB8AC3E}">
-        <p14:creationId xmlns:p14="http://schemas.microsoft.com/office/powerpoint/2010/main" val="4198729306"/>
+        <p14:creationId xmlns:p14="http://schemas.microsoft.com/office/powerpoint/2010/main" xmlns="" val="4198729306"/>
       </p:ext>
     </p:extLst>
   </p:cSld>
   <p:clrMapOvr>
     <a:masterClrMapping/>
   </p:clrMapOvr>
+  <p:timing>
+    <p:tnLst>
+      <p:par>
+        <p:cTn id="1" dur="indefinite" restart="never" nodeType="tmRoot"/>
+      </p:par>
+    </p:tnLst>
+  </p:timing>
 </p:sld>
 </file>
 
@@ -4221,13 +6595,20 @@
     </p:spTree>
     <p:extLst>
       <p:ext uri="{BB962C8B-B14F-4D97-AF65-F5344CB8AC3E}">
-        <p14:creationId xmlns:p14="http://schemas.microsoft.com/office/powerpoint/2010/main" val="2620595686"/>
+        <p14:creationId xmlns:p14="http://schemas.microsoft.com/office/powerpoint/2010/main" xmlns="" val="2620595686"/>
       </p:ext>
     </p:extLst>
   </p:cSld>
   <p:clrMapOvr>
     <a:masterClrMapping/>
   </p:clrMapOvr>
+  <p:timing>
+    <p:tnLst>
+      <p:par>
+        <p:cTn id="1" dur="indefinite" restart="never" nodeType="tmRoot"/>
+      </p:par>
+    </p:tnLst>
+  </p:timing>
 </p:sld>
 </file>
 
@@ -4390,13 +6771,412 @@
     </p:spTree>
     <p:extLst>
       <p:ext uri="{BB962C8B-B14F-4D97-AF65-F5344CB8AC3E}">
-        <p14:creationId xmlns:p14="http://schemas.microsoft.com/office/powerpoint/2010/main" val="1196494994"/>
+        <p14:creationId xmlns:p14="http://schemas.microsoft.com/office/powerpoint/2010/main" xmlns="" val="1196494994"/>
       </p:ext>
     </p:extLst>
   </p:cSld>
   <p:clrMapOvr>
     <a:masterClrMapping/>
   </p:clrMapOvr>
+  <p:timing>
+    <p:tnLst>
+      <p:par>
+        <p:cTn id="1" dur="indefinite" restart="never" nodeType="tmRoot"/>
+      </p:par>
+    </p:tnLst>
+  </p:timing>
+</p:sld>
+</file>
+
+<file path=ppt/slides/slide8.xml><?xml version="1.0" encoding="utf-8"?>
+<p:sld xmlns:a="http://schemas.openxmlformats.org/drawingml/2006/main" xmlns:r="http://schemas.openxmlformats.org/officeDocument/2006/relationships" xmlns:p="http://schemas.openxmlformats.org/presentationml/2006/main">
+  <p:cSld>
+    <p:spTree>
+      <p:nvGrpSpPr>
+        <p:cNvPr id="1" name=""/>
+        <p:cNvGrpSpPr/>
+        <p:nvPr/>
+      </p:nvGrpSpPr>
+      <p:grpSpPr>
+        <a:xfrm>
+          <a:off x="0" y="0"/>
+          <a:ext cx="0" cy="0"/>
+          <a:chOff x="0" y="0"/>
+          <a:chExt cx="0" cy="0"/>
+        </a:xfrm>
+      </p:grpSpPr>
+      <p:sp>
+        <p:nvSpPr>
+          <p:cNvPr id="5" name="內容版面配置區 4"/>
+          <p:cNvSpPr>
+            <a:spLocks noGrp="1"/>
+          </p:cNvSpPr>
+          <p:nvPr>
+            <p:ph idx="1"/>
+          </p:nvPr>
+        </p:nvSpPr>
+        <p:spPr>
+          <a:xfrm>
+            <a:off x="0" y="2084851"/>
+            <a:ext cx="12192000" cy="2404863"/>
+          </a:xfrm>
+        </p:spPr>
+        <p:txBody>
+          <a:bodyPr anchor="ctr">
+            <a:normAutofit/>
+          </a:bodyPr>
+          <a:lstStyle/>
+          <a:p>
+            <a:pPr marL="0" indent="0" algn="ctr">
+              <a:buNone/>
+            </a:pPr>
+            <a:r>
+              <a:rPr lang="zh-TW" altLang="en-US" sz="6400" b="1" dirty="0">
+                <a:solidFill>
+                  <a:srgbClr val="660033"/>
+                </a:solidFill>
+                <a:latin typeface="微軟正黑體" pitchFamily="34" charset="-120"/>
+                <a:ea typeface="微軟正黑體" pitchFamily="34" charset="-120"/>
+              </a:rPr>
+              <a:t>每當我來到主</a:t>
+            </a:r>
+            <a:r>
+              <a:rPr lang="zh-CN" altLang="en-US" sz="6400" b="1" dirty="0">
+                <a:solidFill>
+                  <a:srgbClr val="660033"/>
+                </a:solidFill>
+                <a:latin typeface="微軟正黑體" pitchFamily="34" charset="-120"/>
+                <a:ea typeface="微軟正黑體" pitchFamily="34" charset="-120"/>
+              </a:rPr>
+              <a:t>袮</a:t>
+            </a:r>
+            <a:r>
+              <a:rPr lang="zh-TW" altLang="en-US" sz="6400" b="1" dirty="0">
+                <a:solidFill>
+                  <a:srgbClr val="660033"/>
+                </a:solidFill>
+                <a:latin typeface="微軟正黑體" pitchFamily="34" charset="-120"/>
+                <a:ea typeface="微軟正黑體" pitchFamily="34" charset="-120"/>
+              </a:rPr>
+              <a:t>寶座前</a:t>
+            </a:r>
+            <a:endParaRPr lang="en-US" altLang="zh-TW" sz="6400" b="1" dirty="0">
+              <a:solidFill>
+                <a:srgbClr val="660033"/>
+              </a:solidFill>
+              <a:latin typeface="微軟正黑體" pitchFamily="34" charset="-120"/>
+              <a:ea typeface="微軟正黑體" pitchFamily="34" charset="-120"/>
+            </a:endParaRPr>
+          </a:p>
+          <a:p>
+            <a:pPr marL="0" indent="0" algn="ctr">
+              <a:buNone/>
+            </a:pPr>
+            <a:r>
+              <a:rPr lang="zh-TW" altLang="en-US" sz="6400" b="1" dirty="0">
+                <a:solidFill>
+                  <a:srgbClr val="660033"/>
+                </a:solidFill>
+                <a:latin typeface="微軟正黑體" pitchFamily="34" charset="-120"/>
+                <a:ea typeface="微軟正黑體" pitchFamily="34" charset="-120"/>
+              </a:rPr>
+              <a:t>我心我靈向</a:t>
+            </a:r>
+            <a:r>
+              <a:rPr lang="zh-CN" altLang="en-US" sz="6400" b="1" dirty="0">
+                <a:solidFill>
+                  <a:srgbClr val="660033"/>
+                </a:solidFill>
+                <a:latin typeface="微軟正黑體" pitchFamily="34" charset="-120"/>
+                <a:ea typeface="微軟正黑體" pitchFamily="34" charset="-120"/>
+              </a:rPr>
+              <a:t>袮</a:t>
+            </a:r>
+            <a:r>
+              <a:rPr lang="zh-TW" altLang="en-US" sz="6400" b="1" dirty="0">
+                <a:solidFill>
+                  <a:srgbClr val="660033"/>
+                </a:solidFill>
+                <a:latin typeface="微軟正黑體" pitchFamily="34" charset="-120"/>
+                <a:ea typeface="微軟正黑體" pitchFamily="34" charset="-120"/>
+              </a:rPr>
+              <a:t>俯伏敬拜</a:t>
+            </a:r>
+            <a:endParaRPr lang="en-US" altLang="zh-TW" sz="6400" b="1" dirty="0">
+              <a:solidFill>
+                <a:srgbClr val="660033"/>
+              </a:solidFill>
+              <a:latin typeface="微軟正黑體" pitchFamily="34" charset="-120"/>
+              <a:ea typeface="微軟正黑體" pitchFamily="34" charset="-120"/>
+            </a:endParaRPr>
+          </a:p>
+        </p:txBody>
+      </p:sp>
+      <p:sp>
+        <p:nvSpPr>
+          <p:cNvPr id="3" name="TextBox 2"/>
+          <p:cNvSpPr txBox="1"/>
+          <p:nvPr/>
+        </p:nvSpPr>
+        <p:spPr>
+          <a:xfrm>
+            <a:off x="0" y="5157192"/>
+            <a:ext cx="12192000" cy="748988"/>
+          </a:xfrm>
+          <a:prstGeom prst="rect">
+            <a:avLst/>
+          </a:prstGeom>
+          <a:noFill/>
+        </p:spPr>
+        <p:txBody>
+          <a:bodyPr wrap="square" rtlCol="0">
+            <a:spAutoFit/>
+          </a:bodyPr>
+          <a:lstStyle/>
+          <a:p>
+            <a:pPr algn="ctr"/>
+            <a:r>
+              <a:rPr lang="en-US" sz="4267" b="1" dirty="0">
+                <a:solidFill>
+                  <a:srgbClr val="660033"/>
+                </a:solidFill>
+                <a:latin typeface="Microsoft JhengHei" panose="020B0604030504040204" pitchFamily="34" charset="-120"/>
+                <a:ea typeface="Microsoft JhengHei" panose="020B0604030504040204" pitchFamily="34" charset="-120"/>
+              </a:rPr>
+              <a:t>( </a:t>
+            </a:r>
+            <a:r>
+              <a:rPr lang="zh-CN" altLang="en-US" sz="4267" b="1" dirty="0">
+                <a:solidFill>
+                  <a:srgbClr val="660033"/>
+                </a:solidFill>
+                <a:latin typeface="Microsoft JhengHei" panose="020B0604030504040204" pitchFamily="34" charset="-120"/>
+                <a:ea typeface="Microsoft JhengHei" panose="020B0604030504040204" pitchFamily="34" charset="-120"/>
+              </a:rPr>
+              <a:t>正</a:t>
+            </a:r>
+            <a:r>
+              <a:rPr lang="en-US" sz="4267" b="1" dirty="0">
+                <a:solidFill>
+                  <a:srgbClr val="660033"/>
+                </a:solidFill>
+                <a:latin typeface="Microsoft JhengHei" panose="020B0604030504040204" pitchFamily="34" charset="-120"/>
+                <a:ea typeface="Microsoft JhengHei" panose="020B0604030504040204" pitchFamily="34" charset="-120"/>
+              </a:rPr>
+              <a:t> )</a:t>
+            </a:r>
+            <a:endParaRPr lang="vi-VN" sz="4267" b="1" dirty="0">
+              <a:solidFill>
+                <a:srgbClr val="660033"/>
+              </a:solidFill>
+              <a:ea typeface="Microsoft JhengHei" panose="020B0604030504040204" pitchFamily="34" charset="-120"/>
+            </a:endParaRPr>
+          </a:p>
+        </p:txBody>
+      </p:sp>
+    </p:spTree>
+    <p:extLst>
+      <p:ext uri="{BB962C8B-B14F-4D97-AF65-F5344CB8AC3E}">
+        <p14:creationId xmlns:p14="http://schemas.microsoft.com/office/powerpoint/2010/main" xmlns="" val="779153319"/>
+      </p:ext>
+    </p:extLst>
+  </p:cSld>
+  <p:clrMapOvr>
+    <a:masterClrMapping/>
+  </p:clrMapOvr>
+  <p:timing>
+    <p:tnLst>
+      <p:par>
+        <p:cTn id="1" dur="indefinite" restart="never" nodeType="tmRoot"/>
+      </p:par>
+    </p:tnLst>
+  </p:timing>
+</p:sld>
+</file>
+
+<file path=ppt/slides/slide9.xml><?xml version="1.0" encoding="utf-8"?>
+<p:sld xmlns:a="http://schemas.openxmlformats.org/drawingml/2006/main" xmlns:r="http://schemas.openxmlformats.org/officeDocument/2006/relationships" xmlns:p="http://schemas.openxmlformats.org/presentationml/2006/main">
+  <p:cSld>
+    <p:spTree>
+      <p:nvGrpSpPr>
+        <p:cNvPr id="1" name=""/>
+        <p:cNvGrpSpPr/>
+        <p:nvPr/>
+      </p:nvGrpSpPr>
+      <p:grpSpPr>
+        <a:xfrm>
+          <a:off x="0" y="0"/>
+          <a:ext cx="0" cy="0"/>
+          <a:chOff x="0" y="0"/>
+          <a:chExt cx="0" cy="0"/>
+        </a:xfrm>
+      </p:grpSpPr>
+      <p:sp>
+        <p:nvSpPr>
+          <p:cNvPr id="5" name="內容版面配置區 4"/>
+          <p:cNvSpPr>
+            <a:spLocks noGrp="1"/>
+          </p:cNvSpPr>
+          <p:nvPr>
+            <p:ph idx="1"/>
+          </p:nvPr>
+        </p:nvSpPr>
+        <p:spPr>
+          <a:xfrm>
+            <a:off x="0" y="2084851"/>
+            <a:ext cx="12192000" cy="2404863"/>
+          </a:xfrm>
+        </p:spPr>
+        <p:txBody>
+          <a:bodyPr anchor="ctr">
+            <a:normAutofit/>
+          </a:bodyPr>
+          <a:lstStyle/>
+          <a:p>
+            <a:pPr marL="0" indent="0" algn="ctr">
+              <a:buNone/>
+            </a:pPr>
+            <a:r>
+              <a:rPr lang="zh-TW" altLang="en-US" sz="6400" b="1" dirty="0">
+                <a:solidFill>
+                  <a:srgbClr val="660033"/>
+                </a:solidFill>
+                <a:latin typeface="微軟正黑體" pitchFamily="34" charset="-120"/>
+                <a:ea typeface="微軟正黑體" pitchFamily="34" charset="-120"/>
+              </a:rPr>
+              <a:t>再次將主權交託全能神</a:t>
+            </a:r>
+            <a:endParaRPr lang="en-US" altLang="zh-TW" sz="6400" b="1" dirty="0">
+              <a:solidFill>
+                <a:srgbClr val="660033"/>
+              </a:solidFill>
+              <a:latin typeface="微軟正黑體" pitchFamily="34" charset="-120"/>
+              <a:ea typeface="微軟正黑體" pitchFamily="34" charset="-120"/>
+            </a:endParaRPr>
+          </a:p>
+          <a:p>
+            <a:pPr marL="0" indent="0" algn="ctr">
+              <a:buNone/>
+            </a:pPr>
+            <a:r>
+              <a:rPr lang="zh-TW" altLang="en-US" sz="6400" b="1" dirty="0">
+                <a:solidFill>
+                  <a:srgbClr val="660033"/>
+                </a:solidFill>
+                <a:latin typeface="微軟正黑體" pitchFamily="34" charset="-120"/>
+                <a:ea typeface="微軟正黑體" pitchFamily="34" charset="-120"/>
+              </a:rPr>
+              <a:t>懇求</a:t>
+            </a:r>
+            <a:r>
+              <a:rPr lang="zh-CN" altLang="en-US" sz="6400" b="1" dirty="0">
+                <a:solidFill>
+                  <a:srgbClr val="660033"/>
+                </a:solidFill>
+                <a:latin typeface="微軟正黑體" pitchFamily="34" charset="-120"/>
+                <a:ea typeface="微軟正黑體" pitchFamily="34" charset="-120"/>
+              </a:rPr>
+              <a:t>袮</a:t>
+            </a:r>
+            <a:r>
+              <a:rPr lang="zh-TW" altLang="en-US" sz="6400" b="1" dirty="0">
+                <a:solidFill>
+                  <a:srgbClr val="660033"/>
+                </a:solidFill>
+                <a:latin typeface="微軟正黑體" pitchFamily="34" charset="-120"/>
+                <a:ea typeface="微軟正黑體" pitchFamily="34" charset="-120"/>
+              </a:rPr>
+              <a:t>心意向我顯明</a:t>
+            </a:r>
+            <a:endParaRPr lang="en-US" sz="6400" b="1" dirty="0">
+              <a:solidFill>
+                <a:srgbClr val="660033"/>
+              </a:solidFill>
+              <a:latin typeface="微軟正黑體" pitchFamily="34" charset="-120"/>
+              <a:ea typeface="微軟正黑體" pitchFamily="34" charset="-120"/>
+            </a:endParaRPr>
+          </a:p>
+        </p:txBody>
+      </p:sp>
+      <p:sp>
+        <p:nvSpPr>
+          <p:cNvPr id="3" name="TextBox 2"/>
+          <p:cNvSpPr txBox="1"/>
+          <p:nvPr/>
+        </p:nvSpPr>
+        <p:spPr>
+          <a:xfrm>
+            <a:off x="0" y="5157192"/>
+            <a:ext cx="12192000" cy="748988"/>
+          </a:xfrm>
+          <a:prstGeom prst="rect">
+            <a:avLst/>
+          </a:prstGeom>
+          <a:noFill/>
+        </p:spPr>
+        <p:txBody>
+          <a:bodyPr wrap="square" rtlCol="0">
+            <a:spAutoFit/>
+          </a:bodyPr>
+          <a:lstStyle/>
+          <a:p>
+            <a:pPr algn="ctr"/>
+            <a:r>
+              <a:rPr lang="en-US" sz="4267" b="1" dirty="0">
+                <a:solidFill>
+                  <a:srgbClr val="660033"/>
+                </a:solidFill>
+                <a:latin typeface="Microsoft JhengHei" panose="020B0604030504040204" pitchFamily="34" charset="-120"/>
+                <a:ea typeface="Microsoft JhengHei" panose="020B0604030504040204" pitchFamily="34" charset="-120"/>
+              </a:rPr>
+              <a:t>( </a:t>
+            </a:r>
+            <a:r>
+              <a:rPr lang="zh-CN" altLang="en-US" sz="4267" b="1" dirty="0">
+                <a:solidFill>
+                  <a:srgbClr val="660033"/>
+                </a:solidFill>
+                <a:latin typeface="Microsoft JhengHei" panose="020B0604030504040204" pitchFamily="34" charset="-120"/>
+                <a:ea typeface="Microsoft JhengHei" panose="020B0604030504040204" pitchFamily="34" charset="-120"/>
+              </a:rPr>
+              <a:t>正</a:t>
+            </a:r>
+            <a:r>
+              <a:rPr lang="en-US" sz="4267" b="1" dirty="0">
+                <a:solidFill>
+                  <a:srgbClr val="660033"/>
+                </a:solidFill>
+                <a:latin typeface="Microsoft JhengHei" panose="020B0604030504040204" pitchFamily="34" charset="-120"/>
+                <a:ea typeface="Microsoft JhengHei" panose="020B0604030504040204" pitchFamily="34" charset="-120"/>
+              </a:rPr>
+              <a:t> )</a:t>
+            </a:r>
+            <a:endParaRPr lang="vi-VN" sz="4267" b="1" dirty="0">
+              <a:solidFill>
+                <a:srgbClr val="660033"/>
+              </a:solidFill>
+              <a:ea typeface="Microsoft JhengHei" panose="020B0604030504040204" pitchFamily="34" charset="-120"/>
+            </a:endParaRPr>
+          </a:p>
+        </p:txBody>
+      </p:sp>
+    </p:spTree>
+    <p:extLst>
+      <p:ext uri="{BB962C8B-B14F-4D97-AF65-F5344CB8AC3E}">
+        <p14:creationId xmlns:p14="http://schemas.microsoft.com/office/powerpoint/2010/main" xmlns="" val="2659430264"/>
+      </p:ext>
+    </p:extLst>
+  </p:cSld>
+  <p:clrMapOvr>
+    <a:masterClrMapping/>
+  </p:clrMapOvr>
+  <p:timing>
+    <p:tnLst>
+      <p:par>
+        <p:cTn id="1" dur="indefinite" restart="never" nodeType="tmRoot"/>
+      </p:par>
+    </p:tnLst>
+  </p:timing>
 </p:sld>
 </file>
 
